--- a/wiseCLOUD운영자 지침_이미지.pptx
+++ b/wiseCLOUD운영자 지침_이미지.pptx
@@ -5,13 +5,14 @@
     <p:sldMasterId id="2147483648" r:id="rId1"/>
   </p:sldMasterIdLst>
   <p:notesMasterIdLst>
-    <p:notesMasterId r:id="rId6"/>
+    <p:notesMasterId r:id="rId7"/>
   </p:notesMasterIdLst>
   <p:sldIdLst>
     <p:sldId id="256" r:id="rId2"/>
     <p:sldId id="257" r:id="rId3"/>
     <p:sldId id="260" r:id="rId4"/>
     <p:sldId id="261" r:id="rId5"/>
+    <p:sldId id="262" r:id="rId6"/>
   </p:sldIdLst>
   <p:sldSz cx="12192000" cy="6858000"/>
   <p:notesSz cx="6858000" cy="9144000"/>
@@ -110,6 +111,11 @@
       </a:defRPr>
     </a:lvl9pPr>
   </p:defaultTextStyle>
+  <p:extLst>
+    <p:ext uri="{EFAFB233-063F-42B5-8137-9DF3F51BA10A}">
+      <p15:sldGuideLst xmlns:p15="http://schemas.microsoft.com/office/powerpoint/2012/main"/>
+    </p:ext>
+  </p:extLst>
 </p:presentation>
 </file>
 
@@ -195,7 +201,7 @@
           <a:p>
             <a:fld id="{8062C3F1-9613-D74E-8132-367B4BC76141}" type="datetimeFigureOut">
               <a:rPr kumimoji="1" lang="ko-KR" altLang="en-US" smtClean="0"/>
-              <a:t>2017. 3. 30.</a:t>
+              <a:t>2017. 3. 31.</a:t>
             </a:fld>
             <a:endParaRPr kumimoji="1" lang="ko-KR" altLang="en-US"/>
           </a:p>
@@ -799,6 +805,90 @@
 </p:notes>
 </file>
 
+<file path=ppt/notesSlides/notesSlide5.xml><?xml version="1.0" encoding="utf-8"?>
+<p:notes xmlns:a="http://schemas.openxmlformats.org/drawingml/2006/main" xmlns:r="http://schemas.openxmlformats.org/officeDocument/2006/relationships" xmlns:p="http://schemas.openxmlformats.org/presentationml/2006/main">
+  <p:cSld>
+    <p:spTree>
+      <p:nvGrpSpPr>
+        <p:cNvPr id="1" name=""/>
+        <p:cNvGrpSpPr/>
+        <p:nvPr/>
+      </p:nvGrpSpPr>
+      <p:grpSpPr>
+        <a:xfrm>
+          <a:off x="0" y="0"/>
+          <a:ext cx="0" cy="0"/>
+          <a:chOff x="0" y="0"/>
+          <a:chExt cx="0" cy="0"/>
+        </a:xfrm>
+      </p:grpSpPr>
+      <p:sp>
+        <p:nvSpPr>
+          <p:cNvPr id="2" name="슬라이드 이미지 개체 틀 1"/>
+          <p:cNvSpPr>
+            <a:spLocks noGrp="1" noRot="1" noChangeAspect="1"/>
+          </p:cNvSpPr>
+          <p:nvPr>
+            <p:ph type="sldImg"/>
+          </p:nvPr>
+        </p:nvSpPr>
+        <p:spPr/>
+      </p:sp>
+      <p:sp>
+        <p:nvSpPr>
+          <p:cNvPr id="3" name="슬라이드 노트 개체 틀 2"/>
+          <p:cNvSpPr>
+            <a:spLocks noGrp="1"/>
+          </p:cNvSpPr>
+          <p:nvPr>
+            <p:ph type="body" idx="1"/>
+          </p:nvPr>
+        </p:nvSpPr>
+        <p:spPr/>
+        <p:txBody>
+          <a:bodyPr/>
+          <a:lstStyle/>
+          <a:p>
+            <a:endParaRPr kumimoji="1" lang="ko-KR" altLang="en-US" dirty="0"/>
+          </a:p>
+        </p:txBody>
+      </p:sp>
+      <p:sp>
+        <p:nvSpPr>
+          <p:cNvPr id="4" name="슬라이드 번호 개체 틀 3"/>
+          <p:cNvSpPr>
+            <a:spLocks noGrp="1"/>
+          </p:cNvSpPr>
+          <p:nvPr>
+            <p:ph type="sldNum" sz="quarter" idx="10"/>
+          </p:nvPr>
+        </p:nvSpPr>
+        <p:spPr/>
+        <p:txBody>
+          <a:bodyPr/>
+          <a:lstStyle/>
+          <a:p>
+            <a:fld id="{3590BCE5-36E8-7249-AEB3-A745D2D51B77}" type="slidenum">
+              <a:rPr kumimoji="1" lang="ko-KR" altLang="en-US" smtClean="0"/>
+              <a:t>5</a:t>
+            </a:fld>
+            <a:endParaRPr kumimoji="1" lang="ko-KR" altLang="en-US"/>
+          </a:p>
+        </p:txBody>
+      </p:sp>
+    </p:spTree>
+    <p:extLst>
+      <p:ext uri="{BB962C8B-B14F-4D97-AF65-F5344CB8AC3E}">
+        <p14:creationId xmlns:p14="http://schemas.microsoft.com/office/powerpoint/2010/main" val="1497280194"/>
+      </p:ext>
+    </p:extLst>
+  </p:cSld>
+  <p:clrMapOvr>
+    <a:masterClrMapping/>
+  </p:clrMapOvr>
+</p:notes>
+</file>
+
 <file path=ppt/slideLayouts/slideLayout1.xml><?xml version="1.0" encoding="utf-8"?>
 <p:sldLayout xmlns:a="http://schemas.openxmlformats.org/drawingml/2006/main" xmlns:r="http://schemas.openxmlformats.org/officeDocument/2006/relationships" xmlns:p="http://schemas.openxmlformats.org/presentationml/2006/main" type="title" preserve="1">
   <p:cSld name="제목 슬라이드">
@@ -930,7 +1020,7 @@
           <a:p>
             <a:fld id="{05F271B2-6572-6E42-BF38-C26CFE9957A6}" type="datetimeFigureOut">
               <a:rPr kumimoji="1" lang="ko-KR" altLang="en-US" smtClean="0"/>
-              <a:t>2017. 3. 30.</a:t>
+              <a:t>2017. 3. 31.</a:t>
             </a:fld>
             <a:endParaRPr kumimoji="1" lang="ko-KR" altLang="en-US"/>
           </a:p>
@@ -1100,7 +1190,7 @@
           <a:p>
             <a:fld id="{05F271B2-6572-6E42-BF38-C26CFE9957A6}" type="datetimeFigureOut">
               <a:rPr kumimoji="1" lang="ko-KR" altLang="en-US" smtClean="0"/>
-              <a:t>2017. 3. 30.</a:t>
+              <a:t>2017. 3. 31.</a:t>
             </a:fld>
             <a:endParaRPr kumimoji="1" lang="ko-KR" altLang="en-US"/>
           </a:p>
@@ -1280,7 +1370,7 @@
           <a:p>
             <a:fld id="{05F271B2-6572-6E42-BF38-C26CFE9957A6}" type="datetimeFigureOut">
               <a:rPr kumimoji="1" lang="ko-KR" altLang="en-US" smtClean="0"/>
-              <a:t>2017. 3. 30.</a:t>
+              <a:t>2017. 3. 31.</a:t>
             </a:fld>
             <a:endParaRPr kumimoji="1" lang="ko-KR" altLang="en-US"/>
           </a:p>
@@ -1450,7 +1540,7 @@
           <a:p>
             <a:fld id="{05F271B2-6572-6E42-BF38-C26CFE9957A6}" type="datetimeFigureOut">
               <a:rPr kumimoji="1" lang="ko-KR" altLang="en-US" smtClean="0"/>
-              <a:t>2017. 3. 30.</a:t>
+              <a:t>2017. 3. 31.</a:t>
             </a:fld>
             <a:endParaRPr kumimoji="1" lang="ko-KR" altLang="en-US"/>
           </a:p>
@@ -1696,7 +1786,7 @@
           <a:p>
             <a:fld id="{05F271B2-6572-6E42-BF38-C26CFE9957A6}" type="datetimeFigureOut">
               <a:rPr kumimoji="1" lang="ko-KR" altLang="en-US" smtClean="0"/>
-              <a:t>2017. 3. 30.</a:t>
+              <a:t>2017. 3. 31.</a:t>
             </a:fld>
             <a:endParaRPr kumimoji="1" lang="ko-KR" altLang="en-US"/>
           </a:p>
@@ -1928,7 +2018,7 @@
           <a:p>
             <a:fld id="{05F271B2-6572-6E42-BF38-C26CFE9957A6}" type="datetimeFigureOut">
               <a:rPr kumimoji="1" lang="ko-KR" altLang="en-US" smtClean="0"/>
-              <a:t>2017. 3. 30.</a:t>
+              <a:t>2017. 3. 31.</a:t>
             </a:fld>
             <a:endParaRPr kumimoji="1" lang="ko-KR" altLang="en-US"/>
           </a:p>
@@ -2295,7 +2385,7 @@
           <a:p>
             <a:fld id="{05F271B2-6572-6E42-BF38-C26CFE9957A6}" type="datetimeFigureOut">
               <a:rPr kumimoji="1" lang="ko-KR" altLang="en-US" smtClean="0"/>
-              <a:t>2017. 3. 30.</a:t>
+              <a:t>2017. 3. 31.</a:t>
             </a:fld>
             <a:endParaRPr kumimoji="1" lang="ko-KR" altLang="en-US"/>
           </a:p>
@@ -2413,7 +2503,7 @@
           <a:p>
             <a:fld id="{05F271B2-6572-6E42-BF38-C26CFE9957A6}" type="datetimeFigureOut">
               <a:rPr kumimoji="1" lang="ko-KR" altLang="en-US" smtClean="0"/>
-              <a:t>2017. 3. 30.</a:t>
+              <a:t>2017. 3. 31.</a:t>
             </a:fld>
             <a:endParaRPr kumimoji="1" lang="ko-KR" altLang="en-US"/>
           </a:p>
@@ -2508,7 +2598,7 @@
           <a:p>
             <a:fld id="{05F271B2-6572-6E42-BF38-C26CFE9957A6}" type="datetimeFigureOut">
               <a:rPr kumimoji="1" lang="ko-KR" altLang="en-US" smtClean="0"/>
-              <a:t>2017. 3. 30.</a:t>
+              <a:t>2017. 3. 31.</a:t>
             </a:fld>
             <a:endParaRPr kumimoji="1" lang="ko-KR" altLang="en-US"/>
           </a:p>
@@ -2785,7 +2875,7 @@
           <a:p>
             <a:fld id="{05F271B2-6572-6E42-BF38-C26CFE9957A6}" type="datetimeFigureOut">
               <a:rPr kumimoji="1" lang="ko-KR" altLang="en-US" smtClean="0"/>
-              <a:t>2017. 3. 30.</a:t>
+              <a:t>2017. 3. 31.</a:t>
             </a:fld>
             <a:endParaRPr kumimoji="1" lang="ko-KR" altLang="en-US"/>
           </a:p>
@@ -3038,7 +3128,7 @@
           <a:p>
             <a:fld id="{05F271B2-6572-6E42-BF38-C26CFE9957A6}" type="datetimeFigureOut">
               <a:rPr kumimoji="1" lang="ko-KR" altLang="en-US" smtClean="0"/>
-              <a:t>2017. 3. 30.</a:t>
+              <a:t>2017. 3. 31.</a:t>
             </a:fld>
             <a:endParaRPr kumimoji="1" lang="ko-KR" altLang="en-US"/>
           </a:p>
@@ -3251,7 +3341,7 @@
           <a:p>
             <a:fld id="{05F271B2-6572-6E42-BF38-C26CFE9957A6}" type="datetimeFigureOut">
               <a:rPr kumimoji="1" lang="ko-KR" altLang="en-US" smtClean="0"/>
-              <a:t>2017. 3. 30.</a:t>
+              <a:t>2017. 3. 31.</a:t>
             </a:fld>
             <a:endParaRPr kumimoji="1" lang="ko-KR" altLang="en-US"/>
           </a:p>
@@ -4583,11 +4673,7 @@
           <a:p>
             <a:r>
               <a:rPr kumimoji="1" lang="en-US" altLang="ko-KR" sz="1000" b="1" dirty="0" smtClean="0"/>
-              <a:t>Secondary </a:t>
-            </a:r>
-            <a:r>
-              <a:rPr kumimoji="1" lang="en-US" altLang="ko-KR" sz="1000" b="1" dirty="0" smtClean="0"/>
-              <a:t>Storage</a:t>
+              <a:t>Secondary Storage</a:t>
             </a:r>
             <a:endParaRPr kumimoji="1" lang="ko-KR" altLang="en-US" sz="1000" b="1" dirty="0"/>
           </a:p>
@@ -8768,6 +8854,428 @@
           </a:p>
         </p:txBody>
       </p:sp>
+      <p:grpSp>
+        <p:nvGrpSpPr>
+          <p:cNvPr id="4" name="그룹 3"/>
+          <p:cNvGrpSpPr/>
+          <p:nvPr/>
+        </p:nvGrpSpPr>
+        <p:grpSpPr>
+          <a:xfrm>
+            <a:off x="7330050" y="4900886"/>
+            <a:ext cx="2776843" cy="879145"/>
+            <a:chOff x="7330050" y="4678595"/>
+            <a:chExt cx="2776843" cy="879145"/>
+          </a:xfrm>
+        </p:grpSpPr>
+        <p:pic>
+          <p:nvPicPr>
+            <p:cNvPr id="52" name="그림 51"/>
+            <p:cNvPicPr>
+              <a:picLocks noChangeAspect="1"/>
+            </p:cNvPicPr>
+            <p:nvPr/>
+          </p:nvPicPr>
+          <p:blipFill>
+            <a:blip r:embed="rId3"/>
+            <a:stretch>
+              <a:fillRect/>
+            </a:stretch>
+          </p:blipFill>
+          <p:spPr>
+            <a:xfrm>
+              <a:off x="7334507" y="4678595"/>
+              <a:ext cx="2772386" cy="632924"/>
+            </a:xfrm>
+            <a:prstGeom prst="rect">
+              <a:avLst/>
+            </a:prstGeom>
+          </p:spPr>
+        </p:pic>
+        <p:grpSp>
+          <p:nvGrpSpPr>
+            <p:cNvPr id="53" name="그룹 52"/>
+            <p:cNvGrpSpPr/>
+            <p:nvPr/>
+          </p:nvGrpSpPr>
+          <p:grpSpPr>
+            <a:xfrm>
+              <a:off x="8448692" y="5037277"/>
+              <a:ext cx="130611" cy="45719"/>
+              <a:chOff x="2906267" y="1542665"/>
+              <a:chExt cx="130611" cy="45719"/>
+            </a:xfrm>
+          </p:grpSpPr>
+          <p:sp>
+            <p:nvSpPr>
+              <p:cNvPr id="54" name="직사각형 53"/>
+              <p:cNvSpPr/>
+              <p:nvPr/>
+            </p:nvSpPr>
+            <p:spPr>
+              <a:xfrm>
+                <a:off x="2906267" y="1542665"/>
+                <a:ext cx="45719" cy="45719"/>
+              </a:xfrm>
+              <a:prstGeom prst="rect">
+                <a:avLst/>
+              </a:prstGeom>
+              <a:solidFill>
+                <a:schemeClr val="accent5">
+                  <a:lumMod val="60000"/>
+                  <a:lumOff val="40000"/>
+                </a:schemeClr>
+              </a:solidFill>
+              <a:ln>
+                <a:solidFill>
+                  <a:srgbClr val="0070C0"/>
+                </a:solidFill>
+              </a:ln>
+            </p:spPr>
+            <p:style>
+              <a:lnRef idx="2">
+                <a:schemeClr val="accent1">
+                  <a:shade val="50000"/>
+                </a:schemeClr>
+              </a:lnRef>
+              <a:fillRef idx="1">
+                <a:schemeClr val="accent1"/>
+              </a:fillRef>
+              <a:effectRef idx="0">
+                <a:schemeClr val="accent1"/>
+              </a:effectRef>
+              <a:fontRef idx="minor">
+                <a:schemeClr val="lt1"/>
+              </a:fontRef>
+            </p:style>
+            <p:txBody>
+              <a:bodyPr rtlCol="0" anchor="ctr"/>
+              <a:lstStyle/>
+              <a:p>
+                <a:pPr algn="ctr"/>
+                <a:endParaRPr kumimoji="1" lang="ko-KR" altLang="en-US"/>
+              </a:p>
+            </p:txBody>
+          </p:sp>
+          <p:sp>
+            <p:nvSpPr>
+              <p:cNvPr id="55" name="직사각형 54"/>
+              <p:cNvSpPr/>
+              <p:nvPr/>
+            </p:nvSpPr>
+            <p:spPr>
+              <a:xfrm>
+                <a:off x="2991159" y="1542665"/>
+                <a:ext cx="45719" cy="45719"/>
+              </a:xfrm>
+              <a:prstGeom prst="rect">
+                <a:avLst/>
+              </a:prstGeom>
+              <a:solidFill>
+                <a:schemeClr val="accent2">
+                  <a:lumMod val="60000"/>
+                  <a:lumOff val="40000"/>
+                </a:schemeClr>
+              </a:solidFill>
+              <a:ln>
+                <a:solidFill>
+                  <a:srgbClr val="FF0000"/>
+                </a:solidFill>
+              </a:ln>
+            </p:spPr>
+            <p:style>
+              <a:lnRef idx="2">
+                <a:schemeClr val="accent1">
+                  <a:shade val="50000"/>
+                </a:schemeClr>
+              </a:lnRef>
+              <a:fillRef idx="1">
+                <a:schemeClr val="accent1"/>
+              </a:fillRef>
+              <a:effectRef idx="0">
+                <a:schemeClr val="accent1"/>
+              </a:effectRef>
+              <a:fontRef idx="minor">
+                <a:schemeClr val="lt1"/>
+              </a:fontRef>
+            </p:style>
+            <p:txBody>
+              <a:bodyPr rtlCol="0" anchor="ctr"/>
+              <a:lstStyle/>
+              <a:p>
+                <a:pPr algn="ctr"/>
+                <a:endParaRPr kumimoji="1" lang="ko-KR" altLang="en-US"/>
+              </a:p>
+            </p:txBody>
+          </p:sp>
+        </p:grpSp>
+        <p:sp>
+          <p:nvSpPr>
+            <p:cNvPr id="57" name="직사각형 56"/>
+            <p:cNvSpPr/>
+            <p:nvPr/>
+          </p:nvSpPr>
+          <p:spPr>
+            <a:xfrm>
+              <a:off x="8618476" y="5037277"/>
+              <a:ext cx="45719" cy="45719"/>
+            </a:xfrm>
+            <a:prstGeom prst="rect">
+              <a:avLst/>
+            </a:prstGeom>
+            <a:solidFill>
+              <a:schemeClr val="accent6">
+                <a:lumMod val="60000"/>
+                <a:lumOff val="40000"/>
+              </a:schemeClr>
+            </a:solidFill>
+            <a:ln>
+              <a:solidFill>
+                <a:srgbClr val="00B050"/>
+              </a:solidFill>
+            </a:ln>
+          </p:spPr>
+          <p:style>
+            <a:lnRef idx="2">
+              <a:schemeClr val="accent1">
+                <a:shade val="50000"/>
+              </a:schemeClr>
+            </a:lnRef>
+            <a:fillRef idx="1">
+              <a:schemeClr val="accent1"/>
+            </a:fillRef>
+            <a:effectRef idx="0">
+              <a:schemeClr val="accent1"/>
+            </a:effectRef>
+            <a:fontRef idx="minor">
+              <a:schemeClr val="lt1"/>
+            </a:fontRef>
+          </p:style>
+          <p:txBody>
+            <a:bodyPr rtlCol="0" anchor="ctr"/>
+            <a:lstStyle/>
+            <a:p>
+              <a:pPr algn="ctr"/>
+              <a:endParaRPr kumimoji="1" lang="ko-KR" altLang="en-US"/>
+            </a:p>
+          </p:txBody>
+        </p:sp>
+        <p:sp>
+          <p:nvSpPr>
+            <p:cNvPr id="73" name="텍스트 상자 72"/>
+            <p:cNvSpPr txBox="1"/>
+            <p:nvPr/>
+          </p:nvSpPr>
+          <p:spPr>
+            <a:xfrm>
+              <a:off x="7330050" y="5311519"/>
+              <a:ext cx="1180131" cy="246221"/>
+            </a:xfrm>
+            <a:prstGeom prst="rect">
+              <a:avLst/>
+            </a:prstGeom>
+            <a:noFill/>
+          </p:spPr>
+          <p:txBody>
+            <a:bodyPr wrap="none" rtlCol="0">
+              <a:spAutoFit/>
+            </a:bodyPr>
+            <a:lstStyle/>
+            <a:p>
+              <a:r>
+                <a:rPr kumimoji="1" lang="en-US" altLang="ko-KR" sz="1000" b="1" dirty="0" smtClean="0">
+                  <a:solidFill>
+                    <a:srgbClr val="FF0000"/>
+                  </a:solidFill>
+                </a:rPr>
+                <a:t>Hypervisor Host</a:t>
+              </a:r>
+              <a:endParaRPr kumimoji="1" lang="ko-KR" altLang="en-US" sz="1000" b="1" dirty="0">
+                <a:solidFill>
+                  <a:srgbClr val="FF0000"/>
+                </a:solidFill>
+              </a:endParaRPr>
+            </a:p>
+          </p:txBody>
+        </p:sp>
+        <p:grpSp>
+          <p:nvGrpSpPr>
+            <p:cNvPr id="74" name="그룹 73"/>
+            <p:cNvGrpSpPr/>
+            <p:nvPr/>
+          </p:nvGrpSpPr>
+          <p:grpSpPr>
+            <a:xfrm>
+              <a:off x="8702438" y="5037276"/>
+              <a:ext cx="200515" cy="45719"/>
+              <a:chOff x="5978609" y="2817717"/>
+              <a:chExt cx="200515" cy="45719"/>
+            </a:xfrm>
+          </p:grpSpPr>
+          <p:sp>
+            <p:nvSpPr>
+              <p:cNvPr id="75" name="직사각형 74"/>
+              <p:cNvSpPr/>
+              <p:nvPr/>
+            </p:nvSpPr>
+            <p:spPr>
+              <a:xfrm>
+                <a:off x="6054863" y="2817717"/>
+                <a:ext cx="45719" cy="45719"/>
+              </a:xfrm>
+              <a:prstGeom prst="rect">
+                <a:avLst/>
+              </a:prstGeom>
+              <a:solidFill>
+                <a:schemeClr val="tx1">
+                  <a:lumMod val="75000"/>
+                  <a:lumOff val="25000"/>
+                </a:schemeClr>
+              </a:solidFill>
+              <a:ln>
+                <a:solidFill>
+                  <a:schemeClr val="tx1">
+                    <a:lumMod val="50000"/>
+                    <a:lumOff val="50000"/>
+                  </a:schemeClr>
+                </a:solidFill>
+              </a:ln>
+            </p:spPr>
+            <p:style>
+              <a:lnRef idx="2">
+                <a:schemeClr val="accent1">
+                  <a:shade val="50000"/>
+                </a:schemeClr>
+              </a:lnRef>
+              <a:fillRef idx="1">
+                <a:schemeClr val="accent1"/>
+              </a:fillRef>
+              <a:effectRef idx="0">
+                <a:schemeClr val="accent1"/>
+              </a:effectRef>
+              <a:fontRef idx="minor">
+                <a:schemeClr val="lt1"/>
+              </a:fontRef>
+            </p:style>
+            <p:txBody>
+              <a:bodyPr rtlCol="0" anchor="ctr"/>
+              <a:lstStyle/>
+              <a:p>
+                <a:pPr algn="ctr"/>
+                <a:endParaRPr kumimoji="1" lang="ko-KR" altLang="en-US"/>
+              </a:p>
+            </p:txBody>
+          </p:sp>
+          <p:sp>
+            <p:nvSpPr>
+              <p:cNvPr id="76" name="직사각형 75"/>
+              <p:cNvSpPr/>
+              <p:nvPr/>
+            </p:nvSpPr>
+            <p:spPr>
+              <a:xfrm>
+                <a:off x="6133405" y="2817717"/>
+                <a:ext cx="45719" cy="45719"/>
+              </a:xfrm>
+              <a:prstGeom prst="rect">
+                <a:avLst/>
+              </a:prstGeom>
+              <a:solidFill>
+                <a:schemeClr val="tx1">
+                  <a:lumMod val="75000"/>
+                  <a:lumOff val="25000"/>
+                </a:schemeClr>
+              </a:solidFill>
+              <a:ln>
+                <a:solidFill>
+                  <a:schemeClr val="tx1">
+                    <a:lumMod val="50000"/>
+                    <a:lumOff val="50000"/>
+                  </a:schemeClr>
+                </a:solidFill>
+              </a:ln>
+            </p:spPr>
+            <p:style>
+              <a:lnRef idx="2">
+                <a:schemeClr val="accent1">
+                  <a:shade val="50000"/>
+                </a:schemeClr>
+              </a:lnRef>
+              <a:fillRef idx="1">
+                <a:schemeClr val="accent1"/>
+              </a:fillRef>
+              <a:effectRef idx="0">
+                <a:schemeClr val="accent1"/>
+              </a:effectRef>
+              <a:fontRef idx="minor">
+                <a:schemeClr val="lt1"/>
+              </a:fontRef>
+            </p:style>
+            <p:txBody>
+              <a:bodyPr rtlCol="0" anchor="ctr"/>
+              <a:lstStyle/>
+              <a:p>
+                <a:pPr algn="ctr"/>
+                <a:endParaRPr kumimoji="1" lang="ko-KR" altLang="en-US"/>
+              </a:p>
+            </p:txBody>
+          </p:sp>
+          <p:sp>
+            <p:nvSpPr>
+              <p:cNvPr id="82" name="직사각형 81"/>
+              <p:cNvSpPr/>
+              <p:nvPr/>
+            </p:nvSpPr>
+            <p:spPr>
+              <a:xfrm>
+                <a:off x="5978609" y="2817717"/>
+                <a:ext cx="45719" cy="45719"/>
+              </a:xfrm>
+              <a:prstGeom prst="rect">
+                <a:avLst/>
+              </a:prstGeom>
+              <a:solidFill>
+                <a:schemeClr val="tx1">
+                  <a:lumMod val="75000"/>
+                  <a:lumOff val="25000"/>
+                </a:schemeClr>
+              </a:solidFill>
+              <a:ln>
+                <a:solidFill>
+                  <a:schemeClr val="tx1">
+                    <a:lumMod val="50000"/>
+                    <a:lumOff val="50000"/>
+                  </a:schemeClr>
+                </a:solidFill>
+              </a:ln>
+            </p:spPr>
+            <p:style>
+              <a:lnRef idx="2">
+                <a:schemeClr val="accent1">
+                  <a:shade val="50000"/>
+                </a:schemeClr>
+              </a:lnRef>
+              <a:fillRef idx="1">
+                <a:schemeClr val="accent1"/>
+              </a:fillRef>
+              <a:effectRef idx="0">
+                <a:schemeClr val="accent1"/>
+              </a:effectRef>
+              <a:fontRef idx="minor">
+                <a:schemeClr val="lt1"/>
+              </a:fontRef>
+            </p:style>
+            <p:txBody>
+              <a:bodyPr rtlCol="0" anchor="ctr"/>
+              <a:lstStyle/>
+              <a:p>
+                <a:pPr algn="ctr"/>
+                <a:endParaRPr kumimoji="1" lang="ko-KR" altLang="en-US"/>
+              </a:p>
+            </p:txBody>
+          </p:sp>
+        </p:grpSp>
+      </p:grpSp>
     </p:spTree>
     <p:extLst>
       <p:ext uri="{BB962C8B-B14F-4D97-AF65-F5344CB8AC3E}">
@@ -11965,11 +12473,7 @@
           <a:p>
             <a:r>
               <a:rPr kumimoji="1" lang="en-US" altLang="ko-KR" sz="1000" b="1" dirty="0" smtClean="0"/>
-              <a:t>Secondary </a:t>
-            </a:r>
-            <a:r>
-              <a:rPr kumimoji="1" lang="en-US" altLang="ko-KR" sz="1000" b="1" dirty="0" smtClean="0"/>
-              <a:t>Storage</a:t>
+              <a:t>Secondary Storage</a:t>
             </a:r>
             <a:endParaRPr kumimoji="1" lang="ko-KR" altLang="en-US" sz="1000" b="1" dirty="0"/>
           </a:p>
@@ -14314,6 +14818,3668 @@
 </p:sld>
 </file>
 
+<file path=ppt/slides/slide5.xml><?xml version="1.0" encoding="utf-8"?>
+<p:sld xmlns:a="http://schemas.openxmlformats.org/drawingml/2006/main" xmlns:r="http://schemas.openxmlformats.org/officeDocument/2006/relationships" xmlns:p="http://schemas.openxmlformats.org/presentationml/2006/main">
+  <p:cSld>
+    <p:spTree>
+      <p:nvGrpSpPr>
+        <p:cNvPr id="1" name=""/>
+        <p:cNvGrpSpPr/>
+        <p:nvPr/>
+      </p:nvGrpSpPr>
+      <p:grpSpPr>
+        <a:xfrm>
+          <a:off x="0" y="0"/>
+          <a:ext cx="0" cy="0"/>
+          <a:chOff x="0" y="0"/>
+          <a:chExt cx="0" cy="0"/>
+        </a:xfrm>
+      </p:grpSpPr>
+      <p:sp>
+        <p:nvSpPr>
+          <p:cNvPr id="47" name="텍스트 상자 46"/>
+          <p:cNvSpPr txBox="1"/>
+          <p:nvPr/>
+        </p:nvSpPr>
+        <p:spPr>
+          <a:xfrm>
+            <a:off x="303466" y="6509842"/>
+            <a:ext cx="4156907" cy="261610"/>
+          </a:xfrm>
+          <a:prstGeom prst="rect">
+            <a:avLst/>
+          </a:prstGeom>
+          <a:noFill/>
+        </p:spPr>
+        <p:txBody>
+          <a:bodyPr wrap="none" rtlCol="0">
+            <a:spAutoFit/>
+          </a:bodyPr>
+          <a:lstStyle/>
+          <a:p>
+            <a:pPr latinLnBrk="0"/>
+            <a:r>
+              <a:rPr lang="ko-KR" altLang="ko-KR" sz="1100" b="1" dirty="0"/>
+              <a:t>그림 </a:t>
+            </a:r>
+            <a:r>
+              <a:rPr lang="en-US" altLang="ko-KR" sz="1100" b="1" dirty="0"/>
+              <a:t>4 </a:t>
+            </a:r>
+            <a:r>
+              <a:rPr lang="ko-KR" altLang="ko-KR" sz="1100" b="1" dirty="0"/>
+              <a:t>외부</a:t>
+            </a:r>
+            <a:r>
+              <a:rPr lang="en-US" altLang="ko-KR" sz="1100" b="1" dirty="0"/>
+              <a:t> Secondary Storage</a:t>
+            </a:r>
+            <a:r>
+              <a:rPr lang="ko-KR" altLang="ko-KR" sz="1100" b="1" dirty="0"/>
+              <a:t>를 이용한</a:t>
+            </a:r>
+            <a:r>
+              <a:rPr lang="en-US" altLang="ko-KR" sz="1100" b="1" dirty="0"/>
+              <a:t> </a:t>
+            </a:r>
+            <a:r>
+              <a:rPr lang="en-US" altLang="ko-KR" sz="1100" b="1" dirty="0" err="1"/>
+              <a:t>wiseCLOUD</a:t>
+            </a:r>
+            <a:r>
+              <a:rPr lang="ko-KR" altLang="ko-KR" sz="1100" b="1" dirty="0"/>
+              <a:t>의 구성</a:t>
+            </a:r>
+          </a:p>
+        </p:txBody>
+      </p:sp>
+      <p:pic>
+        <p:nvPicPr>
+          <p:cNvPr id="18" name="그림 17"/>
+          <p:cNvPicPr>
+            <a:picLocks noChangeAspect="1"/>
+          </p:cNvPicPr>
+          <p:nvPr/>
+        </p:nvPicPr>
+        <p:blipFill>
+          <a:blip r:embed="rId3"/>
+          <a:stretch>
+            <a:fillRect/>
+          </a:stretch>
+        </p:blipFill>
+        <p:spPr>
+          <a:xfrm>
+            <a:off x="7803274" y="3276633"/>
+            <a:ext cx="2424272" cy="553451"/>
+          </a:xfrm>
+          <a:prstGeom prst="rect">
+            <a:avLst/>
+          </a:prstGeom>
+        </p:spPr>
+      </p:pic>
+      <p:sp>
+        <p:nvSpPr>
+          <p:cNvPr id="22" name="텍스트 상자 21"/>
+          <p:cNvSpPr txBox="1"/>
+          <p:nvPr/>
+        </p:nvSpPr>
+        <p:spPr>
+          <a:xfrm>
+            <a:off x="7756619" y="3792762"/>
+            <a:ext cx="1180131" cy="246221"/>
+          </a:xfrm>
+          <a:prstGeom prst="rect">
+            <a:avLst/>
+          </a:prstGeom>
+          <a:noFill/>
+        </p:spPr>
+        <p:txBody>
+          <a:bodyPr wrap="none" rtlCol="0">
+            <a:spAutoFit/>
+          </a:bodyPr>
+          <a:lstStyle/>
+          <a:p>
+            <a:r>
+              <a:rPr kumimoji="1" lang="en-US" altLang="ko-KR" sz="1000" b="1" smtClean="0"/>
+              <a:t>Hypervisor Host</a:t>
+            </a:r>
+            <a:endParaRPr kumimoji="1" lang="ko-KR" altLang="en-US" sz="1000" b="1" dirty="0"/>
+          </a:p>
+        </p:txBody>
+      </p:sp>
+      <p:grpSp>
+        <p:nvGrpSpPr>
+          <p:cNvPr id="61" name="그룹 60"/>
+          <p:cNvGrpSpPr/>
+          <p:nvPr/>
+        </p:nvGrpSpPr>
+        <p:grpSpPr>
+          <a:xfrm>
+            <a:off x="8778132" y="3579896"/>
+            <a:ext cx="188443" cy="39978"/>
+            <a:chOff x="3116183" y="1710055"/>
+            <a:chExt cx="215502" cy="45719"/>
+          </a:xfrm>
+        </p:grpSpPr>
+        <p:sp>
+          <p:nvSpPr>
+            <p:cNvPr id="62" name="직사각형 61"/>
+            <p:cNvSpPr/>
+            <p:nvPr/>
+          </p:nvSpPr>
+          <p:spPr>
+            <a:xfrm>
+              <a:off x="3116183" y="1710055"/>
+              <a:ext cx="45719" cy="45719"/>
+            </a:xfrm>
+            <a:prstGeom prst="rect">
+              <a:avLst/>
+            </a:prstGeom>
+          </p:spPr>
+          <p:style>
+            <a:lnRef idx="2">
+              <a:schemeClr val="accent1">
+                <a:shade val="50000"/>
+              </a:schemeClr>
+            </a:lnRef>
+            <a:fillRef idx="1">
+              <a:schemeClr val="accent1"/>
+            </a:fillRef>
+            <a:effectRef idx="0">
+              <a:schemeClr val="accent1"/>
+            </a:effectRef>
+            <a:fontRef idx="minor">
+              <a:schemeClr val="lt1"/>
+            </a:fontRef>
+          </p:style>
+          <p:txBody>
+            <a:bodyPr rtlCol="0" anchor="ctr"/>
+            <a:lstStyle/>
+            <a:p>
+              <a:pPr algn="ctr"/>
+              <a:endParaRPr kumimoji="1" lang="ko-KR" altLang="en-US"/>
+            </a:p>
+          </p:txBody>
+        </p:sp>
+        <p:sp>
+          <p:nvSpPr>
+            <p:cNvPr id="63" name="직사각형 62"/>
+            <p:cNvSpPr/>
+            <p:nvPr/>
+          </p:nvSpPr>
+          <p:spPr>
+            <a:xfrm>
+              <a:off x="3201074" y="1710055"/>
+              <a:ext cx="45719" cy="45719"/>
+            </a:xfrm>
+            <a:prstGeom prst="rect">
+              <a:avLst/>
+            </a:prstGeom>
+            <a:solidFill>
+              <a:schemeClr val="accent2">
+                <a:lumMod val="60000"/>
+                <a:lumOff val="40000"/>
+              </a:schemeClr>
+            </a:solidFill>
+            <a:ln>
+              <a:solidFill>
+                <a:srgbClr val="FF0000"/>
+              </a:solidFill>
+            </a:ln>
+          </p:spPr>
+          <p:style>
+            <a:lnRef idx="2">
+              <a:schemeClr val="accent1">
+                <a:shade val="50000"/>
+              </a:schemeClr>
+            </a:lnRef>
+            <a:fillRef idx="1">
+              <a:schemeClr val="accent1"/>
+            </a:fillRef>
+            <a:effectRef idx="0">
+              <a:schemeClr val="accent1"/>
+            </a:effectRef>
+            <a:fontRef idx="minor">
+              <a:schemeClr val="lt1"/>
+            </a:fontRef>
+          </p:style>
+          <p:txBody>
+            <a:bodyPr rtlCol="0" anchor="ctr"/>
+            <a:lstStyle/>
+            <a:p>
+              <a:pPr algn="ctr"/>
+              <a:endParaRPr kumimoji="1" lang="ko-KR" altLang="en-US"/>
+            </a:p>
+          </p:txBody>
+        </p:sp>
+        <p:sp>
+          <p:nvSpPr>
+            <p:cNvPr id="64" name="직사각형 63"/>
+            <p:cNvSpPr/>
+            <p:nvPr/>
+          </p:nvSpPr>
+          <p:spPr>
+            <a:xfrm>
+              <a:off x="3285966" y="1710055"/>
+              <a:ext cx="45719" cy="45719"/>
+            </a:xfrm>
+            <a:prstGeom prst="rect">
+              <a:avLst/>
+            </a:prstGeom>
+            <a:solidFill>
+              <a:schemeClr val="accent6">
+                <a:lumMod val="60000"/>
+                <a:lumOff val="40000"/>
+              </a:schemeClr>
+            </a:solidFill>
+            <a:ln>
+              <a:solidFill>
+                <a:srgbClr val="00B050"/>
+              </a:solidFill>
+            </a:ln>
+          </p:spPr>
+          <p:style>
+            <a:lnRef idx="2">
+              <a:schemeClr val="accent1">
+                <a:shade val="50000"/>
+              </a:schemeClr>
+            </a:lnRef>
+            <a:fillRef idx="1">
+              <a:schemeClr val="accent1"/>
+            </a:fillRef>
+            <a:effectRef idx="0">
+              <a:schemeClr val="accent1"/>
+            </a:effectRef>
+            <a:fontRef idx="minor">
+              <a:schemeClr val="lt1"/>
+            </a:fontRef>
+          </p:style>
+          <p:txBody>
+            <a:bodyPr rtlCol="0" anchor="ctr"/>
+            <a:lstStyle/>
+            <a:p>
+              <a:pPr algn="ctr"/>
+              <a:endParaRPr kumimoji="1" lang="ko-KR" altLang="en-US"/>
+            </a:p>
+          </p:txBody>
+        </p:sp>
+      </p:grpSp>
+      <p:sp>
+        <p:nvSpPr>
+          <p:cNvPr id="132" name="직사각형 131"/>
+          <p:cNvSpPr/>
+          <p:nvPr/>
+        </p:nvSpPr>
+        <p:spPr>
+          <a:xfrm>
+            <a:off x="10301778" y="3402366"/>
+            <a:ext cx="92525" cy="0"/>
+          </a:xfrm>
+          <a:prstGeom prst="rect">
+            <a:avLst/>
+          </a:prstGeom>
+          <a:noFill/>
+          <a:ln>
+            <a:noFill/>
+          </a:ln>
+        </p:spPr>
+        <p:style>
+          <a:lnRef idx="2">
+            <a:schemeClr val="accent1">
+              <a:shade val="50000"/>
+            </a:schemeClr>
+          </a:lnRef>
+          <a:fillRef idx="1">
+            <a:schemeClr val="accent1"/>
+          </a:fillRef>
+          <a:effectRef idx="0">
+            <a:schemeClr val="accent1"/>
+          </a:effectRef>
+          <a:fontRef idx="minor">
+            <a:schemeClr val="lt1"/>
+          </a:fontRef>
+        </p:style>
+        <p:txBody>
+          <a:bodyPr rtlCol="0" anchor="ctr"/>
+          <a:lstStyle/>
+          <a:p>
+            <a:pPr algn="ctr"/>
+            <a:endParaRPr kumimoji="1" lang="ko-KR" altLang="en-US"/>
+          </a:p>
+        </p:txBody>
+      </p:sp>
+      <p:pic>
+        <p:nvPicPr>
+          <p:cNvPr id="41" name="그림 40"/>
+          <p:cNvPicPr>
+            <a:picLocks noChangeAspect="1"/>
+          </p:cNvPicPr>
+          <p:nvPr/>
+        </p:nvPicPr>
+        <p:blipFill>
+          <a:blip r:embed="rId3"/>
+          <a:stretch>
+            <a:fillRect/>
+          </a:stretch>
+        </p:blipFill>
+        <p:spPr>
+          <a:xfrm>
+            <a:off x="4664177" y="3276633"/>
+            <a:ext cx="2424272" cy="553451"/>
+          </a:xfrm>
+          <a:prstGeom prst="rect">
+            <a:avLst/>
+          </a:prstGeom>
+        </p:spPr>
+      </p:pic>
+      <p:sp>
+        <p:nvSpPr>
+          <p:cNvPr id="46" name="텍스트 상자 45"/>
+          <p:cNvSpPr txBox="1"/>
+          <p:nvPr/>
+        </p:nvSpPr>
+        <p:spPr>
+          <a:xfrm>
+            <a:off x="4617522" y="3792762"/>
+            <a:ext cx="2122697" cy="246221"/>
+          </a:xfrm>
+          <a:prstGeom prst="rect">
+            <a:avLst/>
+          </a:prstGeom>
+          <a:noFill/>
+        </p:spPr>
+        <p:txBody>
+          <a:bodyPr wrap="none" rtlCol="0">
+            <a:spAutoFit/>
+          </a:bodyPr>
+          <a:lstStyle/>
+          <a:p>
+            <a:r>
+              <a:rPr kumimoji="1" lang="en-US" altLang="ko-KR" sz="1000" b="1" dirty="0" err="1" smtClean="0"/>
+              <a:t>wiseCLOUD</a:t>
+            </a:r>
+            <a:r>
+              <a:rPr kumimoji="1" lang="en-US" altLang="ko-KR" sz="1000" b="1" dirty="0" smtClean="0"/>
+              <a:t>(Management) Host</a:t>
+            </a:r>
+            <a:endParaRPr kumimoji="1" lang="ko-KR" altLang="en-US" sz="1000" b="1" dirty="0"/>
+          </a:p>
+        </p:txBody>
+      </p:sp>
+      <p:grpSp>
+        <p:nvGrpSpPr>
+          <p:cNvPr id="57" name="그룹 56"/>
+          <p:cNvGrpSpPr/>
+          <p:nvPr/>
+        </p:nvGrpSpPr>
+        <p:grpSpPr>
+          <a:xfrm>
+            <a:off x="5635041" y="3589694"/>
+            <a:ext cx="188443" cy="39978"/>
+            <a:chOff x="3116183" y="1710055"/>
+            <a:chExt cx="215502" cy="45719"/>
+          </a:xfrm>
+        </p:grpSpPr>
+        <p:sp>
+          <p:nvSpPr>
+            <p:cNvPr id="58" name="직사각형 57"/>
+            <p:cNvSpPr/>
+            <p:nvPr/>
+          </p:nvSpPr>
+          <p:spPr>
+            <a:xfrm>
+              <a:off x="3116183" y="1710055"/>
+              <a:ext cx="45719" cy="45719"/>
+            </a:xfrm>
+            <a:prstGeom prst="rect">
+              <a:avLst/>
+            </a:prstGeom>
+          </p:spPr>
+          <p:style>
+            <a:lnRef idx="2">
+              <a:schemeClr val="accent1">
+                <a:shade val="50000"/>
+              </a:schemeClr>
+            </a:lnRef>
+            <a:fillRef idx="1">
+              <a:schemeClr val="accent1"/>
+            </a:fillRef>
+            <a:effectRef idx="0">
+              <a:schemeClr val="accent1"/>
+            </a:effectRef>
+            <a:fontRef idx="minor">
+              <a:schemeClr val="lt1"/>
+            </a:fontRef>
+          </p:style>
+          <p:txBody>
+            <a:bodyPr rtlCol="0" anchor="ctr"/>
+            <a:lstStyle/>
+            <a:p>
+              <a:pPr algn="ctr"/>
+              <a:endParaRPr kumimoji="1" lang="ko-KR" altLang="en-US"/>
+            </a:p>
+          </p:txBody>
+        </p:sp>
+        <p:sp>
+          <p:nvSpPr>
+            <p:cNvPr id="59" name="직사각형 58"/>
+            <p:cNvSpPr/>
+            <p:nvPr/>
+          </p:nvSpPr>
+          <p:spPr>
+            <a:xfrm>
+              <a:off x="3201074" y="1710055"/>
+              <a:ext cx="45719" cy="45719"/>
+            </a:xfrm>
+            <a:prstGeom prst="rect">
+              <a:avLst/>
+            </a:prstGeom>
+            <a:solidFill>
+              <a:schemeClr val="accent2">
+                <a:lumMod val="60000"/>
+                <a:lumOff val="40000"/>
+              </a:schemeClr>
+            </a:solidFill>
+            <a:ln>
+              <a:solidFill>
+                <a:srgbClr val="FF0000"/>
+              </a:solidFill>
+            </a:ln>
+          </p:spPr>
+          <p:style>
+            <a:lnRef idx="2">
+              <a:schemeClr val="accent1">
+                <a:shade val="50000"/>
+              </a:schemeClr>
+            </a:lnRef>
+            <a:fillRef idx="1">
+              <a:schemeClr val="accent1"/>
+            </a:fillRef>
+            <a:effectRef idx="0">
+              <a:schemeClr val="accent1"/>
+            </a:effectRef>
+            <a:fontRef idx="minor">
+              <a:schemeClr val="lt1"/>
+            </a:fontRef>
+          </p:style>
+          <p:txBody>
+            <a:bodyPr rtlCol="0" anchor="ctr"/>
+            <a:lstStyle/>
+            <a:p>
+              <a:pPr algn="ctr"/>
+              <a:endParaRPr kumimoji="1" lang="ko-KR" altLang="en-US"/>
+            </a:p>
+          </p:txBody>
+        </p:sp>
+        <p:sp>
+          <p:nvSpPr>
+            <p:cNvPr id="60" name="직사각형 59"/>
+            <p:cNvSpPr/>
+            <p:nvPr/>
+          </p:nvSpPr>
+          <p:spPr>
+            <a:xfrm>
+              <a:off x="3285966" y="1710055"/>
+              <a:ext cx="45719" cy="45719"/>
+            </a:xfrm>
+            <a:prstGeom prst="rect">
+              <a:avLst/>
+            </a:prstGeom>
+            <a:solidFill>
+              <a:schemeClr val="accent6">
+                <a:lumMod val="60000"/>
+                <a:lumOff val="40000"/>
+              </a:schemeClr>
+            </a:solidFill>
+            <a:ln>
+              <a:solidFill>
+                <a:srgbClr val="00B050"/>
+              </a:solidFill>
+            </a:ln>
+          </p:spPr>
+          <p:style>
+            <a:lnRef idx="2">
+              <a:schemeClr val="accent1">
+                <a:shade val="50000"/>
+              </a:schemeClr>
+            </a:lnRef>
+            <a:fillRef idx="1">
+              <a:schemeClr val="accent1"/>
+            </a:fillRef>
+            <a:effectRef idx="0">
+              <a:schemeClr val="accent1"/>
+            </a:effectRef>
+            <a:fontRef idx="minor">
+              <a:schemeClr val="lt1"/>
+            </a:fontRef>
+          </p:style>
+          <p:txBody>
+            <a:bodyPr rtlCol="0" anchor="ctr"/>
+            <a:lstStyle/>
+            <a:p>
+              <a:pPr algn="ctr"/>
+              <a:endParaRPr kumimoji="1" lang="ko-KR" altLang="en-US"/>
+            </a:p>
+          </p:txBody>
+        </p:sp>
+      </p:grpSp>
+      <p:sp>
+        <p:nvSpPr>
+          <p:cNvPr id="138" name="직사각형 137"/>
+          <p:cNvSpPr/>
+          <p:nvPr/>
+        </p:nvSpPr>
+        <p:spPr>
+          <a:xfrm>
+            <a:off x="7116374" y="3568040"/>
+            <a:ext cx="92525" cy="0"/>
+          </a:xfrm>
+          <a:prstGeom prst="rect">
+            <a:avLst/>
+          </a:prstGeom>
+          <a:noFill/>
+          <a:ln>
+            <a:noFill/>
+          </a:ln>
+        </p:spPr>
+        <p:style>
+          <a:lnRef idx="2">
+            <a:schemeClr val="accent1">
+              <a:shade val="50000"/>
+            </a:schemeClr>
+          </a:lnRef>
+          <a:fillRef idx="1">
+            <a:schemeClr val="accent1"/>
+          </a:fillRef>
+          <a:effectRef idx="0">
+            <a:schemeClr val="accent1"/>
+          </a:effectRef>
+          <a:fontRef idx="minor">
+            <a:schemeClr val="lt1"/>
+          </a:fontRef>
+        </p:style>
+        <p:txBody>
+          <a:bodyPr rtlCol="0" anchor="ctr"/>
+          <a:lstStyle/>
+          <a:p>
+            <a:pPr algn="ctr"/>
+            <a:endParaRPr kumimoji="1" lang="ko-KR" altLang="en-US"/>
+          </a:p>
+        </p:txBody>
+      </p:sp>
+      <p:pic>
+        <p:nvPicPr>
+          <p:cNvPr id="12" name="그림 11"/>
+          <p:cNvPicPr>
+            <a:picLocks noChangeAspect="1"/>
+          </p:cNvPicPr>
+          <p:nvPr/>
+        </p:nvPicPr>
+        <p:blipFill>
+          <a:blip r:embed="rId4"/>
+          <a:stretch>
+            <a:fillRect/>
+          </a:stretch>
+        </p:blipFill>
+        <p:spPr>
+          <a:xfrm>
+            <a:off x="1670437" y="2318223"/>
+            <a:ext cx="2432067" cy="467704"/>
+          </a:xfrm>
+          <a:prstGeom prst="rect">
+            <a:avLst/>
+          </a:prstGeom>
+        </p:spPr>
+      </p:pic>
+      <p:sp>
+        <p:nvSpPr>
+          <p:cNvPr id="14" name="텍스트 상자 13"/>
+          <p:cNvSpPr txBox="1"/>
+          <p:nvPr/>
+        </p:nvSpPr>
+        <p:spPr>
+          <a:xfrm>
+            <a:off x="1956319" y="2108000"/>
+            <a:ext cx="1795684" cy="246221"/>
+          </a:xfrm>
+          <a:prstGeom prst="rect">
+            <a:avLst/>
+          </a:prstGeom>
+          <a:noFill/>
+        </p:spPr>
+        <p:txBody>
+          <a:bodyPr wrap="none" rtlCol="0">
+            <a:spAutoFit/>
+          </a:bodyPr>
+          <a:lstStyle/>
+          <a:p>
+            <a:r>
+              <a:rPr kumimoji="1" lang="en-US" altLang="ko-KR" sz="1000" b="1" dirty="0" smtClean="0"/>
+              <a:t>Management Network(</a:t>
+            </a:r>
+            <a:r>
+              <a:rPr kumimoji="1" lang="en-US" altLang="ko-KR" sz="1000" b="1" dirty="0"/>
+              <a:t>L</a:t>
+            </a:r>
+            <a:r>
+              <a:rPr kumimoji="1" lang="en-US" altLang="ko-KR" sz="1000" b="1" dirty="0" smtClean="0"/>
+              <a:t>2)</a:t>
+            </a:r>
+            <a:endParaRPr kumimoji="1" lang="ko-KR" altLang="en-US" sz="1000" b="1" dirty="0"/>
+          </a:p>
+        </p:txBody>
+      </p:sp>
+      <p:pic>
+        <p:nvPicPr>
+          <p:cNvPr id="16" name="그림 15"/>
+          <p:cNvPicPr>
+            <a:picLocks noChangeAspect="1"/>
+          </p:cNvPicPr>
+          <p:nvPr/>
+        </p:nvPicPr>
+        <p:blipFill>
+          <a:blip r:embed="rId4"/>
+          <a:stretch>
+            <a:fillRect/>
+          </a:stretch>
+        </p:blipFill>
+        <p:spPr>
+          <a:xfrm>
+            <a:off x="4656383" y="2318223"/>
+            <a:ext cx="2432067" cy="467704"/>
+          </a:xfrm>
+          <a:prstGeom prst="rect">
+            <a:avLst/>
+          </a:prstGeom>
+        </p:spPr>
+      </p:pic>
+      <p:pic>
+        <p:nvPicPr>
+          <p:cNvPr id="17" name="그림 16"/>
+          <p:cNvPicPr>
+            <a:picLocks noChangeAspect="1"/>
+          </p:cNvPicPr>
+          <p:nvPr/>
+        </p:nvPicPr>
+        <p:blipFill>
+          <a:blip r:embed="rId4"/>
+          <a:stretch>
+            <a:fillRect/>
+          </a:stretch>
+        </p:blipFill>
+        <p:spPr>
+          <a:xfrm>
+            <a:off x="7642328" y="2318223"/>
+            <a:ext cx="2432067" cy="467704"/>
+          </a:xfrm>
+          <a:prstGeom prst="rect">
+            <a:avLst/>
+          </a:prstGeom>
+        </p:spPr>
+      </p:pic>
+      <p:sp>
+        <p:nvSpPr>
+          <p:cNvPr id="20" name="텍스트 상자 19"/>
+          <p:cNvSpPr txBox="1"/>
+          <p:nvPr/>
+        </p:nvSpPr>
+        <p:spPr>
+          <a:xfrm>
+            <a:off x="4990810" y="2108000"/>
+            <a:ext cx="1358064" cy="246221"/>
+          </a:xfrm>
+          <a:prstGeom prst="rect">
+            <a:avLst/>
+          </a:prstGeom>
+          <a:noFill/>
+        </p:spPr>
+        <p:txBody>
+          <a:bodyPr wrap="none" rtlCol="0">
+            <a:spAutoFit/>
+          </a:bodyPr>
+          <a:lstStyle/>
+          <a:p>
+            <a:r>
+              <a:rPr kumimoji="1" lang="en-US" altLang="ko-KR" sz="1000" b="1" dirty="0" smtClean="0"/>
+              <a:t>Public Network(L2)</a:t>
+            </a:r>
+            <a:endParaRPr kumimoji="1" lang="ko-KR" altLang="en-US" sz="1000" b="1" dirty="0"/>
+          </a:p>
+        </p:txBody>
+      </p:sp>
+      <p:sp>
+        <p:nvSpPr>
+          <p:cNvPr id="21" name="텍스트 상자 20"/>
+          <p:cNvSpPr txBox="1"/>
+          <p:nvPr/>
+        </p:nvSpPr>
+        <p:spPr>
+          <a:xfrm>
+            <a:off x="7935890" y="2108000"/>
+            <a:ext cx="1717137" cy="246221"/>
+          </a:xfrm>
+          <a:prstGeom prst="rect">
+            <a:avLst/>
+          </a:prstGeom>
+          <a:noFill/>
+        </p:spPr>
+        <p:txBody>
+          <a:bodyPr wrap="none" rtlCol="0">
+            <a:spAutoFit/>
+          </a:bodyPr>
+          <a:lstStyle/>
+          <a:p>
+            <a:r>
+              <a:rPr kumimoji="1" lang="en-US" altLang="ko-KR" sz="1000" b="1" dirty="0" smtClean="0"/>
+              <a:t>Guest Network(L2,VLAN)</a:t>
+            </a:r>
+            <a:endParaRPr kumimoji="1" lang="ko-KR" altLang="en-US" sz="1000" b="1" dirty="0"/>
+          </a:p>
+        </p:txBody>
+      </p:sp>
+      <p:sp>
+        <p:nvSpPr>
+          <p:cNvPr id="25" name="직사각형 24"/>
+          <p:cNvSpPr/>
+          <p:nvPr/>
+        </p:nvSpPr>
+        <p:spPr>
+          <a:xfrm>
+            <a:off x="2825311" y="2667569"/>
+            <a:ext cx="39978" cy="39978"/>
+          </a:xfrm>
+          <a:prstGeom prst="rect">
+            <a:avLst/>
+          </a:prstGeom>
+          <a:solidFill>
+            <a:schemeClr val="accent1">
+              <a:lumMod val="60000"/>
+              <a:lumOff val="40000"/>
+            </a:schemeClr>
+          </a:solidFill>
+          <a:ln>
+            <a:solidFill>
+              <a:srgbClr val="0070C0"/>
+            </a:solidFill>
+          </a:ln>
+        </p:spPr>
+        <p:style>
+          <a:lnRef idx="2">
+            <a:schemeClr val="accent1">
+              <a:shade val="50000"/>
+            </a:schemeClr>
+          </a:lnRef>
+          <a:fillRef idx="1">
+            <a:schemeClr val="accent1"/>
+          </a:fillRef>
+          <a:effectRef idx="0">
+            <a:schemeClr val="accent1"/>
+          </a:effectRef>
+          <a:fontRef idx="minor">
+            <a:schemeClr val="lt1"/>
+          </a:fontRef>
+        </p:style>
+        <p:txBody>
+          <a:bodyPr rtlCol="0" anchor="ctr"/>
+          <a:lstStyle/>
+          <a:p>
+            <a:pPr algn="ctr"/>
+            <a:endParaRPr kumimoji="1" lang="ko-KR" altLang="en-US"/>
+          </a:p>
+        </p:txBody>
+      </p:sp>
+      <p:sp>
+        <p:nvSpPr>
+          <p:cNvPr id="26" name="직사각형 25"/>
+          <p:cNvSpPr/>
+          <p:nvPr/>
+        </p:nvSpPr>
+        <p:spPr>
+          <a:xfrm>
+            <a:off x="2899544" y="2667569"/>
+            <a:ext cx="39978" cy="39978"/>
+          </a:xfrm>
+          <a:prstGeom prst="rect">
+            <a:avLst/>
+          </a:prstGeom>
+          <a:solidFill>
+            <a:schemeClr val="accent1">
+              <a:lumMod val="60000"/>
+              <a:lumOff val="40000"/>
+            </a:schemeClr>
+          </a:solidFill>
+          <a:ln>
+            <a:solidFill>
+              <a:srgbClr val="0070C0"/>
+            </a:solidFill>
+          </a:ln>
+        </p:spPr>
+        <p:style>
+          <a:lnRef idx="2">
+            <a:schemeClr val="accent1">
+              <a:shade val="50000"/>
+            </a:schemeClr>
+          </a:lnRef>
+          <a:fillRef idx="1">
+            <a:schemeClr val="accent1"/>
+          </a:fillRef>
+          <a:effectRef idx="0">
+            <a:schemeClr val="accent1"/>
+          </a:effectRef>
+          <a:fontRef idx="minor">
+            <a:schemeClr val="lt1"/>
+          </a:fontRef>
+        </p:style>
+        <p:txBody>
+          <a:bodyPr rtlCol="0" anchor="ctr"/>
+          <a:lstStyle/>
+          <a:p>
+            <a:pPr algn="ctr"/>
+            <a:endParaRPr kumimoji="1" lang="ko-KR" altLang="en-US"/>
+          </a:p>
+        </p:txBody>
+      </p:sp>
+      <p:sp>
+        <p:nvSpPr>
+          <p:cNvPr id="27" name="직사각형 26"/>
+          <p:cNvSpPr/>
+          <p:nvPr/>
+        </p:nvSpPr>
+        <p:spPr>
+          <a:xfrm>
+            <a:off x="2973775" y="2667569"/>
+            <a:ext cx="39978" cy="39978"/>
+          </a:xfrm>
+          <a:prstGeom prst="rect">
+            <a:avLst/>
+          </a:prstGeom>
+          <a:solidFill>
+            <a:schemeClr val="accent1">
+              <a:lumMod val="60000"/>
+              <a:lumOff val="40000"/>
+            </a:schemeClr>
+          </a:solidFill>
+          <a:ln>
+            <a:solidFill>
+              <a:srgbClr val="0070C0"/>
+            </a:solidFill>
+          </a:ln>
+        </p:spPr>
+        <p:style>
+          <a:lnRef idx="2">
+            <a:schemeClr val="accent1">
+              <a:shade val="50000"/>
+            </a:schemeClr>
+          </a:lnRef>
+          <a:fillRef idx="1">
+            <a:schemeClr val="accent1"/>
+          </a:fillRef>
+          <a:effectRef idx="0">
+            <a:schemeClr val="accent1"/>
+          </a:effectRef>
+          <a:fontRef idx="minor">
+            <a:schemeClr val="lt1"/>
+          </a:fontRef>
+        </p:style>
+        <p:txBody>
+          <a:bodyPr rtlCol="0" anchor="ctr"/>
+          <a:lstStyle/>
+          <a:p>
+            <a:pPr algn="ctr"/>
+            <a:endParaRPr kumimoji="1" lang="ko-KR" altLang="en-US"/>
+          </a:p>
+        </p:txBody>
+      </p:sp>
+      <p:sp>
+        <p:nvSpPr>
+          <p:cNvPr id="28" name="직사각형 27"/>
+          <p:cNvSpPr/>
+          <p:nvPr/>
+        </p:nvSpPr>
+        <p:spPr>
+          <a:xfrm>
+            <a:off x="3048007" y="2667569"/>
+            <a:ext cx="39978" cy="39978"/>
+          </a:xfrm>
+          <a:prstGeom prst="rect">
+            <a:avLst/>
+          </a:prstGeom>
+          <a:solidFill>
+            <a:schemeClr val="accent1">
+              <a:lumMod val="60000"/>
+              <a:lumOff val="40000"/>
+            </a:schemeClr>
+          </a:solidFill>
+          <a:ln>
+            <a:solidFill>
+              <a:srgbClr val="0070C0"/>
+            </a:solidFill>
+          </a:ln>
+        </p:spPr>
+        <p:style>
+          <a:lnRef idx="2">
+            <a:schemeClr val="accent1">
+              <a:shade val="50000"/>
+            </a:schemeClr>
+          </a:lnRef>
+          <a:fillRef idx="1">
+            <a:schemeClr val="accent1"/>
+          </a:fillRef>
+          <a:effectRef idx="0">
+            <a:schemeClr val="accent1"/>
+          </a:effectRef>
+          <a:fontRef idx="minor">
+            <a:schemeClr val="lt1"/>
+          </a:fontRef>
+        </p:style>
+        <p:txBody>
+          <a:bodyPr rtlCol="0" anchor="ctr"/>
+          <a:lstStyle/>
+          <a:p>
+            <a:pPr algn="ctr"/>
+            <a:endParaRPr kumimoji="1" lang="ko-KR" altLang="en-US"/>
+          </a:p>
+        </p:txBody>
+      </p:sp>
+      <p:sp>
+        <p:nvSpPr>
+          <p:cNvPr id="29" name="직사각형 28"/>
+          <p:cNvSpPr/>
+          <p:nvPr/>
+        </p:nvSpPr>
+        <p:spPr>
+          <a:xfrm>
+            <a:off x="3122240" y="2667569"/>
+            <a:ext cx="39978" cy="39978"/>
+          </a:xfrm>
+          <a:prstGeom prst="rect">
+            <a:avLst/>
+          </a:prstGeom>
+          <a:solidFill>
+            <a:schemeClr val="accent1">
+              <a:lumMod val="60000"/>
+              <a:lumOff val="40000"/>
+            </a:schemeClr>
+          </a:solidFill>
+          <a:ln>
+            <a:solidFill>
+              <a:srgbClr val="0070C0"/>
+            </a:solidFill>
+          </a:ln>
+        </p:spPr>
+        <p:style>
+          <a:lnRef idx="2">
+            <a:schemeClr val="accent1">
+              <a:shade val="50000"/>
+            </a:schemeClr>
+          </a:lnRef>
+          <a:fillRef idx="1">
+            <a:schemeClr val="accent1"/>
+          </a:fillRef>
+          <a:effectRef idx="0">
+            <a:schemeClr val="accent1"/>
+          </a:effectRef>
+          <a:fontRef idx="minor">
+            <a:schemeClr val="lt1"/>
+          </a:fontRef>
+        </p:style>
+        <p:txBody>
+          <a:bodyPr rtlCol="0" anchor="ctr"/>
+          <a:lstStyle/>
+          <a:p>
+            <a:pPr algn="ctr"/>
+            <a:endParaRPr kumimoji="1" lang="ko-KR" altLang="en-US"/>
+          </a:p>
+        </p:txBody>
+      </p:sp>
+      <p:sp>
+        <p:nvSpPr>
+          <p:cNvPr id="30" name="직사각형 29"/>
+          <p:cNvSpPr/>
+          <p:nvPr/>
+        </p:nvSpPr>
+        <p:spPr>
+          <a:xfrm>
+            <a:off x="4796531" y="2659434"/>
+            <a:ext cx="39978" cy="39978"/>
+          </a:xfrm>
+          <a:prstGeom prst="rect">
+            <a:avLst/>
+          </a:prstGeom>
+          <a:solidFill>
+            <a:schemeClr val="accent2">
+              <a:lumMod val="60000"/>
+              <a:lumOff val="40000"/>
+            </a:schemeClr>
+          </a:solidFill>
+          <a:ln>
+            <a:solidFill>
+              <a:srgbClr val="FF0000"/>
+            </a:solidFill>
+          </a:ln>
+        </p:spPr>
+        <p:style>
+          <a:lnRef idx="2">
+            <a:schemeClr val="accent1">
+              <a:shade val="50000"/>
+            </a:schemeClr>
+          </a:lnRef>
+          <a:fillRef idx="1">
+            <a:schemeClr val="accent1"/>
+          </a:fillRef>
+          <a:effectRef idx="0">
+            <a:schemeClr val="accent1"/>
+          </a:effectRef>
+          <a:fontRef idx="minor">
+            <a:schemeClr val="lt1"/>
+          </a:fontRef>
+        </p:style>
+        <p:txBody>
+          <a:bodyPr rtlCol="0" anchor="ctr"/>
+          <a:lstStyle/>
+          <a:p>
+            <a:pPr algn="ctr"/>
+            <a:endParaRPr kumimoji="1" lang="ko-KR" altLang="en-US"/>
+          </a:p>
+        </p:txBody>
+      </p:sp>
+      <p:sp>
+        <p:nvSpPr>
+          <p:cNvPr id="31" name="직사각형 30"/>
+          <p:cNvSpPr/>
+          <p:nvPr/>
+        </p:nvSpPr>
+        <p:spPr>
+          <a:xfrm>
+            <a:off x="4870763" y="2659434"/>
+            <a:ext cx="39978" cy="39978"/>
+          </a:xfrm>
+          <a:prstGeom prst="rect">
+            <a:avLst/>
+          </a:prstGeom>
+          <a:solidFill>
+            <a:schemeClr val="accent2">
+              <a:lumMod val="60000"/>
+              <a:lumOff val="40000"/>
+            </a:schemeClr>
+          </a:solidFill>
+          <a:ln>
+            <a:solidFill>
+              <a:srgbClr val="FF0000"/>
+            </a:solidFill>
+          </a:ln>
+        </p:spPr>
+        <p:style>
+          <a:lnRef idx="2">
+            <a:schemeClr val="accent1">
+              <a:shade val="50000"/>
+            </a:schemeClr>
+          </a:lnRef>
+          <a:fillRef idx="1">
+            <a:schemeClr val="accent1"/>
+          </a:fillRef>
+          <a:effectRef idx="0">
+            <a:schemeClr val="accent1"/>
+          </a:effectRef>
+          <a:fontRef idx="minor">
+            <a:schemeClr val="lt1"/>
+          </a:fontRef>
+        </p:style>
+        <p:txBody>
+          <a:bodyPr rtlCol="0" anchor="ctr"/>
+          <a:lstStyle/>
+          <a:p>
+            <a:pPr algn="ctr"/>
+            <a:endParaRPr kumimoji="1" lang="ko-KR" altLang="en-US"/>
+          </a:p>
+        </p:txBody>
+      </p:sp>
+      <p:sp>
+        <p:nvSpPr>
+          <p:cNvPr id="32" name="직사각형 31"/>
+          <p:cNvSpPr/>
+          <p:nvPr/>
+        </p:nvSpPr>
+        <p:spPr>
+          <a:xfrm>
+            <a:off x="4944996" y="2659434"/>
+            <a:ext cx="39978" cy="39978"/>
+          </a:xfrm>
+          <a:prstGeom prst="rect">
+            <a:avLst/>
+          </a:prstGeom>
+          <a:solidFill>
+            <a:schemeClr val="accent2">
+              <a:lumMod val="60000"/>
+              <a:lumOff val="40000"/>
+            </a:schemeClr>
+          </a:solidFill>
+          <a:ln>
+            <a:solidFill>
+              <a:srgbClr val="FF0000"/>
+            </a:solidFill>
+          </a:ln>
+        </p:spPr>
+        <p:style>
+          <a:lnRef idx="2">
+            <a:schemeClr val="accent1">
+              <a:shade val="50000"/>
+            </a:schemeClr>
+          </a:lnRef>
+          <a:fillRef idx="1">
+            <a:schemeClr val="accent1"/>
+          </a:fillRef>
+          <a:effectRef idx="0">
+            <a:schemeClr val="accent1"/>
+          </a:effectRef>
+          <a:fontRef idx="minor">
+            <a:schemeClr val="lt1"/>
+          </a:fontRef>
+        </p:style>
+        <p:txBody>
+          <a:bodyPr rtlCol="0" anchor="ctr"/>
+          <a:lstStyle/>
+          <a:p>
+            <a:pPr algn="ctr"/>
+            <a:endParaRPr kumimoji="1" lang="ko-KR" altLang="en-US"/>
+          </a:p>
+        </p:txBody>
+      </p:sp>
+      <p:sp>
+        <p:nvSpPr>
+          <p:cNvPr id="37" name="직사각형 36"/>
+          <p:cNvSpPr/>
+          <p:nvPr/>
+        </p:nvSpPr>
+        <p:spPr>
+          <a:xfrm>
+            <a:off x="9020730" y="2667568"/>
+            <a:ext cx="39978" cy="39978"/>
+          </a:xfrm>
+          <a:prstGeom prst="rect">
+            <a:avLst/>
+          </a:prstGeom>
+          <a:solidFill>
+            <a:schemeClr val="accent6">
+              <a:lumMod val="60000"/>
+              <a:lumOff val="40000"/>
+            </a:schemeClr>
+          </a:solidFill>
+          <a:ln>
+            <a:solidFill>
+              <a:srgbClr val="00B050"/>
+            </a:solidFill>
+          </a:ln>
+        </p:spPr>
+        <p:style>
+          <a:lnRef idx="2">
+            <a:schemeClr val="accent1">
+              <a:shade val="50000"/>
+            </a:schemeClr>
+          </a:lnRef>
+          <a:fillRef idx="1">
+            <a:schemeClr val="accent1"/>
+          </a:fillRef>
+          <a:effectRef idx="0">
+            <a:schemeClr val="accent1"/>
+          </a:effectRef>
+          <a:fontRef idx="minor">
+            <a:schemeClr val="lt1"/>
+          </a:fontRef>
+        </p:style>
+        <p:txBody>
+          <a:bodyPr rtlCol="0" anchor="ctr"/>
+          <a:lstStyle/>
+          <a:p>
+            <a:pPr algn="ctr"/>
+            <a:endParaRPr kumimoji="1" lang="ko-KR" altLang="en-US"/>
+          </a:p>
+        </p:txBody>
+      </p:sp>
+      <p:sp>
+        <p:nvSpPr>
+          <p:cNvPr id="38" name="직사각형 37"/>
+          <p:cNvSpPr/>
+          <p:nvPr/>
+        </p:nvSpPr>
+        <p:spPr>
+          <a:xfrm>
+            <a:off x="9094963" y="2667568"/>
+            <a:ext cx="39978" cy="39978"/>
+          </a:xfrm>
+          <a:prstGeom prst="rect">
+            <a:avLst/>
+          </a:prstGeom>
+          <a:solidFill>
+            <a:schemeClr val="accent6">
+              <a:lumMod val="60000"/>
+              <a:lumOff val="40000"/>
+            </a:schemeClr>
+          </a:solidFill>
+          <a:ln>
+            <a:solidFill>
+              <a:srgbClr val="00B050"/>
+            </a:solidFill>
+          </a:ln>
+        </p:spPr>
+        <p:style>
+          <a:lnRef idx="2">
+            <a:schemeClr val="accent1">
+              <a:shade val="50000"/>
+            </a:schemeClr>
+          </a:lnRef>
+          <a:fillRef idx="1">
+            <a:schemeClr val="accent1"/>
+          </a:fillRef>
+          <a:effectRef idx="0">
+            <a:schemeClr val="accent1"/>
+          </a:effectRef>
+          <a:fontRef idx="minor">
+            <a:schemeClr val="lt1"/>
+          </a:fontRef>
+        </p:style>
+        <p:txBody>
+          <a:bodyPr rtlCol="0" anchor="ctr"/>
+          <a:lstStyle/>
+          <a:p>
+            <a:pPr algn="ctr"/>
+            <a:endParaRPr kumimoji="1" lang="ko-KR" altLang="en-US"/>
+          </a:p>
+        </p:txBody>
+      </p:sp>
+      <p:pic>
+        <p:nvPicPr>
+          <p:cNvPr id="42" name="그림 41"/>
+          <p:cNvPicPr>
+            <a:picLocks noChangeAspect="1"/>
+          </p:cNvPicPr>
+          <p:nvPr/>
+        </p:nvPicPr>
+        <p:blipFill>
+          <a:blip r:embed="rId5"/>
+          <a:stretch>
+            <a:fillRect/>
+          </a:stretch>
+        </p:blipFill>
+        <p:spPr>
+          <a:xfrm>
+            <a:off x="4656383" y="5365476"/>
+            <a:ext cx="2432067" cy="662582"/>
+          </a:xfrm>
+          <a:prstGeom prst="rect">
+            <a:avLst/>
+          </a:prstGeom>
+        </p:spPr>
+      </p:pic>
+      <p:sp>
+        <p:nvSpPr>
+          <p:cNvPr id="45" name="텍스트 상자 44"/>
+          <p:cNvSpPr txBox="1"/>
+          <p:nvPr/>
+        </p:nvSpPr>
+        <p:spPr>
+          <a:xfrm>
+            <a:off x="4609728" y="5990736"/>
+            <a:ext cx="1332416" cy="246221"/>
+          </a:xfrm>
+          <a:prstGeom prst="rect">
+            <a:avLst/>
+          </a:prstGeom>
+          <a:noFill/>
+        </p:spPr>
+        <p:txBody>
+          <a:bodyPr wrap="none" rtlCol="0">
+            <a:spAutoFit/>
+          </a:bodyPr>
+          <a:lstStyle/>
+          <a:p>
+            <a:r>
+              <a:rPr kumimoji="1" lang="en-US" altLang="ko-KR" sz="1000" b="1" dirty="0" smtClean="0"/>
+              <a:t>Secondary Storage</a:t>
+            </a:r>
+            <a:endParaRPr kumimoji="1" lang="ko-KR" altLang="en-US" sz="1000" b="1" dirty="0"/>
+          </a:p>
+        </p:txBody>
+      </p:sp>
+      <p:pic>
+        <p:nvPicPr>
+          <p:cNvPr id="19" name="그림 18"/>
+          <p:cNvPicPr>
+            <a:picLocks noChangeAspect="1"/>
+          </p:cNvPicPr>
+          <p:nvPr/>
+        </p:nvPicPr>
+        <p:blipFill>
+          <a:blip r:embed="rId3"/>
+          <a:stretch>
+            <a:fillRect/>
+          </a:stretch>
+        </p:blipFill>
+        <p:spPr>
+          <a:xfrm>
+            <a:off x="7803274" y="4310437"/>
+            <a:ext cx="2424272" cy="553451"/>
+          </a:xfrm>
+          <a:prstGeom prst="rect">
+            <a:avLst/>
+          </a:prstGeom>
+        </p:spPr>
+      </p:pic>
+      <p:sp>
+        <p:nvSpPr>
+          <p:cNvPr id="23" name="텍스트 상자 22"/>
+          <p:cNvSpPr txBox="1"/>
+          <p:nvPr/>
+        </p:nvSpPr>
+        <p:spPr>
+          <a:xfrm>
+            <a:off x="7756619" y="4826566"/>
+            <a:ext cx="1180131" cy="246221"/>
+          </a:xfrm>
+          <a:prstGeom prst="rect">
+            <a:avLst/>
+          </a:prstGeom>
+          <a:noFill/>
+        </p:spPr>
+        <p:txBody>
+          <a:bodyPr wrap="none" rtlCol="0">
+            <a:spAutoFit/>
+          </a:bodyPr>
+          <a:lstStyle/>
+          <a:p>
+            <a:r>
+              <a:rPr kumimoji="1" lang="en-US" altLang="ko-KR" sz="1000" b="1" smtClean="0"/>
+              <a:t>Hypervisor Host</a:t>
+            </a:r>
+            <a:endParaRPr kumimoji="1" lang="ko-KR" altLang="en-US" sz="1000" b="1" dirty="0"/>
+          </a:p>
+        </p:txBody>
+      </p:sp>
+      <p:grpSp>
+        <p:nvGrpSpPr>
+          <p:cNvPr id="65" name="그룹 64"/>
+          <p:cNvGrpSpPr/>
+          <p:nvPr/>
+        </p:nvGrpSpPr>
+        <p:grpSpPr>
+          <a:xfrm>
+            <a:off x="8778132" y="4617124"/>
+            <a:ext cx="188443" cy="39978"/>
+            <a:chOff x="3116183" y="1710055"/>
+            <a:chExt cx="215502" cy="45719"/>
+          </a:xfrm>
+        </p:grpSpPr>
+        <p:sp>
+          <p:nvSpPr>
+            <p:cNvPr id="66" name="직사각형 65"/>
+            <p:cNvSpPr/>
+            <p:nvPr/>
+          </p:nvSpPr>
+          <p:spPr>
+            <a:xfrm>
+              <a:off x="3116183" y="1710055"/>
+              <a:ext cx="45719" cy="45719"/>
+            </a:xfrm>
+            <a:prstGeom prst="rect">
+              <a:avLst/>
+            </a:prstGeom>
+          </p:spPr>
+          <p:style>
+            <a:lnRef idx="2">
+              <a:schemeClr val="accent1">
+                <a:shade val="50000"/>
+              </a:schemeClr>
+            </a:lnRef>
+            <a:fillRef idx="1">
+              <a:schemeClr val="accent1"/>
+            </a:fillRef>
+            <a:effectRef idx="0">
+              <a:schemeClr val="accent1"/>
+            </a:effectRef>
+            <a:fontRef idx="minor">
+              <a:schemeClr val="lt1"/>
+            </a:fontRef>
+          </p:style>
+          <p:txBody>
+            <a:bodyPr rtlCol="0" anchor="ctr"/>
+            <a:lstStyle/>
+            <a:p>
+              <a:pPr algn="ctr"/>
+              <a:endParaRPr kumimoji="1" lang="ko-KR" altLang="en-US"/>
+            </a:p>
+          </p:txBody>
+        </p:sp>
+        <p:sp>
+          <p:nvSpPr>
+            <p:cNvPr id="67" name="직사각형 66"/>
+            <p:cNvSpPr/>
+            <p:nvPr/>
+          </p:nvSpPr>
+          <p:spPr>
+            <a:xfrm>
+              <a:off x="3201074" y="1710055"/>
+              <a:ext cx="45719" cy="45719"/>
+            </a:xfrm>
+            <a:prstGeom prst="rect">
+              <a:avLst/>
+            </a:prstGeom>
+            <a:solidFill>
+              <a:schemeClr val="accent2">
+                <a:lumMod val="60000"/>
+                <a:lumOff val="40000"/>
+              </a:schemeClr>
+            </a:solidFill>
+            <a:ln>
+              <a:solidFill>
+                <a:srgbClr val="FF0000"/>
+              </a:solidFill>
+            </a:ln>
+          </p:spPr>
+          <p:style>
+            <a:lnRef idx="2">
+              <a:schemeClr val="accent1">
+                <a:shade val="50000"/>
+              </a:schemeClr>
+            </a:lnRef>
+            <a:fillRef idx="1">
+              <a:schemeClr val="accent1"/>
+            </a:fillRef>
+            <a:effectRef idx="0">
+              <a:schemeClr val="accent1"/>
+            </a:effectRef>
+            <a:fontRef idx="minor">
+              <a:schemeClr val="lt1"/>
+            </a:fontRef>
+          </p:style>
+          <p:txBody>
+            <a:bodyPr rtlCol="0" anchor="ctr"/>
+            <a:lstStyle/>
+            <a:p>
+              <a:pPr algn="ctr"/>
+              <a:endParaRPr kumimoji="1" lang="ko-KR" altLang="en-US"/>
+            </a:p>
+          </p:txBody>
+        </p:sp>
+        <p:sp>
+          <p:nvSpPr>
+            <p:cNvPr id="68" name="직사각형 67"/>
+            <p:cNvSpPr/>
+            <p:nvPr/>
+          </p:nvSpPr>
+          <p:spPr>
+            <a:xfrm>
+              <a:off x="3285966" y="1710055"/>
+              <a:ext cx="45719" cy="45719"/>
+            </a:xfrm>
+            <a:prstGeom prst="rect">
+              <a:avLst/>
+            </a:prstGeom>
+            <a:solidFill>
+              <a:schemeClr val="accent6">
+                <a:lumMod val="60000"/>
+                <a:lumOff val="40000"/>
+              </a:schemeClr>
+            </a:solidFill>
+            <a:ln>
+              <a:solidFill>
+                <a:srgbClr val="00B050"/>
+              </a:solidFill>
+            </a:ln>
+          </p:spPr>
+          <p:style>
+            <a:lnRef idx="2">
+              <a:schemeClr val="accent1">
+                <a:shade val="50000"/>
+              </a:schemeClr>
+            </a:lnRef>
+            <a:fillRef idx="1">
+              <a:schemeClr val="accent1"/>
+            </a:fillRef>
+            <a:effectRef idx="0">
+              <a:schemeClr val="accent1"/>
+            </a:effectRef>
+            <a:fontRef idx="minor">
+              <a:schemeClr val="lt1"/>
+            </a:fontRef>
+          </p:style>
+          <p:txBody>
+            <a:bodyPr rtlCol="0" anchor="ctr"/>
+            <a:lstStyle/>
+            <a:p>
+              <a:pPr algn="ctr"/>
+              <a:endParaRPr kumimoji="1" lang="ko-KR" altLang="en-US"/>
+            </a:p>
+          </p:txBody>
+        </p:sp>
+      </p:grpSp>
+      <p:sp>
+        <p:nvSpPr>
+          <p:cNvPr id="74" name="직사각형 73"/>
+          <p:cNvSpPr/>
+          <p:nvPr/>
+        </p:nvSpPr>
+        <p:spPr>
+          <a:xfrm>
+            <a:off x="4802367" y="5586190"/>
+            <a:ext cx="39978" cy="39979"/>
+          </a:xfrm>
+          <a:prstGeom prst="rect">
+            <a:avLst/>
+          </a:prstGeom>
+          <a:solidFill>
+            <a:schemeClr val="accent1">
+              <a:lumMod val="60000"/>
+              <a:lumOff val="40000"/>
+            </a:schemeClr>
+          </a:solidFill>
+          <a:ln>
+            <a:solidFill>
+              <a:srgbClr val="0070C0"/>
+            </a:solidFill>
+          </a:ln>
+        </p:spPr>
+        <p:style>
+          <a:lnRef idx="2">
+            <a:schemeClr val="accent1">
+              <a:shade val="50000"/>
+            </a:schemeClr>
+          </a:lnRef>
+          <a:fillRef idx="1">
+            <a:schemeClr val="accent1"/>
+          </a:fillRef>
+          <a:effectRef idx="0">
+            <a:schemeClr val="accent1"/>
+          </a:effectRef>
+          <a:fontRef idx="minor">
+            <a:schemeClr val="lt1"/>
+          </a:fontRef>
+        </p:style>
+        <p:txBody>
+          <a:bodyPr rtlCol="0" anchor="ctr"/>
+          <a:lstStyle/>
+          <a:p>
+            <a:pPr algn="ctr"/>
+            <a:endParaRPr kumimoji="1" lang="ko-KR" altLang="en-US"/>
+          </a:p>
+        </p:txBody>
+      </p:sp>
+      <p:sp>
+        <p:nvSpPr>
+          <p:cNvPr id="75" name="직사각형 74"/>
+          <p:cNvSpPr/>
+          <p:nvPr/>
+        </p:nvSpPr>
+        <p:spPr>
+          <a:xfrm>
+            <a:off x="4876599" y="5586190"/>
+            <a:ext cx="39978" cy="39979"/>
+          </a:xfrm>
+          <a:prstGeom prst="rect">
+            <a:avLst/>
+          </a:prstGeom>
+          <a:solidFill>
+            <a:schemeClr val="tx1">
+              <a:lumMod val="75000"/>
+              <a:lumOff val="25000"/>
+            </a:schemeClr>
+          </a:solidFill>
+          <a:ln>
+            <a:solidFill>
+              <a:schemeClr val="tx1">
+                <a:lumMod val="50000"/>
+                <a:lumOff val="50000"/>
+              </a:schemeClr>
+            </a:solidFill>
+          </a:ln>
+        </p:spPr>
+        <p:style>
+          <a:lnRef idx="2">
+            <a:schemeClr val="accent1">
+              <a:shade val="50000"/>
+            </a:schemeClr>
+          </a:lnRef>
+          <a:fillRef idx="1">
+            <a:schemeClr val="accent1"/>
+          </a:fillRef>
+          <a:effectRef idx="0">
+            <a:schemeClr val="accent1"/>
+          </a:effectRef>
+          <a:fontRef idx="minor">
+            <a:schemeClr val="lt1"/>
+          </a:fontRef>
+        </p:style>
+        <p:txBody>
+          <a:bodyPr rtlCol="0" anchor="ctr"/>
+          <a:lstStyle/>
+          <a:p>
+            <a:pPr algn="ctr"/>
+            <a:endParaRPr kumimoji="1" lang="ko-KR" altLang="en-US"/>
+          </a:p>
+        </p:txBody>
+      </p:sp>
+      <p:sp>
+        <p:nvSpPr>
+          <p:cNvPr id="76" name="직사각형 75"/>
+          <p:cNvSpPr/>
+          <p:nvPr/>
+        </p:nvSpPr>
+        <p:spPr>
+          <a:xfrm>
+            <a:off x="4950831" y="5586190"/>
+            <a:ext cx="39978" cy="39979"/>
+          </a:xfrm>
+          <a:prstGeom prst="rect">
+            <a:avLst/>
+          </a:prstGeom>
+          <a:solidFill>
+            <a:schemeClr val="tx1">
+              <a:lumMod val="75000"/>
+              <a:lumOff val="25000"/>
+            </a:schemeClr>
+          </a:solidFill>
+          <a:ln>
+            <a:solidFill>
+              <a:schemeClr val="tx1">
+                <a:lumMod val="50000"/>
+                <a:lumOff val="50000"/>
+              </a:schemeClr>
+            </a:solidFill>
+          </a:ln>
+        </p:spPr>
+        <p:style>
+          <a:lnRef idx="2">
+            <a:schemeClr val="accent1">
+              <a:shade val="50000"/>
+            </a:schemeClr>
+          </a:lnRef>
+          <a:fillRef idx="1">
+            <a:schemeClr val="accent1"/>
+          </a:fillRef>
+          <a:effectRef idx="0">
+            <a:schemeClr val="accent1"/>
+          </a:effectRef>
+          <a:fontRef idx="minor">
+            <a:schemeClr val="lt1"/>
+          </a:fontRef>
+        </p:style>
+        <p:txBody>
+          <a:bodyPr rtlCol="0" anchor="ctr"/>
+          <a:lstStyle/>
+          <a:p>
+            <a:pPr algn="ctr"/>
+            <a:endParaRPr kumimoji="1" lang="ko-KR" altLang="en-US"/>
+          </a:p>
+        </p:txBody>
+      </p:sp>
+      <p:sp>
+        <p:nvSpPr>
+          <p:cNvPr id="78" name="직사각형 77"/>
+          <p:cNvSpPr/>
+          <p:nvPr/>
+        </p:nvSpPr>
+        <p:spPr>
+          <a:xfrm>
+            <a:off x="5025064" y="5585001"/>
+            <a:ext cx="39978" cy="39979"/>
+          </a:xfrm>
+          <a:prstGeom prst="rect">
+            <a:avLst/>
+          </a:prstGeom>
+          <a:solidFill>
+            <a:schemeClr val="tx1">
+              <a:lumMod val="75000"/>
+              <a:lumOff val="25000"/>
+            </a:schemeClr>
+          </a:solidFill>
+          <a:ln>
+            <a:solidFill>
+              <a:schemeClr val="tx1">
+                <a:lumMod val="50000"/>
+                <a:lumOff val="50000"/>
+              </a:schemeClr>
+            </a:solidFill>
+          </a:ln>
+        </p:spPr>
+        <p:style>
+          <a:lnRef idx="2">
+            <a:schemeClr val="accent1">
+              <a:shade val="50000"/>
+            </a:schemeClr>
+          </a:lnRef>
+          <a:fillRef idx="1">
+            <a:schemeClr val="accent1"/>
+          </a:fillRef>
+          <a:effectRef idx="0">
+            <a:schemeClr val="accent1"/>
+          </a:effectRef>
+          <a:fontRef idx="minor">
+            <a:schemeClr val="lt1"/>
+          </a:fontRef>
+        </p:style>
+        <p:txBody>
+          <a:bodyPr rtlCol="0" anchor="ctr"/>
+          <a:lstStyle/>
+          <a:p>
+            <a:pPr algn="ctr"/>
+            <a:endParaRPr kumimoji="1" lang="ko-KR" altLang="en-US"/>
+          </a:p>
+        </p:txBody>
+      </p:sp>
+      <p:pic>
+        <p:nvPicPr>
+          <p:cNvPr id="40" name="그림 39"/>
+          <p:cNvPicPr>
+            <a:picLocks noChangeAspect="1"/>
+          </p:cNvPicPr>
+          <p:nvPr/>
+        </p:nvPicPr>
+        <p:blipFill>
+          <a:blip r:embed="rId5"/>
+          <a:stretch>
+            <a:fillRect/>
+          </a:stretch>
+        </p:blipFill>
+        <p:spPr>
+          <a:xfrm>
+            <a:off x="4656383" y="4287616"/>
+            <a:ext cx="2432067" cy="662582"/>
+          </a:xfrm>
+          <a:prstGeom prst="rect">
+            <a:avLst/>
+          </a:prstGeom>
+        </p:spPr>
+      </p:pic>
+      <p:sp>
+        <p:nvSpPr>
+          <p:cNvPr id="44" name="텍스트 상자 43"/>
+          <p:cNvSpPr txBox="1"/>
+          <p:nvPr/>
+        </p:nvSpPr>
+        <p:spPr>
+          <a:xfrm>
+            <a:off x="4609727" y="4890239"/>
+            <a:ext cx="1170513" cy="246221"/>
+          </a:xfrm>
+          <a:prstGeom prst="rect">
+            <a:avLst/>
+          </a:prstGeom>
+          <a:noFill/>
+        </p:spPr>
+        <p:txBody>
+          <a:bodyPr wrap="none" rtlCol="0">
+            <a:spAutoFit/>
+          </a:bodyPr>
+          <a:lstStyle/>
+          <a:p>
+            <a:r>
+              <a:rPr kumimoji="1" lang="en-US" altLang="ko-KR" sz="1000" b="1" dirty="0" smtClean="0"/>
+              <a:t>Primary Storage</a:t>
+            </a:r>
+            <a:endParaRPr kumimoji="1" lang="ko-KR" altLang="en-US" sz="1000" b="1" dirty="0"/>
+          </a:p>
+        </p:txBody>
+      </p:sp>
+      <p:grpSp>
+        <p:nvGrpSpPr>
+          <p:cNvPr id="80" name="그룹 79"/>
+          <p:cNvGrpSpPr/>
+          <p:nvPr/>
+        </p:nvGrpSpPr>
+        <p:grpSpPr>
+          <a:xfrm>
+            <a:off x="4802366" y="4507142"/>
+            <a:ext cx="262675" cy="41168"/>
+            <a:chOff x="4625744" y="5700105"/>
+            <a:chExt cx="300394" cy="47079"/>
+          </a:xfrm>
+        </p:grpSpPr>
+        <p:sp>
+          <p:nvSpPr>
+            <p:cNvPr id="81" name="직사각형 80"/>
+            <p:cNvSpPr/>
+            <p:nvPr/>
+          </p:nvSpPr>
+          <p:spPr>
+            <a:xfrm>
+              <a:off x="4625744" y="5701465"/>
+              <a:ext cx="45719" cy="45719"/>
+            </a:xfrm>
+            <a:prstGeom prst="rect">
+              <a:avLst/>
+            </a:prstGeom>
+            <a:solidFill>
+              <a:schemeClr val="accent1">
+                <a:lumMod val="60000"/>
+                <a:lumOff val="40000"/>
+              </a:schemeClr>
+            </a:solidFill>
+            <a:ln>
+              <a:solidFill>
+                <a:srgbClr val="0070C0"/>
+              </a:solidFill>
+            </a:ln>
+          </p:spPr>
+          <p:style>
+            <a:lnRef idx="2">
+              <a:schemeClr val="accent1">
+                <a:shade val="50000"/>
+              </a:schemeClr>
+            </a:lnRef>
+            <a:fillRef idx="1">
+              <a:schemeClr val="accent1"/>
+            </a:fillRef>
+            <a:effectRef idx="0">
+              <a:schemeClr val="accent1"/>
+            </a:effectRef>
+            <a:fontRef idx="minor">
+              <a:schemeClr val="lt1"/>
+            </a:fontRef>
+          </p:style>
+          <p:txBody>
+            <a:bodyPr rtlCol="0" anchor="ctr"/>
+            <a:lstStyle/>
+            <a:p>
+              <a:pPr algn="ctr"/>
+              <a:endParaRPr kumimoji="1" lang="ko-KR" altLang="en-US" sz="1000"/>
+            </a:p>
+          </p:txBody>
+        </p:sp>
+        <p:sp>
+          <p:nvSpPr>
+            <p:cNvPr id="82" name="직사각형 81"/>
+            <p:cNvSpPr/>
+            <p:nvPr/>
+          </p:nvSpPr>
+          <p:spPr>
+            <a:xfrm>
+              <a:off x="4710635" y="5701465"/>
+              <a:ext cx="45719" cy="45719"/>
+            </a:xfrm>
+            <a:prstGeom prst="rect">
+              <a:avLst/>
+            </a:prstGeom>
+            <a:solidFill>
+              <a:schemeClr val="tx1">
+                <a:lumMod val="75000"/>
+                <a:lumOff val="25000"/>
+              </a:schemeClr>
+            </a:solidFill>
+            <a:ln>
+              <a:solidFill>
+                <a:schemeClr val="tx1">
+                  <a:lumMod val="50000"/>
+                  <a:lumOff val="50000"/>
+                </a:schemeClr>
+              </a:solidFill>
+            </a:ln>
+          </p:spPr>
+          <p:style>
+            <a:lnRef idx="2">
+              <a:schemeClr val="accent1">
+                <a:shade val="50000"/>
+              </a:schemeClr>
+            </a:lnRef>
+            <a:fillRef idx="1">
+              <a:schemeClr val="accent1"/>
+            </a:fillRef>
+            <a:effectRef idx="0">
+              <a:schemeClr val="accent1"/>
+            </a:effectRef>
+            <a:fontRef idx="minor">
+              <a:schemeClr val="lt1"/>
+            </a:fontRef>
+          </p:style>
+          <p:txBody>
+            <a:bodyPr rtlCol="0" anchor="ctr"/>
+            <a:lstStyle/>
+            <a:p>
+              <a:pPr algn="ctr"/>
+              <a:endParaRPr kumimoji="1" lang="ko-KR" altLang="en-US" sz="1000"/>
+            </a:p>
+          </p:txBody>
+        </p:sp>
+        <p:sp>
+          <p:nvSpPr>
+            <p:cNvPr id="83" name="직사각형 82"/>
+            <p:cNvSpPr/>
+            <p:nvPr/>
+          </p:nvSpPr>
+          <p:spPr>
+            <a:xfrm>
+              <a:off x="4795527" y="5701465"/>
+              <a:ext cx="45719" cy="45719"/>
+            </a:xfrm>
+            <a:prstGeom prst="rect">
+              <a:avLst/>
+            </a:prstGeom>
+            <a:solidFill>
+              <a:schemeClr val="tx1">
+                <a:lumMod val="75000"/>
+                <a:lumOff val="25000"/>
+              </a:schemeClr>
+            </a:solidFill>
+            <a:ln>
+              <a:solidFill>
+                <a:schemeClr val="tx1">
+                  <a:lumMod val="50000"/>
+                  <a:lumOff val="50000"/>
+                </a:schemeClr>
+              </a:solidFill>
+            </a:ln>
+          </p:spPr>
+          <p:style>
+            <a:lnRef idx="2">
+              <a:schemeClr val="accent1">
+                <a:shade val="50000"/>
+              </a:schemeClr>
+            </a:lnRef>
+            <a:fillRef idx="1">
+              <a:schemeClr val="accent1"/>
+            </a:fillRef>
+            <a:effectRef idx="0">
+              <a:schemeClr val="accent1"/>
+            </a:effectRef>
+            <a:fontRef idx="minor">
+              <a:schemeClr val="lt1"/>
+            </a:fontRef>
+          </p:style>
+          <p:txBody>
+            <a:bodyPr rtlCol="0" anchor="ctr"/>
+            <a:lstStyle/>
+            <a:p>
+              <a:pPr algn="ctr"/>
+              <a:endParaRPr kumimoji="1" lang="ko-KR" altLang="en-US" sz="1000"/>
+            </a:p>
+          </p:txBody>
+        </p:sp>
+        <p:sp>
+          <p:nvSpPr>
+            <p:cNvPr id="84" name="직사각형 83"/>
+            <p:cNvSpPr/>
+            <p:nvPr/>
+          </p:nvSpPr>
+          <p:spPr>
+            <a:xfrm>
+              <a:off x="4880419" y="5700105"/>
+              <a:ext cx="45719" cy="45719"/>
+            </a:xfrm>
+            <a:prstGeom prst="rect">
+              <a:avLst/>
+            </a:prstGeom>
+            <a:solidFill>
+              <a:schemeClr val="tx1">
+                <a:lumMod val="75000"/>
+                <a:lumOff val="25000"/>
+              </a:schemeClr>
+            </a:solidFill>
+            <a:ln>
+              <a:solidFill>
+                <a:schemeClr val="tx1">
+                  <a:lumMod val="50000"/>
+                  <a:lumOff val="50000"/>
+                </a:schemeClr>
+              </a:solidFill>
+            </a:ln>
+          </p:spPr>
+          <p:style>
+            <a:lnRef idx="2">
+              <a:schemeClr val="accent1">
+                <a:shade val="50000"/>
+              </a:schemeClr>
+            </a:lnRef>
+            <a:fillRef idx="1">
+              <a:schemeClr val="accent1"/>
+            </a:fillRef>
+            <a:effectRef idx="0">
+              <a:schemeClr val="accent1"/>
+            </a:effectRef>
+            <a:fontRef idx="minor">
+              <a:schemeClr val="lt1"/>
+            </a:fontRef>
+          </p:style>
+          <p:txBody>
+            <a:bodyPr rtlCol="0" anchor="ctr"/>
+            <a:lstStyle/>
+            <a:p>
+              <a:pPr algn="ctr"/>
+              <a:endParaRPr kumimoji="1" lang="ko-KR" altLang="en-US" sz="1000"/>
+            </a:p>
+          </p:txBody>
+        </p:sp>
+      </p:grpSp>
+      <p:cxnSp>
+        <p:nvCxnSpPr>
+          <p:cNvPr id="85" name="꺾인 연결선[E] 84"/>
+          <p:cNvCxnSpPr>
+            <a:stCxn id="25" idx="2"/>
+            <a:endCxn id="74" idx="0"/>
+          </p:cNvCxnSpPr>
+          <p:nvPr/>
+        </p:nvCxnSpPr>
+        <p:spPr>
+          <a:xfrm rot="16200000" flipH="1">
+            <a:off x="2394507" y="3158340"/>
+            <a:ext cx="2878643" cy="1977056"/>
+          </a:xfrm>
+          <a:prstGeom prst="bentConnector3">
+            <a:avLst>
+              <a:gd name="adj1" fmla="val 89681"/>
+            </a:avLst>
+          </a:prstGeom>
+        </p:spPr>
+        <p:style>
+          <a:lnRef idx="1">
+            <a:schemeClr val="accent1"/>
+          </a:lnRef>
+          <a:fillRef idx="0">
+            <a:schemeClr val="accent1"/>
+          </a:fillRef>
+          <a:effectRef idx="0">
+            <a:schemeClr val="accent1"/>
+          </a:effectRef>
+          <a:fontRef idx="minor">
+            <a:schemeClr val="tx1"/>
+          </a:fontRef>
+        </p:style>
+      </p:cxnSp>
+      <p:cxnSp>
+        <p:nvCxnSpPr>
+          <p:cNvPr id="90" name="꺾인 연결선[E] 89"/>
+          <p:cNvCxnSpPr>
+            <a:stCxn id="26" idx="2"/>
+            <a:endCxn id="81" idx="0"/>
+          </p:cNvCxnSpPr>
+          <p:nvPr/>
+        </p:nvCxnSpPr>
+        <p:spPr>
+          <a:xfrm rot="16200000" flipH="1">
+            <a:off x="2970554" y="2656526"/>
+            <a:ext cx="1800783" cy="1902824"/>
+          </a:xfrm>
+          <a:prstGeom prst="bentConnector3">
+            <a:avLst>
+              <a:gd name="adj1" fmla="val 87606"/>
+            </a:avLst>
+          </a:prstGeom>
+        </p:spPr>
+        <p:style>
+          <a:lnRef idx="1">
+            <a:schemeClr val="accent1"/>
+          </a:lnRef>
+          <a:fillRef idx="0">
+            <a:schemeClr val="accent1"/>
+          </a:fillRef>
+          <a:effectRef idx="0">
+            <a:schemeClr val="accent1"/>
+          </a:effectRef>
+          <a:fontRef idx="minor">
+            <a:schemeClr val="tx1"/>
+          </a:fontRef>
+        </p:style>
+      </p:cxnSp>
+      <p:cxnSp>
+        <p:nvCxnSpPr>
+          <p:cNvPr id="94" name="꺾인 연결선[E] 93"/>
+          <p:cNvCxnSpPr>
+            <a:stCxn id="28" idx="2"/>
+            <a:endCxn id="58" idx="0"/>
+          </p:cNvCxnSpPr>
+          <p:nvPr/>
+        </p:nvCxnSpPr>
+        <p:spPr>
+          <a:xfrm rot="16200000" flipH="1">
+            <a:off x="3920440" y="1855103"/>
+            <a:ext cx="882147" cy="2587034"/>
+          </a:xfrm>
+          <a:prstGeom prst="bentConnector3">
+            <a:avLst>
+              <a:gd name="adj1" fmla="val 56294"/>
+            </a:avLst>
+          </a:prstGeom>
+        </p:spPr>
+        <p:style>
+          <a:lnRef idx="1">
+            <a:schemeClr val="accent1"/>
+          </a:lnRef>
+          <a:fillRef idx="0">
+            <a:schemeClr val="accent1"/>
+          </a:fillRef>
+          <a:effectRef idx="0">
+            <a:schemeClr val="accent1"/>
+          </a:effectRef>
+          <a:fontRef idx="minor">
+            <a:schemeClr val="tx1"/>
+          </a:fontRef>
+        </p:style>
+      </p:cxnSp>
+      <p:cxnSp>
+        <p:nvCxnSpPr>
+          <p:cNvPr id="99" name="꺾인 연결선[E] 98"/>
+          <p:cNvCxnSpPr>
+            <a:stCxn id="27" idx="2"/>
+            <a:endCxn id="66" idx="0"/>
+          </p:cNvCxnSpPr>
+          <p:nvPr/>
+        </p:nvCxnSpPr>
+        <p:spPr>
+          <a:xfrm rot="16200000" flipH="1">
+            <a:off x="4941155" y="760156"/>
+            <a:ext cx="1909576" cy="5804357"/>
+          </a:xfrm>
+          <a:prstGeom prst="bentConnector3">
+            <a:avLst>
+              <a:gd name="adj1" fmla="val 78200"/>
+            </a:avLst>
+          </a:prstGeom>
+        </p:spPr>
+        <p:style>
+          <a:lnRef idx="1">
+            <a:schemeClr val="accent1"/>
+          </a:lnRef>
+          <a:fillRef idx="0">
+            <a:schemeClr val="accent1"/>
+          </a:fillRef>
+          <a:effectRef idx="0">
+            <a:schemeClr val="accent1"/>
+          </a:effectRef>
+          <a:fontRef idx="minor">
+            <a:schemeClr val="tx1"/>
+          </a:fontRef>
+        </p:style>
+      </p:cxnSp>
+      <p:cxnSp>
+        <p:nvCxnSpPr>
+          <p:cNvPr id="108" name="꺾인 연결선[E] 107"/>
+          <p:cNvCxnSpPr>
+            <a:stCxn id="29" idx="2"/>
+            <a:endCxn id="62" idx="0"/>
+          </p:cNvCxnSpPr>
+          <p:nvPr/>
+        </p:nvCxnSpPr>
+        <p:spPr>
+          <a:xfrm rot="16200000" flipH="1">
+            <a:off x="5534001" y="315775"/>
+            <a:ext cx="872349" cy="5655893"/>
+          </a:xfrm>
+          <a:prstGeom prst="bentConnector3">
+            <a:avLst>
+              <a:gd name="adj1" fmla="val 48129"/>
+            </a:avLst>
+          </a:prstGeom>
+        </p:spPr>
+        <p:style>
+          <a:lnRef idx="1">
+            <a:schemeClr val="accent1"/>
+          </a:lnRef>
+          <a:fillRef idx="0">
+            <a:schemeClr val="accent1"/>
+          </a:fillRef>
+          <a:effectRef idx="0">
+            <a:schemeClr val="accent1"/>
+          </a:effectRef>
+          <a:fontRef idx="minor">
+            <a:schemeClr val="tx1"/>
+          </a:fontRef>
+        </p:style>
+      </p:cxnSp>
+      <p:cxnSp>
+        <p:nvCxnSpPr>
+          <p:cNvPr id="112" name="꺾인 연결선[E] 111"/>
+          <p:cNvCxnSpPr>
+            <a:stCxn id="30" idx="2"/>
+            <a:endCxn id="59" idx="0"/>
+          </p:cNvCxnSpPr>
+          <p:nvPr/>
+        </p:nvCxnSpPr>
+        <p:spPr>
+          <a:xfrm rot="16200000" flipH="1">
+            <a:off x="4827750" y="2688182"/>
+            <a:ext cx="890282" cy="912742"/>
+          </a:xfrm>
+          <a:prstGeom prst="bentConnector3">
+            <a:avLst>
+              <a:gd name="adj1" fmla="val 36061"/>
+            </a:avLst>
+          </a:prstGeom>
+          <a:ln>
+            <a:solidFill>
+              <a:srgbClr val="FF0000"/>
+            </a:solidFill>
+          </a:ln>
+        </p:spPr>
+        <p:style>
+          <a:lnRef idx="1">
+            <a:schemeClr val="accent1"/>
+          </a:lnRef>
+          <a:fillRef idx="0">
+            <a:schemeClr val="accent1"/>
+          </a:fillRef>
+          <a:effectRef idx="0">
+            <a:schemeClr val="accent1"/>
+          </a:effectRef>
+          <a:fontRef idx="minor">
+            <a:schemeClr val="tx1"/>
+          </a:fontRef>
+        </p:style>
+      </p:cxnSp>
+      <p:cxnSp>
+        <p:nvCxnSpPr>
+          <p:cNvPr id="116" name="꺾인 연결선[E] 115"/>
+          <p:cNvCxnSpPr>
+            <a:stCxn id="31" idx="2"/>
+            <a:endCxn id="138" idx="0"/>
+          </p:cNvCxnSpPr>
+          <p:nvPr/>
+        </p:nvCxnSpPr>
+        <p:spPr>
+          <a:xfrm rot="16200000" flipH="1">
+            <a:off x="5592380" y="1997783"/>
+            <a:ext cx="868628" cy="2271885"/>
+          </a:xfrm>
+          <a:prstGeom prst="bentConnector3">
+            <a:avLst>
+              <a:gd name="adj1" fmla="val 28085"/>
+            </a:avLst>
+          </a:prstGeom>
+          <a:ln>
+            <a:solidFill>
+              <a:srgbClr val="FF0000"/>
+            </a:solidFill>
+          </a:ln>
+        </p:spPr>
+        <p:style>
+          <a:lnRef idx="1">
+            <a:schemeClr val="accent1"/>
+          </a:lnRef>
+          <a:fillRef idx="0">
+            <a:schemeClr val="accent1"/>
+          </a:fillRef>
+          <a:effectRef idx="0">
+            <a:schemeClr val="accent1"/>
+          </a:effectRef>
+          <a:fontRef idx="minor">
+            <a:schemeClr val="tx1"/>
+          </a:fontRef>
+        </p:style>
+      </p:cxnSp>
+      <p:cxnSp>
+        <p:nvCxnSpPr>
+          <p:cNvPr id="120" name="꺾인 연결선[E] 119"/>
+          <p:cNvCxnSpPr>
+            <a:stCxn id="32" idx="2"/>
+            <a:endCxn id="63" idx="0"/>
+          </p:cNvCxnSpPr>
+          <p:nvPr/>
+        </p:nvCxnSpPr>
+        <p:spPr>
+          <a:xfrm rot="16200000" flipH="1">
+            <a:off x="6478428" y="1185969"/>
+            <a:ext cx="880484" cy="3907369"/>
+          </a:xfrm>
+          <a:prstGeom prst="bentConnector3">
+            <a:avLst>
+              <a:gd name="adj1" fmla="val 20347"/>
+            </a:avLst>
+          </a:prstGeom>
+          <a:ln>
+            <a:solidFill>
+              <a:srgbClr val="FF0000"/>
+            </a:solidFill>
+          </a:ln>
+        </p:spPr>
+        <p:style>
+          <a:lnRef idx="1">
+            <a:schemeClr val="accent1"/>
+          </a:lnRef>
+          <a:fillRef idx="0">
+            <a:schemeClr val="accent1"/>
+          </a:fillRef>
+          <a:effectRef idx="0">
+            <a:schemeClr val="accent1"/>
+          </a:effectRef>
+          <a:fontRef idx="minor">
+            <a:schemeClr val="tx1"/>
+          </a:fontRef>
+        </p:style>
+      </p:cxnSp>
+      <p:cxnSp>
+        <p:nvCxnSpPr>
+          <p:cNvPr id="125" name="꺾인 연결선[E] 124"/>
+          <p:cNvCxnSpPr>
+            <a:stCxn id="37" idx="2"/>
+            <a:endCxn id="64" idx="0"/>
+          </p:cNvCxnSpPr>
+          <p:nvPr/>
+        </p:nvCxnSpPr>
+        <p:spPr>
+          <a:xfrm rot="5400000">
+            <a:off x="8557478" y="3096654"/>
+            <a:ext cx="872350" cy="94133"/>
+          </a:xfrm>
+          <a:prstGeom prst="bentConnector3">
+            <a:avLst>
+              <a:gd name="adj1" fmla="val 50000"/>
+            </a:avLst>
+          </a:prstGeom>
+          <a:ln>
+            <a:solidFill>
+              <a:srgbClr val="00B050"/>
+            </a:solidFill>
+          </a:ln>
+        </p:spPr>
+        <p:style>
+          <a:lnRef idx="1">
+            <a:schemeClr val="accent1"/>
+          </a:lnRef>
+          <a:fillRef idx="0">
+            <a:schemeClr val="accent1"/>
+          </a:fillRef>
+          <a:effectRef idx="0">
+            <a:schemeClr val="accent1"/>
+          </a:effectRef>
+          <a:fontRef idx="minor">
+            <a:schemeClr val="tx1"/>
+          </a:fontRef>
+        </p:style>
+      </p:cxnSp>
+      <p:cxnSp>
+        <p:nvCxnSpPr>
+          <p:cNvPr id="128" name="꺾인 연결선[E] 127"/>
+          <p:cNvCxnSpPr>
+            <a:stCxn id="38" idx="2"/>
+            <a:endCxn id="132" idx="0"/>
+          </p:cNvCxnSpPr>
+          <p:nvPr/>
+        </p:nvCxnSpPr>
+        <p:spPr>
+          <a:xfrm rot="16200000" flipH="1">
+            <a:off x="9384086" y="2438411"/>
+            <a:ext cx="694820" cy="1233089"/>
+          </a:xfrm>
+          <a:prstGeom prst="bentConnector3">
+            <a:avLst>
+              <a:gd name="adj1" fmla="val 62231"/>
+            </a:avLst>
+          </a:prstGeom>
+          <a:ln>
+            <a:solidFill>
+              <a:srgbClr val="00B050"/>
+            </a:solidFill>
+          </a:ln>
+        </p:spPr>
+        <p:style>
+          <a:lnRef idx="1">
+            <a:schemeClr val="accent1"/>
+          </a:lnRef>
+          <a:fillRef idx="0">
+            <a:schemeClr val="accent1"/>
+          </a:fillRef>
+          <a:effectRef idx="0">
+            <a:schemeClr val="accent1"/>
+          </a:effectRef>
+          <a:fontRef idx="minor">
+            <a:schemeClr val="tx1"/>
+          </a:fontRef>
+        </p:style>
+      </p:cxnSp>
+      <p:cxnSp>
+        <p:nvCxnSpPr>
+          <p:cNvPr id="135" name="꺾인 연결선[E] 134"/>
+          <p:cNvCxnSpPr>
+            <a:stCxn id="132" idx="2"/>
+            <a:endCxn id="68" idx="0"/>
+          </p:cNvCxnSpPr>
+          <p:nvPr/>
+        </p:nvCxnSpPr>
+        <p:spPr>
+          <a:xfrm rot="5400000">
+            <a:off x="9039936" y="3309018"/>
+            <a:ext cx="1214757" cy="1401455"/>
+          </a:xfrm>
+          <a:prstGeom prst="bentConnector3">
+            <a:avLst>
+              <a:gd name="adj1" fmla="val 56716"/>
+            </a:avLst>
+          </a:prstGeom>
+          <a:ln>
+            <a:solidFill>
+              <a:srgbClr val="00B050"/>
+            </a:solidFill>
+          </a:ln>
+        </p:spPr>
+        <p:style>
+          <a:lnRef idx="1">
+            <a:schemeClr val="accent1"/>
+          </a:lnRef>
+          <a:fillRef idx="0">
+            <a:schemeClr val="accent1"/>
+          </a:fillRef>
+          <a:effectRef idx="0">
+            <a:schemeClr val="accent1"/>
+          </a:effectRef>
+          <a:fontRef idx="minor">
+            <a:schemeClr val="tx1"/>
+          </a:fontRef>
+        </p:style>
+      </p:cxnSp>
+      <p:cxnSp>
+        <p:nvCxnSpPr>
+          <p:cNvPr id="142" name="꺾인 연결선[E] 141"/>
+          <p:cNvCxnSpPr>
+            <a:stCxn id="138" idx="2"/>
+            <a:endCxn id="67" idx="0"/>
+          </p:cNvCxnSpPr>
+          <p:nvPr/>
+        </p:nvCxnSpPr>
+        <p:spPr>
+          <a:xfrm rot="16200000" flipH="1">
+            <a:off x="7492954" y="3237724"/>
+            <a:ext cx="1049083" cy="1709716"/>
+          </a:xfrm>
+          <a:prstGeom prst="bentConnector3">
+            <a:avLst>
+              <a:gd name="adj1" fmla="val 50000"/>
+            </a:avLst>
+          </a:prstGeom>
+          <a:ln>
+            <a:solidFill>
+              <a:srgbClr val="FF0000"/>
+            </a:solidFill>
+          </a:ln>
+        </p:spPr>
+        <p:style>
+          <a:lnRef idx="1">
+            <a:schemeClr val="accent1"/>
+          </a:lnRef>
+          <a:fillRef idx="0">
+            <a:schemeClr val="accent1"/>
+          </a:fillRef>
+          <a:effectRef idx="0">
+            <a:schemeClr val="accent1"/>
+          </a:effectRef>
+          <a:fontRef idx="minor">
+            <a:schemeClr val="tx1"/>
+          </a:fontRef>
+        </p:style>
+      </p:cxnSp>
+      <p:grpSp>
+        <p:nvGrpSpPr>
+          <p:cNvPr id="159" name="그룹 158"/>
+          <p:cNvGrpSpPr/>
+          <p:nvPr/>
+        </p:nvGrpSpPr>
+        <p:grpSpPr>
+          <a:xfrm>
+            <a:off x="391886" y="5359478"/>
+            <a:ext cx="1808315" cy="726971"/>
+            <a:chOff x="391886" y="5246216"/>
+            <a:chExt cx="1808315" cy="726971"/>
+          </a:xfrm>
+        </p:grpSpPr>
+        <p:grpSp>
+          <p:nvGrpSpPr>
+            <p:cNvPr id="157" name="그룹 156"/>
+            <p:cNvGrpSpPr/>
+            <p:nvPr/>
+          </p:nvGrpSpPr>
+          <p:grpSpPr>
+            <a:xfrm>
+              <a:off x="391886" y="5246216"/>
+              <a:ext cx="1808315" cy="230832"/>
+              <a:chOff x="391886" y="5246216"/>
+              <a:chExt cx="1808315" cy="230832"/>
+            </a:xfrm>
+          </p:grpSpPr>
+          <p:cxnSp>
+            <p:nvCxnSpPr>
+              <p:cNvPr id="149" name="직선 연결선[R] 148"/>
+              <p:cNvCxnSpPr/>
+              <p:nvPr/>
+            </p:nvCxnSpPr>
+            <p:spPr>
+              <a:xfrm>
+                <a:off x="391886" y="5361632"/>
+                <a:ext cx="108000" cy="0"/>
+              </a:xfrm>
+              <a:prstGeom prst="line">
+                <a:avLst/>
+              </a:prstGeom>
+              <a:ln w="50800"/>
+            </p:spPr>
+            <p:style>
+              <a:lnRef idx="1">
+                <a:schemeClr val="accent1"/>
+              </a:lnRef>
+              <a:fillRef idx="0">
+                <a:schemeClr val="accent1"/>
+              </a:fillRef>
+              <a:effectRef idx="0">
+                <a:schemeClr val="accent1"/>
+              </a:effectRef>
+              <a:fontRef idx="minor">
+                <a:schemeClr val="tx1"/>
+              </a:fontRef>
+            </p:style>
+          </p:cxnSp>
+          <p:sp>
+            <p:nvSpPr>
+              <p:cNvPr id="153" name="텍스트 상자 152"/>
+              <p:cNvSpPr txBox="1"/>
+              <p:nvPr/>
+            </p:nvSpPr>
+            <p:spPr>
+              <a:xfrm>
+                <a:off x="515124" y="5246216"/>
+                <a:ext cx="1685077" cy="230832"/>
+              </a:xfrm>
+              <a:prstGeom prst="rect">
+                <a:avLst/>
+              </a:prstGeom>
+              <a:noFill/>
+            </p:spPr>
+            <p:txBody>
+              <a:bodyPr wrap="none" rtlCol="0">
+                <a:spAutoFit/>
+              </a:bodyPr>
+              <a:lstStyle/>
+              <a:p>
+                <a:r>
+                  <a:rPr kumimoji="1" lang="en-US" altLang="ko-KR" sz="900" smtClean="0"/>
+                  <a:t>Management/Storage Traffic</a:t>
+                </a:r>
+                <a:endParaRPr kumimoji="1" lang="ko-KR" altLang="en-US" sz="900" dirty="0"/>
+              </a:p>
+            </p:txBody>
+          </p:sp>
+        </p:grpSp>
+        <p:grpSp>
+          <p:nvGrpSpPr>
+            <p:cNvPr id="156" name="그룹 155"/>
+            <p:cNvGrpSpPr/>
+            <p:nvPr/>
+          </p:nvGrpSpPr>
+          <p:grpSpPr>
+            <a:xfrm>
+              <a:off x="391886" y="5494285"/>
+              <a:ext cx="939487" cy="230832"/>
+              <a:chOff x="391886" y="5537380"/>
+              <a:chExt cx="939487" cy="230832"/>
+            </a:xfrm>
+          </p:grpSpPr>
+          <p:cxnSp>
+            <p:nvCxnSpPr>
+              <p:cNvPr id="151" name="직선 연결선[R] 150"/>
+              <p:cNvCxnSpPr/>
+              <p:nvPr/>
+            </p:nvCxnSpPr>
+            <p:spPr>
+              <a:xfrm>
+                <a:off x="391886" y="5652796"/>
+                <a:ext cx="108000" cy="0"/>
+              </a:xfrm>
+              <a:prstGeom prst="line">
+                <a:avLst/>
+              </a:prstGeom>
+              <a:ln w="50800">
+                <a:solidFill>
+                  <a:srgbClr val="FF0000"/>
+                </a:solidFill>
+              </a:ln>
+            </p:spPr>
+            <p:style>
+              <a:lnRef idx="1">
+                <a:schemeClr val="accent1"/>
+              </a:lnRef>
+              <a:fillRef idx="0">
+                <a:schemeClr val="accent1"/>
+              </a:fillRef>
+              <a:effectRef idx="0">
+                <a:schemeClr val="accent1"/>
+              </a:effectRef>
+              <a:fontRef idx="minor">
+                <a:schemeClr val="tx1"/>
+              </a:fontRef>
+            </p:style>
+          </p:cxnSp>
+          <p:sp>
+            <p:nvSpPr>
+              <p:cNvPr id="154" name="텍스트 상자 153"/>
+              <p:cNvSpPr txBox="1"/>
+              <p:nvPr/>
+            </p:nvSpPr>
+            <p:spPr>
+              <a:xfrm>
+                <a:off x="515124" y="5537380"/>
+                <a:ext cx="816249" cy="230832"/>
+              </a:xfrm>
+              <a:prstGeom prst="rect">
+                <a:avLst/>
+              </a:prstGeom>
+              <a:noFill/>
+            </p:spPr>
+            <p:txBody>
+              <a:bodyPr wrap="none" rtlCol="0">
+                <a:spAutoFit/>
+              </a:bodyPr>
+              <a:lstStyle/>
+              <a:p>
+                <a:r>
+                  <a:rPr kumimoji="1" lang="en-US" altLang="ko-KR" sz="900" dirty="0" err="1" smtClean="0"/>
+                  <a:t>PublicTraffic</a:t>
+                </a:r>
+                <a:endParaRPr kumimoji="1" lang="ko-KR" altLang="en-US" sz="900" dirty="0"/>
+              </a:p>
+            </p:txBody>
+          </p:sp>
+        </p:grpSp>
+        <p:grpSp>
+          <p:nvGrpSpPr>
+            <p:cNvPr id="158" name="그룹 157"/>
+            <p:cNvGrpSpPr/>
+            <p:nvPr/>
+          </p:nvGrpSpPr>
+          <p:grpSpPr>
+            <a:xfrm>
+              <a:off x="391886" y="5742355"/>
+              <a:ext cx="926663" cy="230832"/>
+              <a:chOff x="391886" y="5742355"/>
+              <a:chExt cx="926663" cy="230832"/>
+            </a:xfrm>
+          </p:grpSpPr>
+          <p:cxnSp>
+            <p:nvCxnSpPr>
+              <p:cNvPr id="152" name="직선 연결선[R] 151"/>
+              <p:cNvCxnSpPr/>
+              <p:nvPr/>
+            </p:nvCxnSpPr>
+            <p:spPr>
+              <a:xfrm>
+                <a:off x="391886" y="5857771"/>
+                <a:ext cx="108000" cy="0"/>
+              </a:xfrm>
+              <a:prstGeom prst="line">
+                <a:avLst/>
+              </a:prstGeom>
+              <a:ln w="50800">
+                <a:solidFill>
+                  <a:srgbClr val="00B050"/>
+                </a:solidFill>
+              </a:ln>
+            </p:spPr>
+            <p:style>
+              <a:lnRef idx="1">
+                <a:schemeClr val="accent1"/>
+              </a:lnRef>
+              <a:fillRef idx="0">
+                <a:schemeClr val="accent1"/>
+              </a:fillRef>
+              <a:effectRef idx="0">
+                <a:schemeClr val="accent1"/>
+              </a:effectRef>
+              <a:fontRef idx="minor">
+                <a:schemeClr val="tx1"/>
+              </a:fontRef>
+            </p:style>
+          </p:cxnSp>
+          <p:sp>
+            <p:nvSpPr>
+              <p:cNvPr id="155" name="텍스트 상자 154"/>
+              <p:cNvSpPr txBox="1"/>
+              <p:nvPr/>
+            </p:nvSpPr>
+            <p:spPr>
+              <a:xfrm>
+                <a:off x="515124" y="5742355"/>
+                <a:ext cx="803425" cy="230832"/>
+              </a:xfrm>
+              <a:prstGeom prst="rect">
+                <a:avLst/>
+              </a:prstGeom>
+              <a:noFill/>
+            </p:spPr>
+            <p:txBody>
+              <a:bodyPr wrap="none" rtlCol="0">
+                <a:spAutoFit/>
+              </a:bodyPr>
+              <a:lstStyle/>
+              <a:p>
+                <a:r>
+                  <a:rPr kumimoji="1" lang="en-US" altLang="ko-KR" sz="900" dirty="0" err="1" smtClean="0"/>
+                  <a:t>GuestTraffic</a:t>
+                </a:r>
+                <a:endParaRPr kumimoji="1" lang="ko-KR" altLang="en-US" sz="900" dirty="0"/>
+              </a:p>
+            </p:txBody>
+          </p:sp>
+        </p:grpSp>
+      </p:grpSp>
+      <p:pic>
+        <p:nvPicPr>
+          <p:cNvPr id="55" name="그림 54"/>
+          <p:cNvPicPr>
+            <a:picLocks noChangeAspect="1"/>
+          </p:cNvPicPr>
+          <p:nvPr/>
+        </p:nvPicPr>
+        <p:blipFill>
+          <a:blip r:embed="rId6">
+            <a:extLst>
+              <a:ext uri="{28A0092B-C50C-407E-A947-70E740481C1C}">
+                <a14:useLocalDpi xmlns:a14="http://schemas.microsoft.com/office/drawing/2010/main" val="0"/>
+              </a:ext>
+            </a:extLst>
+          </a:blip>
+          <a:stretch>
+            <a:fillRect/>
+          </a:stretch>
+        </p:blipFill>
+        <p:spPr>
+          <a:xfrm>
+            <a:off x="6162055" y="1083595"/>
+            <a:ext cx="775912" cy="480937"/>
+          </a:xfrm>
+          <a:prstGeom prst="rect">
+            <a:avLst/>
+          </a:prstGeom>
+        </p:spPr>
+      </p:pic>
+      <p:pic>
+        <p:nvPicPr>
+          <p:cNvPr id="103" name="그림 102"/>
+          <p:cNvPicPr>
+            <a:picLocks noChangeAspect="1"/>
+          </p:cNvPicPr>
+          <p:nvPr/>
+        </p:nvPicPr>
+        <p:blipFill>
+          <a:blip r:embed="rId6">
+            <a:extLst>
+              <a:ext uri="{28A0092B-C50C-407E-A947-70E740481C1C}">
+                <a14:useLocalDpi xmlns:a14="http://schemas.microsoft.com/office/drawing/2010/main" val="0"/>
+              </a:ext>
+            </a:extLst>
+          </a:blip>
+          <a:stretch>
+            <a:fillRect/>
+          </a:stretch>
+        </p:blipFill>
+        <p:spPr>
+          <a:xfrm>
+            <a:off x="6162055" y="253170"/>
+            <a:ext cx="775912" cy="480937"/>
+          </a:xfrm>
+          <a:prstGeom prst="rect">
+            <a:avLst/>
+          </a:prstGeom>
+        </p:spPr>
+      </p:pic>
+      <p:sp>
+        <p:nvSpPr>
+          <p:cNvPr id="104" name="텍스트 상자 103"/>
+          <p:cNvSpPr txBox="1"/>
+          <p:nvPr/>
+        </p:nvSpPr>
+        <p:spPr>
+          <a:xfrm>
+            <a:off x="7088449" y="241996"/>
+            <a:ext cx="1673856" cy="492443"/>
+          </a:xfrm>
+          <a:prstGeom prst="rect">
+            <a:avLst/>
+          </a:prstGeom>
+          <a:noFill/>
+        </p:spPr>
+        <p:txBody>
+          <a:bodyPr wrap="none" rtlCol="0">
+            <a:spAutoFit/>
+          </a:bodyPr>
+          <a:lstStyle/>
+          <a:p>
+            <a:r>
+              <a:rPr kumimoji="1" lang="en-US" altLang="ko-KR" sz="1000" b="1" dirty="0" smtClean="0"/>
+              <a:t>Amazon Web Service S3</a:t>
+            </a:r>
+          </a:p>
+          <a:p>
+            <a:pPr marL="92075" indent="-92075">
+              <a:buFont typeface="Arial" charset="0"/>
+              <a:buChar char="•"/>
+            </a:pPr>
+            <a:r>
+              <a:rPr kumimoji="1" lang="en-US" altLang="ko-KR" sz="800" dirty="0" smtClean="0"/>
+              <a:t>User Account</a:t>
+            </a:r>
+          </a:p>
+          <a:p>
+            <a:pPr marL="92075" indent="-92075">
+              <a:buFont typeface="Arial" charset="0"/>
+              <a:buChar char="•"/>
+            </a:pPr>
+            <a:r>
+              <a:rPr kumimoji="1" lang="en-US" altLang="ko-KR" sz="800" dirty="0" smtClean="0"/>
+              <a:t>API Key &amp; Session Key</a:t>
+            </a:r>
+            <a:endParaRPr kumimoji="1" lang="ko-KR" altLang="en-US" sz="800" dirty="0"/>
+          </a:p>
+        </p:txBody>
+      </p:sp>
+      <p:sp>
+        <p:nvSpPr>
+          <p:cNvPr id="106" name="텍스트 상자 105"/>
+          <p:cNvSpPr txBox="1"/>
+          <p:nvPr/>
+        </p:nvSpPr>
+        <p:spPr>
+          <a:xfrm>
+            <a:off x="7088449" y="1081751"/>
+            <a:ext cx="1342034" cy="492443"/>
+          </a:xfrm>
+          <a:prstGeom prst="rect">
+            <a:avLst/>
+          </a:prstGeom>
+          <a:noFill/>
+        </p:spPr>
+        <p:txBody>
+          <a:bodyPr wrap="none" rtlCol="0">
+            <a:spAutoFit/>
+          </a:bodyPr>
+          <a:lstStyle/>
+          <a:p>
+            <a:r>
+              <a:rPr kumimoji="1" lang="en-US" altLang="ko-KR" sz="1000" b="1" dirty="0" smtClean="0"/>
+              <a:t>OpenStack Swift</a:t>
+            </a:r>
+          </a:p>
+          <a:p>
+            <a:pPr marL="92075" indent="-92075">
+              <a:buFont typeface="Arial" charset="0"/>
+              <a:buChar char="•"/>
+            </a:pPr>
+            <a:r>
+              <a:rPr kumimoji="1" lang="en-US" altLang="ko-KR" sz="800" dirty="0" smtClean="0"/>
+              <a:t>User Account</a:t>
+            </a:r>
+          </a:p>
+          <a:p>
+            <a:pPr marL="92075" indent="-92075">
+              <a:buFont typeface="Arial" charset="0"/>
+              <a:buChar char="•"/>
+            </a:pPr>
+            <a:r>
+              <a:rPr kumimoji="1" lang="en-US" altLang="ko-KR" sz="800" dirty="0" smtClean="0"/>
+              <a:t>API Key &amp; Session Key</a:t>
+            </a:r>
+            <a:endParaRPr kumimoji="1" lang="ko-KR" altLang="en-US" sz="800" dirty="0"/>
+          </a:p>
+        </p:txBody>
+      </p:sp>
+      <p:sp>
+        <p:nvSpPr>
+          <p:cNvPr id="69" name="아래쪽 화살표[D] 68"/>
+          <p:cNvSpPr/>
+          <p:nvPr/>
+        </p:nvSpPr>
+        <p:spPr>
+          <a:xfrm rot="10800000">
+            <a:off x="6424318" y="415648"/>
+            <a:ext cx="251386" cy="210016"/>
+          </a:xfrm>
+          <a:prstGeom prst="downArrow">
+            <a:avLst/>
+          </a:prstGeom>
+          <a:solidFill>
+            <a:schemeClr val="bg1"/>
+          </a:solidFill>
+          <a:ln>
+            <a:noFill/>
+          </a:ln>
+        </p:spPr>
+        <p:style>
+          <a:lnRef idx="2">
+            <a:schemeClr val="accent1">
+              <a:shade val="50000"/>
+            </a:schemeClr>
+          </a:lnRef>
+          <a:fillRef idx="1">
+            <a:schemeClr val="accent1"/>
+          </a:fillRef>
+          <a:effectRef idx="0">
+            <a:schemeClr val="accent1"/>
+          </a:effectRef>
+          <a:fontRef idx="minor">
+            <a:schemeClr val="lt1"/>
+          </a:fontRef>
+        </p:style>
+        <p:txBody>
+          <a:bodyPr rtlCol="0" anchor="ctr"/>
+          <a:lstStyle/>
+          <a:p>
+            <a:pPr algn="ctr"/>
+            <a:endParaRPr kumimoji="1" lang="ko-KR" altLang="en-US"/>
+          </a:p>
+        </p:txBody>
+      </p:sp>
+      <p:sp>
+        <p:nvSpPr>
+          <p:cNvPr id="109" name="아래쪽 화살표[D] 108"/>
+          <p:cNvSpPr/>
+          <p:nvPr/>
+        </p:nvSpPr>
+        <p:spPr>
+          <a:xfrm rot="10800000">
+            <a:off x="6424318" y="1258587"/>
+            <a:ext cx="251386" cy="210016"/>
+          </a:xfrm>
+          <a:prstGeom prst="downArrow">
+            <a:avLst/>
+          </a:prstGeom>
+          <a:solidFill>
+            <a:schemeClr val="bg1"/>
+          </a:solidFill>
+          <a:ln>
+            <a:noFill/>
+          </a:ln>
+        </p:spPr>
+        <p:style>
+          <a:lnRef idx="2">
+            <a:schemeClr val="accent1">
+              <a:shade val="50000"/>
+            </a:schemeClr>
+          </a:lnRef>
+          <a:fillRef idx="1">
+            <a:schemeClr val="accent1"/>
+          </a:fillRef>
+          <a:effectRef idx="0">
+            <a:schemeClr val="accent1"/>
+          </a:effectRef>
+          <a:fontRef idx="minor">
+            <a:schemeClr val="lt1"/>
+          </a:fontRef>
+        </p:style>
+        <p:txBody>
+          <a:bodyPr rtlCol="0" anchor="ctr"/>
+          <a:lstStyle/>
+          <a:p>
+            <a:pPr algn="ctr"/>
+            <a:endParaRPr kumimoji="1" lang="ko-KR" altLang="en-US"/>
+          </a:p>
+        </p:txBody>
+      </p:sp>
+      <p:sp>
+        <p:nvSpPr>
+          <p:cNvPr id="110" name="직사각형 109"/>
+          <p:cNvSpPr/>
+          <p:nvPr/>
+        </p:nvSpPr>
+        <p:spPr>
+          <a:xfrm>
+            <a:off x="4796531" y="2590617"/>
+            <a:ext cx="39978" cy="39978"/>
+          </a:xfrm>
+          <a:prstGeom prst="rect">
+            <a:avLst/>
+          </a:prstGeom>
+          <a:solidFill>
+            <a:schemeClr val="accent2">
+              <a:lumMod val="60000"/>
+              <a:lumOff val="40000"/>
+            </a:schemeClr>
+          </a:solidFill>
+          <a:ln>
+            <a:solidFill>
+              <a:srgbClr val="FF0000"/>
+            </a:solidFill>
+          </a:ln>
+        </p:spPr>
+        <p:style>
+          <a:lnRef idx="2">
+            <a:schemeClr val="accent1">
+              <a:shade val="50000"/>
+            </a:schemeClr>
+          </a:lnRef>
+          <a:fillRef idx="1">
+            <a:schemeClr val="accent1"/>
+          </a:fillRef>
+          <a:effectRef idx="0">
+            <a:schemeClr val="accent1"/>
+          </a:effectRef>
+          <a:fontRef idx="minor">
+            <a:schemeClr val="lt1"/>
+          </a:fontRef>
+        </p:style>
+        <p:txBody>
+          <a:bodyPr rtlCol="0" anchor="ctr"/>
+          <a:lstStyle/>
+          <a:p>
+            <a:pPr algn="ctr"/>
+            <a:endParaRPr kumimoji="1" lang="ko-KR" altLang="en-US"/>
+          </a:p>
+        </p:txBody>
+      </p:sp>
+      <p:cxnSp>
+        <p:nvCxnSpPr>
+          <p:cNvPr id="111" name="꺾인 연결선[E] 110"/>
+          <p:cNvCxnSpPr>
+            <a:stCxn id="110" idx="0"/>
+            <a:endCxn id="55" idx="2"/>
+          </p:cNvCxnSpPr>
+          <p:nvPr/>
+        </p:nvCxnSpPr>
+        <p:spPr>
+          <a:xfrm rot="5400000" flipH="1" flipV="1">
+            <a:off x="5170389" y="1210996"/>
+            <a:ext cx="1025753" cy="1733491"/>
+          </a:xfrm>
+          <a:prstGeom prst="bentConnector3">
+            <a:avLst>
+              <a:gd name="adj1" fmla="val 77698"/>
+            </a:avLst>
+          </a:prstGeom>
+          <a:ln>
+            <a:solidFill>
+              <a:srgbClr val="FF0000"/>
+            </a:solidFill>
+          </a:ln>
+        </p:spPr>
+        <p:style>
+          <a:lnRef idx="1">
+            <a:schemeClr val="accent1"/>
+          </a:lnRef>
+          <a:fillRef idx="0">
+            <a:schemeClr val="accent1"/>
+          </a:fillRef>
+          <a:effectRef idx="0">
+            <a:schemeClr val="accent1"/>
+          </a:effectRef>
+          <a:fontRef idx="minor">
+            <a:schemeClr val="tx1"/>
+          </a:fontRef>
+        </p:style>
+      </p:cxnSp>
+      <p:cxnSp>
+        <p:nvCxnSpPr>
+          <p:cNvPr id="114" name="꺾인 연결선[E] 113"/>
+          <p:cNvCxnSpPr>
+            <a:stCxn id="110" idx="0"/>
+            <a:endCxn id="103" idx="2"/>
+          </p:cNvCxnSpPr>
+          <p:nvPr/>
+        </p:nvCxnSpPr>
+        <p:spPr>
+          <a:xfrm rot="5400000" flipH="1" flipV="1">
+            <a:off x="4755176" y="795783"/>
+            <a:ext cx="1856178" cy="1733491"/>
+          </a:xfrm>
+          <a:prstGeom prst="bentConnector3">
+            <a:avLst>
+              <a:gd name="adj1" fmla="val 89058"/>
+            </a:avLst>
+          </a:prstGeom>
+          <a:ln>
+            <a:solidFill>
+              <a:srgbClr val="FF0000"/>
+            </a:solidFill>
+          </a:ln>
+        </p:spPr>
+        <p:style>
+          <a:lnRef idx="1">
+            <a:schemeClr val="accent1"/>
+          </a:lnRef>
+          <a:fillRef idx="0">
+            <a:schemeClr val="accent1"/>
+          </a:fillRef>
+          <a:effectRef idx="0">
+            <a:schemeClr val="accent1"/>
+          </a:effectRef>
+          <a:fontRef idx="minor">
+            <a:schemeClr val="tx1"/>
+          </a:fontRef>
+        </p:style>
+      </p:cxnSp>
+      <p:grpSp>
+        <p:nvGrpSpPr>
+          <p:cNvPr id="121" name="그룹 120"/>
+          <p:cNvGrpSpPr/>
+          <p:nvPr/>
+        </p:nvGrpSpPr>
+        <p:grpSpPr>
+          <a:xfrm>
+            <a:off x="8994480" y="3577322"/>
+            <a:ext cx="200515" cy="45719"/>
+            <a:chOff x="5978609" y="2817717"/>
+            <a:chExt cx="200515" cy="45719"/>
+          </a:xfrm>
+        </p:grpSpPr>
+        <p:sp>
+          <p:nvSpPr>
+            <p:cNvPr id="122" name="직사각형 121"/>
+            <p:cNvSpPr/>
+            <p:nvPr/>
+          </p:nvSpPr>
+          <p:spPr>
+            <a:xfrm>
+              <a:off x="6054863" y="2817717"/>
+              <a:ext cx="45719" cy="45719"/>
+            </a:xfrm>
+            <a:prstGeom prst="rect">
+              <a:avLst/>
+            </a:prstGeom>
+            <a:solidFill>
+              <a:schemeClr val="tx1">
+                <a:lumMod val="75000"/>
+                <a:lumOff val="25000"/>
+              </a:schemeClr>
+            </a:solidFill>
+            <a:ln>
+              <a:solidFill>
+                <a:schemeClr val="tx1">
+                  <a:lumMod val="50000"/>
+                  <a:lumOff val="50000"/>
+                </a:schemeClr>
+              </a:solidFill>
+            </a:ln>
+          </p:spPr>
+          <p:style>
+            <a:lnRef idx="2">
+              <a:schemeClr val="accent1">
+                <a:shade val="50000"/>
+              </a:schemeClr>
+            </a:lnRef>
+            <a:fillRef idx="1">
+              <a:schemeClr val="accent1"/>
+            </a:fillRef>
+            <a:effectRef idx="0">
+              <a:schemeClr val="accent1"/>
+            </a:effectRef>
+            <a:fontRef idx="minor">
+              <a:schemeClr val="lt1"/>
+            </a:fontRef>
+          </p:style>
+          <p:txBody>
+            <a:bodyPr rtlCol="0" anchor="ctr"/>
+            <a:lstStyle/>
+            <a:p>
+              <a:pPr algn="ctr"/>
+              <a:endParaRPr kumimoji="1" lang="ko-KR" altLang="en-US"/>
+            </a:p>
+          </p:txBody>
+        </p:sp>
+        <p:sp>
+          <p:nvSpPr>
+            <p:cNvPr id="123" name="직사각형 122"/>
+            <p:cNvSpPr/>
+            <p:nvPr/>
+          </p:nvSpPr>
+          <p:spPr>
+            <a:xfrm>
+              <a:off x="6133405" y="2817717"/>
+              <a:ext cx="45719" cy="45719"/>
+            </a:xfrm>
+            <a:prstGeom prst="rect">
+              <a:avLst/>
+            </a:prstGeom>
+            <a:solidFill>
+              <a:schemeClr val="tx1">
+                <a:lumMod val="75000"/>
+                <a:lumOff val="25000"/>
+              </a:schemeClr>
+            </a:solidFill>
+            <a:ln>
+              <a:solidFill>
+                <a:schemeClr val="tx1">
+                  <a:lumMod val="50000"/>
+                  <a:lumOff val="50000"/>
+                </a:schemeClr>
+              </a:solidFill>
+            </a:ln>
+          </p:spPr>
+          <p:style>
+            <a:lnRef idx="2">
+              <a:schemeClr val="accent1">
+                <a:shade val="50000"/>
+              </a:schemeClr>
+            </a:lnRef>
+            <a:fillRef idx="1">
+              <a:schemeClr val="accent1"/>
+            </a:fillRef>
+            <a:effectRef idx="0">
+              <a:schemeClr val="accent1"/>
+            </a:effectRef>
+            <a:fontRef idx="minor">
+              <a:schemeClr val="lt1"/>
+            </a:fontRef>
+          </p:style>
+          <p:txBody>
+            <a:bodyPr rtlCol="0" anchor="ctr"/>
+            <a:lstStyle/>
+            <a:p>
+              <a:pPr algn="ctr"/>
+              <a:endParaRPr kumimoji="1" lang="ko-KR" altLang="en-US"/>
+            </a:p>
+          </p:txBody>
+        </p:sp>
+        <p:sp>
+          <p:nvSpPr>
+            <p:cNvPr id="124" name="직사각형 123"/>
+            <p:cNvSpPr/>
+            <p:nvPr/>
+          </p:nvSpPr>
+          <p:spPr>
+            <a:xfrm>
+              <a:off x="5978609" y="2817717"/>
+              <a:ext cx="45719" cy="45719"/>
+            </a:xfrm>
+            <a:prstGeom prst="rect">
+              <a:avLst/>
+            </a:prstGeom>
+            <a:solidFill>
+              <a:schemeClr val="tx1">
+                <a:lumMod val="75000"/>
+                <a:lumOff val="25000"/>
+              </a:schemeClr>
+            </a:solidFill>
+            <a:ln>
+              <a:solidFill>
+                <a:schemeClr val="tx1">
+                  <a:lumMod val="50000"/>
+                  <a:lumOff val="50000"/>
+                </a:schemeClr>
+              </a:solidFill>
+            </a:ln>
+          </p:spPr>
+          <p:style>
+            <a:lnRef idx="2">
+              <a:schemeClr val="accent1">
+                <a:shade val="50000"/>
+              </a:schemeClr>
+            </a:lnRef>
+            <a:fillRef idx="1">
+              <a:schemeClr val="accent1"/>
+            </a:fillRef>
+            <a:effectRef idx="0">
+              <a:schemeClr val="accent1"/>
+            </a:effectRef>
+            <a:fontRef idx="minor">
+              <a:schemeClr val="lt1"/>
+            </a:fontRef>
+          </p:style>
+          <p:txBody>
+            <a:bodyPr rtlCol="0" anchor="ctr"/>
+            <a:lstStyle/>
+            <a:p>
+              <a:pPr algn="ctr"/>
+              <a:endParaRPr kumimoji="1" lang="ko-KR" altLang="en-US"/>
+            </a:p>
+          </p:txBody>
+        </p:sp>
+      </p:grpSp>
+      <p:grpSp>
+        <p:nvGrpSpPr>
+          <p:cNvPr id="126" name="그룹 125"/>
+          <p:cNvGrpSpPr/>
+          <p:nvPr/>
+        </p:nvGrpSpPr>
+        <p:grpSpPr>
+          <a:xfrm>
+            <a:off x="9000830" y="4614254"/>
+            <a:ext cx="194165" cy="45719"/>
+            <a:chOff x="5978609" y="2817717"/>
+            <a:chExt cx="194165" cy="45719"/>
+          </a:xfrm>
+        </p:grpSpPr>
+        <p:sp>
+          <p:nvSpPr>
+            <p:cNvPr id="127" name="직사각형 126"/>
+            <p:cNvSpPr/>
+            <p:nvPr/>
+          </p:nvSpPr>
+          <p:spPr>
+            <a:xfrm>
+              <a:off x="6051688" y="2817717"/>
+              <a:ext cx="45719" cy="45719"/>
+            </a:xfrm>
+            <a:prstGeom prst="rect">
+              <a:avLst/>
+            </a:prstGeom>
+            <a:solidFill>
+              <a:schemeClr val="tx1">
+                <a:lumMod val="75000"/>
+                <a:lumOff val="25000"/>
+              </a:schemeClr>
+            </a:solidFill>
+            <a:ln>
+              <a:solidFill>
+                <a:schemeClr val="tx1">
+                  <a:lumMod val="50000"/>
+                  <a:lumOff val="50000"/>
+                </a:schemeClr>
+              </a:solidFill>
+            </a:ln>
+          </p:spPr>
+          <p:style>
+            <a:lnRef idx="2">
+              <a:schemeClr val="accent1">
+                <a:shade val="50000"/>
+              </a:schemeClr>
+            </a:lnRef>
+            <a:fillRef idx="1">
+              <a:schemeClr val="accent1"/>
+            </a:fillRef>
+            <a:effectRef idx="0">
+              <a:schemeClr val="accent1"/>
+            </a:effectRef>
+            <a:fontRef idx="minor">
+              <a:schemeClr val="lt1"/>
+            </a:fontRef>
+          </p:style>
+          <p:txBody>
+            <a:bodyPr rtlCol="0" anchor="ctr"/>
+            <a:lstStyle/>
+            <a:p>
+              <a:pPr algn="ctr"/>
+              <a:endParaRPr kumimoji="1" lang="ko-KR" altLang="en-US"/>
+            </a:p>
+          </p:txBody>
+        </p:sp>
+        <p:sp>
+          <p:nvSpPr>
+            <p:cNvPr id="129" name="직사각형 128"/>
+            <p:cNvSpPr/>
+            <p:nvPr/>
+          </p:nvSpPr>
+          <p:spPr>
+            <a:xfrm>
+              <a:off x="6127055" y="2817717"/>
+              <a:ext cx="45719" cy="45719"/>
+            </a:xfrm>
+            <a:prstGeom prst="rect">
+              <a:avLst/>
+            </a:prstGeom>
+            <a:solidFill>
+              <a:schemeClr val="tx1">
+                <a:lumMod val="75000"/>
+                <a:lumOff val="25000"/>
+              </a:schemeClr>
+            </a:solidFill>
+            <a:ln>
+              <a:solidFill>
+                <a:schemeClr val="tx1">
+                  <a:lumMod val="50000"/>
+                  <a:lumOff val="50000"/>
+                </a:schemeClr>
+              </a:solidFill>
+            </a:ln>
+          </p:spPr>
+          <p:style>
+            <a:lnRef idx="2">
+              <a:schemeClr val="accent1">
+                <a:shade val="50000"/>
+              </a:schemeClr>
+            </a:lnRef>
+            <a:fillRef idx="1">
+              <a:schemeClr val="accent1"/>
+            </a:fillRef>
+            <a:effectRef idx="0">
+              <a:schemeClr val="accent1"/>
+            </a:effectRef>
+            <a:fontRef idx="minor">
+              <a:schemeClr val="lt1"/>
+            </a:fontRef>
+          </p:style>
+          <p:txBody>
+            <a:bodyPr rtlCol="0" anchor="ctr"/>
+            <a:lstStyle/>
+            <a:p>
+              <a:pPr algn="ctr"/>
+              <a:endParaRPr kumimoji="1" lang="ko-KR" altLang="en-US"/>
+            </a:p>
+          </p:txBody>
+        </p:sp>
+        <p:sp>
+          <p:nvSpPr>
+            <p:cNvPr id="130" name="직사각형 129"/>
+            <p:cNvSpPr/>
+            <p:nvPr/>
+          </p:nvSpPr>
+          <p:spPr>
+            <a:xfrm>
+              <a:off x="5978609" y="2817717"/>
+              <a:ext cx="45719" cy="45719"/>
+            </a:xfrm>
+            <a:prstGeom prst="rect">
+              <a:avLst/>
+            </a:prstGeom>
+            <a:solidFill>
+              <a:schemeClr val="tx1">
+                <a:lumMod val="75000"/>
+                <a:lumOff val="25000"/>
+              </a:schemeClr>
+            </a:solidFill>
+            <a:ln>
+              <a:solidFill>
+                <a:schemeClr val="tx1">
+                  <a:lumMod val="50000"/>
+                  <a:lumOff val="50000"/>
+                </a:schemeClr>
+              </a:solidFill>
+            </a:ln>
+          </p:spPr>
+          <p:style>
+            <a:lnRef idx="2">
+              <a:schemeClr val="accent1">
+                <a:shade val="50000"/>
+              </a:schemeClr>
+            </a:lnRef>
+            <a:fillRef idx="1">
+              <a:schemeClr val="accent1"/>
+            </a:fillRef>
+            <a:effectRef idx="0">
+              <a:schemeClr val="accent1"/>
+            </a:effectRef>
+            <a:fontRef idx="minor">
+              <a:schemeClr val="lt1"/>
+            </a:fontRef>
+          </p:style>
+          <p:txBody>
+            <a:bodyPr rtlCol="0" anchor="ctr"/>
+            <a:lstStyle/>
+            <a:p>
+              <a:pPr algn="ctr"/>
+              <a:endParaRPr kumimoji="1" lang="ko-KR" altLang="en-US"/>
+            </a:p>
+          </p:txBody>
+        </p:sp>
+      </p:grpSp>
+      <p:grpSp>
+        <p:nvGrpSpPr>
+          <p:cNvPr id="133" name="그룹 132"/>
+          <p:cNvGrpSpPr/>
+          <p:nvPr/>
+        </p:nvGrpSpPr>
+        <p:grpSpPr>
+          <a:xfrm>
+            <a:off x="5857739" y="3585908"/>
+            <a:ext cx="191929" cy="45719"/>
+            <a:chOff x="5978609" y="2817717"/>
+            <a:chExt cx="191929" cy="45719"/>
+          </a:xfrm>
+        </p:grpSpPr>
+        <p:sp>
+          <p:nvSpPr>
+            <p:cNvPr id="134" name="직사각형 133"/>
+            <p:cNvSpPr/>
+            <p:nvPr/>
+          </p:nvSpPr>
+          <p:spPr>
+            <a:xfrm>
+              <a:off x="6050570" y="2817717"/>
+              <a:ext cx="45719" cy="45719"/>
+            </a:xfrm>
+            <a:prstGeom prst="rect">
+              <a:avLst/>
+            </a:prstGeom>
+            <a:solidFill>
+              <a:schemeClr val="tx1">
+                <a:lumMod val="75000"/>
+                <a:lumOff val="25000"/>
+              </a:schemeClr>
+            </a:solidFill>
+            <a:ln>
+              <a:solidFill>
+                <a:schemeClr val="tx1">
+                  <a:lumMod val="50000"/>
+                  <a:lumOff val="50000"/>
+                </a:schemeClr>
+              </a:solidFill>
+            </a:ln>
+          </p:spPr>
+          <p:style>
+            <a:lnRef idx="2">
+              <a:schemeClr val="accent1">
+                <a:shade val="50000"/>
+              </a:schemeClr>
+            </a:lnRef>
+            <a:fillRef idx="1">
+              <a:schemeClr val="accent1"/>
+            </a:fillRef>
+            <a:effectRef idx="0">
+              <a:schemeClr val="accent1"/>
+            </a:effectRef>
+            <a:fontRef idx="minor">
+              <a:schemeClr val="lt1"/>
+            </a:fontRef>
+          </p:style>
+          <p:txBody>
+            <a:bodyPr rtlCol="0" anchor="ctr"/>
+            <a:lstStyle/>
+            <a:p>
+              <a:pPr algn="ctr"/>
+              <a:endParaRPr kumimoji="1" lang="ko-KR" altLang="en-US"/>
+            </a:p>
+          </p:txBody>
+        </p:sp>
+        <p:sp>
+          <p:nvSpPr>
+            <p:cNvPr id="136" name="직사각형 135"/>
+            <p:cNvSpPr/>
+            <p:nvPr/>
+          </p:nvSpPr>
+          <p:spPr>
+            <a:xfrm>
+              <a:off x="6124819" y="2817717"/>
+              <a:ext cx="45719" cy="45719"/>
+            </a:xfrm>
+            <a:prstGeom prst="rect">
+              <a:avLst/>
+            </a:prstGeom>
+            <a:solidFill>
+              <a:schemeClr val="tx1">
+                <a:lumMod val="75000"/>
+                <a:lumOff val="25000"/>
+              </a:schemeClr>
+            </a:solidFill>
+            <a:ln>
+              <a:solidFill>
+                <a:schemeClr val="tx1">
+                  <a:lumMod val="50000"/>
+                  <a:lumOff val="50000"/>
+                </a:schemeClr>
+              </a:solidFill>
+            </a:ln>
+          </p:spPr>
+          <p:style>
+            <a:lnRef idx="2">
+              <a:schemeClr val="accent1">
+                <a:shade val="50000"/>
+              </a:schemeClr>
+            </a:lnRef>
+            <a:fillRef idx="1">
+              <a:schemeClr val="accent1"/>
+            </a:fillRef>
+            <a:effectRef idx="0">
+              <a:schemeClr val="accent1"/>
+            </a:effectRef>
+            <a:fontRef idx="minor">
+              <a:schemeClr val="lt1"/>
+            </a:fontRef>
+          </p:style>
+          <p:txBody>
+            <a:bodyPr rtlCol="0" anchor="ctr"/>
+            <a:lstStyle/>
+            <a:p>
+              <a:pPr algn="ctr"/>
+              <a:endParaRPr kumimoji="1" lang="ko-KR" altLang="en-US"/>
+            </a:p>
+          </p:txBody>
+        </p:sp>
+        <p:sp>
+          <p:nvSpPr>
+            <p:cNvPr id="137" name="직사각형 136"/>
+            <p:cNvSpPr/>
+            <p:nvPr/>
+          </p:nvSpPr>
+          <p:spPr>
+            <a:xfrm>
+              <a:off x="5978609" y="2817717"/>
+              <a:ext cx="45719" cy="45719"/>
+            </a:xfrm>
+            <a:prstGeom prst="rect">
+              <a:avLst/>
+            </a:prstGeom>
+            <a:solidFill>
+              <a:schemeClr val="tx1">
+                <a:lumMod val="75000"/>
+                <a:lumOff val="25000"/>
+              </a:schemeClr>
+            </a:solidFill>
+            <a:ln>
+              <a:solidFill>
+                <a:schemeClr val="tx1">
+                  <a:lumMod val="50000"/>
+                  <a:lumOff val="50000"/>
+                </a:schemeClr>
+              </a:solidFill>
+            </a:ln>
+          </p:spPr>
+          <p:style>
+            <a:lnRef idx="2">
+              <a:schemeClr val="accent1">
+                <a:shade val="50000"/>
+              </a:schemeClr>
+            </a:lnRef>
+            <a:fillRef idx="1">
+              <a:schemeClr val="accent1"/>
+            </a:fillRef>
+            <a:effectRef idx="0">
+              <a:schemeClr val="accent1"/>
+            </a:effectRef>
+            <a:fontRef idx="minor">
+              <a:schemeClr val="lt1"/>
+            </a:fontRef>
+          </p:style>
+          <p:txBody>
+            <a:bodyPr rtlCol="0" anchor="ctr"/>
+            <a:lstStyle/>
+            <a:p>
+              <a:pPr algn="ctr"/>
+              <a:endParaRPr kumimoji="1" lang="ko-KR" altLang="en-US"/>
+            </a:p>
+          </p:txBody>
+        </p:sp>
+      </p:grpSp>
+    </p:spTree>
+    <p:extLst>
+      <p:ext uri="{BB962C8B-B14F-4D97-AF65-F5344CB8AC3E}">
+        <p14:creationId xmlns:p14="http://schemas.microsoft.com/office/powerpoint/2010/main" val="1426165423"/>
+      </p:ext>
+    </p:extLst>
+  </p:cSld>
+  <p:clrMapOvr>
+    <a:masterClrMapping/>
+  </p:clrMapOvr>
+</p:sld>
+</file>
+
 <file path=ppt/theme/theme1.xml><?xml version="1.0" encoding="utf-8"?>
 <a:theme xmlns:a="http://schemas.openxmlformats.org/drawingml/2006/main" name="Office 테마">
   <a:themeElements>

--- a/wiseCLOUD운영자 지침_이미지.pptx
+++ b/wiseCLOUD운영자 지침_이미지.pptx
@@ -5,13 +5,15 @@
     <p:sldMasterId id="2147483648" r:id="rId1"/>
   </p:sldMasterIdLst>
   <p:notesMasterIdLst>
-    <p:notesMasterId r:id="rId6"/>
+    <p:notesMasterId r:id="rId8"/>
   </p:notesMasterIdLst>
   <p:sldIdLst>
     <p:sldId id="256" r:id="rId2"/>
     <p:sldId id="257" r:id="rId3"/>
-    <p:sldId id="260" r:id="rId4"/>
-    <p:sldId id="261" r:id="rId5"/>
+    <p:sldId id="263" r:id="rId4"/>
+    <p:sldId id="260" r:id="rId5"/>
+    <p:sldId id="261" r:id="rId6"/>
+    <p:sldId id="262" r:id="rId7"/>
   </p:sldIdLst>
   <p:sldSz cx="12192000" cy="6858000"/>
   <p:notesSz cx="6858000" cy="9144000"/>
@@ -110,6 +112,11 @@
       </a:defRPr>
     </a:lvl9pPr>
   </p:defaultTextStyle>
+  <p:extLst>
+    <p:ext uri="{EFAFB233-063F-42B5-8137-9DF3F51BA10A}">
+      <p15:sldGuideLst xmlns:p15="http://schemas.microsoft.com/office/powerpoint/2012/main"/>
+    </p:ext>
+  </p:extLst>
 </p:presentation>
 </file>
 
@@ -195,7 +202,7 @@
           <a:p>
             <a:fld id="{8062C3F1-9613-D74E-8132-367B4BC76141}" type="datetimeFigureOut">
               <a:rPr kumimoji="1" lang="ko-KR" altLang="en-US" smtClean="0"/>
-              <a:t>2017. 3. 30.</a:t>
+              <a:t>2017. 3. 31.</a:t>
             </a:fld>
             <a:endParaRPr kumimoji="1" lang="ko-KR" altLang="en-US"/>
           </a:p>
@@ -705,7 +712,7 @@
     </p:spTree>
     <p:extLst>
       <p:ext uri="{BB962C8B-B14F-4D97-AF65-F5344CB8AC3E}">
-        <p14:creationId xmlns:p14="http://schemas.microsoft.com/office/powerpoint/2010/main" val="1486864007"/>
+        <p14:creationId xmlns:p14="http://schemas.microsoft.com/office/powerpoint/2010/main" val="2038672478"/>
       </p:ext>
     </p:extLst>
   </p:cSld>
@@ -789,7 +796,175 @@
     </p:spTree>
     <p:extLst>
       <p:ext uri="{BB962C8B-B14F-4D97-AF65-F5344CB8AC3E}">
+        <p14:creationId xmlns:p14="http://schemas.microsoft.com/office/powerpoint/2010/main" val="1486864007"/>
+      </p:ext>
+    </p:extLst>
+  </p:cSld>
+  <p:clrMapOvr>
+    <a:masterClrMapping/>
+  </p:clrMapOvr>
+</p:notes>
+</file>
+
+<file path=ppt/notesSlides/notesSlide5.xml><?xml version="1.0" encoding="utf-8"?>
+<p:notes xmlns:a="http://schemas.openxmlformats.org/drawingml/2006/main" xmlns:r="http://schemas.openxmlformats.org/officeDocument/2006/relationships" xmlns:p="http://schemas.openxmlformats.org/presentationml/2006/main">
+  <p:cSld>
+    <p:spTree>
+      <p:nvGrpSpPr>
+        <p:cNvPr id="1" name=""/>
+        <p:cNvGrpSpPr/>
+        <p:nvPr/>
+      </p:nvGrpSpPr>
+      <p:grpSpPr>
+        <a:xfrm>
+          <a:off x="0" y="0"/>
+          <a:ext cx="0" cy="0"/>
+          <a:chOff x="0" y="0"/>
+          <a:chExt cx="0" cy="0"/>
+        </a:xfrm>
+      </p:grpSpPr>
+      <p:sp>
+        <p:nvSpPr>
+          <p:cNvPr id="2" name="슬라이드 이미지 개체 틀 1"/>
+          <p:cNvSpPr>
+            <a:spLocks noGrp="1" noRot="1" noChangeAspect="1"/>
+          </p:cNvSpPr>
+          <p:nvPr>
+            <p:ph type="sldImg"/>
+          </p:nvPr>
+        </p:nvSpPr>
+        <p:spPr/>
+      </p:sp>
+      <p:sp>
+        <p:nvSpPr>
+          <p:cNvPr id="3" name="슬라이드 노트 개체 틀 2"/>
+          <p:cNvSpPr>
+            <a:spLocks noGrp="1"/>
+          </p:cNvSpPr>
+          <p:nvPr>
+            <p:ph type="body" idx="1"/>
+          </p:nvPr>
+        </p:nvSpPr>
+        <p:spPr/>
+        <p:txBody>
+          <a:bodyPr/>
+          <a:lstStyle/>
+          <a:p>
+            <a:endParaRPr kumimoji="1" lang="ko-KR" altLang="en-US" dirty="0"/>
+          </a:p>
+        </p:txBody>
+      </p:sp>
+      <p:sp>
+        <p:nvSpPr>
+          <p:cNvPr id="4" name="슬라이드 번호 개체 틀 3"/>
+          <p:cNvSpPr>
+            <a:spLocks noGrp="1"/>
+          </p:cNvSpPr>
+          <p:nvPr>
+            <p:ph type="sldNum" sz="quarter" idx="10"/>
+          </p:nvPr>
+        </p:nvSpPr>
+        <p:spPr/>
+        <p:txBody>
+          <a:bodyPr/>
+          <a:lstStyle/>
+          <a:p>
+            <a:fld id="{3590BCE5-36E8-7249-AEB3-A745D2D51B77}" type="slidenum">
+              <a:rPr kumimoji="1" lang="ko-KR" altLang="en-US" smtClean="0"/>
+              <a:t>5</a:t>
+            </a:fld>
+            <a:endParaRPr kumimoji="1" lang="ko-KR" altLang="en-US"/>
+          </a:p>
+        </p:txBody>
+      </p:sp>
+    </p:spTree>
+    <p:extLst>
+      <p:ext uri="{BB962C8B-B14F-4D97-AF65-F5344CB8AC3E}">
         <p14:creationId xmlns:p14="http://schemas.microsoft.com/office/powerpoint/2010/main" val="1555549255"/>
+      </p:ext>
+    </p:extLst>
+  </p:cSld>
+  <p:clrMapOvr>
+    <a:masterClrMapping/>
+  </p:clrMapOvr>
+</p:notes>
+</file>
+
+<file path=ppt/notesSlides/notesSlide6.xml><?xml version="1.0" encoding="utf-8"?>
+<p:notes xmlns:a="http://schemas.openxmlformats.org/drawingml/2006/main" xmlns:r="http://schemas.openxmlformats.org/officeDocument/2006/relationships" xmlns:p="http://schemas.openxmlformats.org/presentationml/2006/main">
+  <p:cSld>
+    <p:spTree>
+      <p:nvGrpSpPr>
+        <p:cNvPr id="1" name=""/>
+        <p:cNvGrpSpPr/>
+        <p:nvPr/>
+      </p:nvGrpSpPr>
+      <p:grpSpPr>
+        <a:xfrm>
+          <a:off x="0" y="0"/>
+          <a:ext cx="0" cy="0"/>
+          <a:chOff x="0" y="0"/>
+          <a:chExt cx="0" cy="0"/>
+        </a:xfrm>
+      </p:grpSpPr>
+      <p:sp>
+        <p:nvSpPr>
+          <p:cNvPr id="2" name="슬라이드 이미지 개체 틀 1"/>
+          <p:cNvSpPr>
+            <a:spLocks noGrp="1" noRot="1" noChangeAspect="1"/>
+          </p:cNvSpPr>
+          <p:nvPr>
+            <p:ph type="sldImg"/>
+          </p:nvPr>
+        </p:nvSpPr>
+        <p:spPr/>
+      </p:sp>
+      <p:sp>
+        <p:nvSpPr>
+          <p:cNvPr id="3" name="슬라이드 노트 개체 틀 2"/>
+          <p:cNvSpPr>
+            <a:spLocks noGrp="1"/>
+          </p:cNvSpPr>
+          <p:nvPr>
+            <p:ph type="body" idx="1"/>
+          </p:nvPr>
+        </p:nvSpPr>
+        <p:spPr/>
+        <p:txBody>
+          <a:bodyPr/>
+          <a:lstStyle/>
+          <a:p>
+            <a:endParaRPr kumimoji="1" lang="ko-KR" altLang="en-US" dirty="0"/>
+          </a:p>
+        </p:txBody>
+      </p:sp>
+      <p:sp>
+        <p:nvSpPr>
+          <p:cNvPr id="4" name="슬라이드 번호 개체 틀 3"/>
+          <p:cNvSpPr>
+            <a:spLocks noGrp="1"/>
+          </p:cNvSpPr>
+          <p:nvPr>
+            <p:ph type="sldNum" sz="quarter" idx="10"/>
+          </p:nvPr>
+        </p:nvSpPr>
+        <p:spPr/>
+        <p:txBody>
+          <a:bodyPr/>
+          <a:lstStyle/>
+          <a:p>
+            <a:fld id="{3590BCE5-36E8-7249-AEB3-A745D2D51B77}" type="slidenum">
+              <a:rPr kumimoji="1" lang="ko-KR" altLang="en-US" smtClean="0"/>
+              <a:t>6</a:t>
+            </a:fld>
+            <a:endParaRPr kumimoji="1" lang="ko-KR" altLang="en-US"/>
+          </a:p>
+        </p:txBody>
+      </p:sp>
+    </p:spTree>
+    <p:extLst>
+      <p:ext uri="{BB962C8B-B14F-4D97-AF65-F5344CB8AC3E}">
+        <p14:creationId xmlns:p14="http://schemas.microsoft.com/office/powerpoint/2010/main" val="1497280194"/>
       </p:ext>
     </p:extLst>
   </p:cSld>
@@ -930,7 +1105,7 @@
           <a:p>
             <a:fld id="{05F271B2-6572-6E42-BF38-C26CFE9957A6}" type="datetimeFigureOut">
               <a:rPr kumimoji="1" lang="ko-KR" altLang="en-US" smtClean="0"/>
-              <a:t>2017. 3. 30.</a:t>
+              <a:t>2017. 3. 31.</a:t>
             </a:fld>
             <a:endParaRPr kumimoji="1" lang="ko-KR" altLang="en-US"/>
           </a:p>
@@ -1100,7 +1275,7 @@
           <a:p>
             <a:fld id="{05F271B2-6572-6E42-BF38-C26CFE9957A6}" type="datetimeFigureOut">
               <a:rPr kumimoji="1" lang="ko-KR" altLang="en-US" smtClean="0"/>
-              <a:t>2017. 3. 30.</a:t>
+              <a:t>2017. 3. 31.</a:t>
             </a:fld>
             <a:endParaRPr kumimoji="1" lang="ko-KR" altLang="en-US"/>
           </a:p>
@@ -1280,7 +1455,7 @@
           <a:p>
             <a:fld id="{05F271B2-6572-6E42-BF38-C26CFE9957A6}" type="datetimeFigureOut">
               <a:rPr kumimoji="1" lang="ko-KR" altLang="en-US" smtClean="0"/>
-              <a:t>2017. 3. 30.</a:t>
+              <a:t>2017. 3. 31.</a:t>
             </a:fld>
             <a:endParaRPr kumimoji="1" lang="ko-KR" altLang="en-US"/>
           </a:p>
@@ -1450,7 +1625,7 @@
           <a:p>
             <a:fld id="{05F271B2-6572-6E42-BF38-C26CFE9957A6}" type="datetimeFigureOut">
               <a:rPr kumimoji="1" lang="ko-KR" altLang="en-US" smtClean="0"/>
-              <a:t>2017. 3. 30.</a:t>
+              <a:t>2017. 3. 31.</a:t>
             </a:fld>
             <a:endParaRPr kumimoji="1" lang="ko-KR" altLang="en-US"/>
           </a:p>
@@ -1696,7 +1871,7 @@
           <a:p>
             <a:fld id="{05F271B2-6572-6E42-BF38-C26CFE9957A6}" type="datetimeFigureOut">
               <a:rPr kumimoji="1" lang="ko-KR" altLang="en-US" smtClean="0"/>
-              <a:t>2017. 3. 30.</a:t>
+              <a:t>2017. 3. 31.</a:t>
             </a:fld>
             <a:endParaRPr kumimoji="1" lang="ko-KR" altLang="en-US"/>
           </a:p>
@@ -1928,7 +2103,7 @@
           <a:p>
             <a:fld id="{05F271B2-6572-6E42-BF38-C26CFE9957A6}" type="datetimeFigureOut">
               <a:rPr kumimoji="1" lang="ko-KR" altLang="en-US" smtClean="0"/>
-              <a:t>2017. 3. 30.</a:t>
+              <a:t>2017. 3. 31.</a:t>
             </a:fld>
             <a:endParaRPr kumimoji="1" lang="ko-KR" altLang="en-US"/>
           </a:p>
@@ -2295,7 +2470,7 @@
           <a:p>
             <a:fld id="{05F271B2-6572-6E42-BF38-C26CFE9957A6}" type="datetimeFigureOut">
               <a:rPr kumimoji="1" lang="ko-KR" altLang="en-US" smtClean="0"/>
-              <a:t>2017. 3. 30.</a:t>
+              <a:t>2017. 3. 31.</a:t>
             </a:fld>
             <a:endParaRPr kumimoji="1" lang="ko-KR" altLang="en-US"/>
           </a:p>
@@ -2413,7 +2588,7 @@
           <a:p>
             <a:fld id="{05F271B2-6572-6E42-BF38-C26CFE9957A6}" type="datetimeFigureOut">
               <a:rPr kumimoji="1" lang="ko-KR" altLang="en-US" smtClean="0"/>
-              <a:t>2017. 3. 30.</a:t>
+              <a:t>2017. 3. 31.</a:t>
             </a:fld>
             <a:endParaRPr kumimoji="1" lang="ko-KR" altLang="en-US"/>
           </a:p>
@@ -2508,7 +2683,7 @@
           <a:p>
             <a:fld id="{05F271B2-6572-6E42-BF38-C26CFE9957A6}" type="datetimeFigureOut">
               <a:rPr kumimoji="1" lang="ko-KR" altLang="en-US" smtClean="0"/>
-              <a:t>2017. 3. 30.</a:t>
+              <a:t>2017. 3. 31.</a:t>
             </a:fld>
             <a:endParaRPr kumimoji="1" lang="ko-KR" altLang="en-US"/>
           </a:p>
@@ -2785,7 +2960,7 @@
           <a:p>
             <a:fld id="{05F271B2-6572-6E42-BF38-C26CFE9957A6}" type="datetimeFigureOut">
               <a:rPr kumimoji="1" lang="ko-KR" altLang="en-US" smtClean="0"/>
-              <a:t>2017. 3. 30.</a:t>
+              <a:t>2017. 3. 31.</a:t>
             </a:fld>
             <a:endParaRPr kumimoji="1" lang="ko-KR" altLang="en-US"/>
           </a:p>
@@ -3038,7 +3213,7 @@
           <a:p>
             <a:fld id="{05F271B2-6572-6E42-BF38-C26CFE9957A6}" type="datetimeFigureOut">
               <a:rPr kumimoji="1" lang="ko-KR" altLang="en-US" smtClean="0"/>
-              <a:t>2017. 3. 30.</a:t>
+              <a:t>2017. 3. 31.</a:t>
             </a:fld>
             <a:endParaRPr kumimoji="1" lang="ko-KR" altLang="en-US"/>
           </a:p>
@@ -3251,7 +3426,7 @@
           <a:p>
             <a:fld id="{05F271B2-6572-6E42-BF38-C26CFE9957A6}" type="datetimeFigureOut">
               <a:rPr kumimoji="1" lang="ko-KR" altLang="en-US" smtClean="0"/>
-              <a:t>2017. 3. 30.</a:t>
+              <a:t>2017. 3. 31.</a:t>
             </a:fld>
             <a:endParaRPr kumimoji="1" lang="ko-KR" altLang="en-US"/>
           </a:p>
@@ -4583,11 +4758,7 @@
           <a:p>
             <a:r>
               <a:rPr kumimoji="1" lang="en-US" altLang="ko-KR" sz="1000" b="1" dirty="0" smtClean="0"/>
-              <a:t>Secondary </a:t>
-            </a:r>
-            <a:r>
-              <a:rPr kumimoji="1" lang="en-US" altLang="ko-KR" sz="1000" b="1" dirty="0" smtClean="0"/>
-              <a:t>Storage</a:t>
+              <a:t>Secondary Storage</a:t>
             </a:r>
             <a:endParaRPr kumimoji="1" lang="ko-KR" altLang="en-US" sz="1000" b="1" dirty="0"/>
           </a:p>
@@ -8768,6 +8939,428 @@
           </a:p>
         </p:txBody>
       </p:sp>
+      <p:grpSp>
+        <p:nvGrpSpPr>
+          <p:cNvPr id="4" name="그룹 3"/>
+          <p:cNvGrpSpPr/>
+          <p:nvPr/>
+        </p:nvGrpSpPr>
+        <p:grpSpPr>
+          <a:xfrm>
+            <a:off x="7330050" y="4900886"/>
+            <a:ext cx="2776843" cy="879145"/>
+            <a:chOff x="7330050" y="4678595"/>
+            <a:chExt cx="2776843" cy="879145"/>
+          </a:xfrm>
+        </p:grpSpPr>
+        <p:pic>
+          <p:nvPicPr>
+            <p:cNvPr id="52" name="그림 51"/>
+            <p:cNvPicPr>
+              <a:picLocks noChangeAspect="1"/>
+            </p:cNvPicPr>
+            <p:nvPr/>
+          </p:nvPicPr>
+          <p:blipFill>
+            <a:blip r:embed="rId3"/>
+            <a:stretch>
+              <a:fillRect/>
+            </a:stretch>
+          </p:blipFill>
+          <p:spPr>
+            <a:xfrm>
+              <a:off x="7334507" y="4678595"/>
+              <a:ext cx="2772386" cy="632924"/>
+            </a:xfrm>
+            <a:prstGeom prst="rect">
+              <a:avLst/>
+            </a:prstGeom>
+          </p:spPr>
+        </p:pic>
+        <p:grpSp>
+          <p:nvGrpSpPr>
+            <p:cNvPr id="53" name="그룹 52"/>
+            <p:cNvGrpSpPr/>
+            <p:nvPr/>
+          </p:nvGrpSpPr>
+          <p:grpSpPr>
+            <a:xfrm>
+              <a:off x="8448692" y="5037277"/>
+              <a:ext cx="130611" cy="45719"/>
+              <a:chOff x="2906267" y="1542665"/>
+              <a:chExt cx="130611" cy="45719"/>
+            </a:xfrm>
+          </p:grpSpPr>
+          <p:sp>
+            <p:nvSpPr>
+              <p:cNvPr id="54" name="직사각형 53"/>
+              <p:cNvSpPr/>
+              <p:nvPr/>
+            </p:nvSpPr>
+            <p:spPr>
+              <a:xfrm>
+                <a:off x="2906267" y="1542665"/>
+                <a:ext cx="45719" cy="45719"/>
+              </a:xfrm>
+              <a:prstGeom prst="rect">
+                <a:avLst/>
+              </a:prstGeom>
+              <a:solidFill>
+                <a:schemeClr val="accent5">
+                  <a:lumMod val="60000"/>
+                  <a:lumOff val="40000"/>
+                </a:schemeClr>
+              </a:solidFill>
+              <a:ln>
+                <a:solidFill>
+                  <a:srgbClr val="0070C0"/>
+                </a:solidFill>
+              </a:ln>
+            </p:spPr>
+            <p:style>
+              <a:lnRef idx="2">
+                <a:schemeClr val="accent1">
+                  <a:shade val="50000"/>
+                </a:schemeClr>
+              </a:lnRef>
+              <a:fillRef idx="1">
+                <a:schemeClr val="accent1"/>
+              </a:fillRef>
+              <a:effectRef idx="0">
+                <a:schemeClr val="accent1"/>
+              </a:effectRef>
+              <a:fontRef idx="minor">
+                <a:schemeClr val="lt1"/>
+              </a:fontRef>
+            </p:style>
+            <p:txBody>
+              <a:bodyPr rtlCol="0" anchor="ctr"/>
+              <a:lstStyle/>
+              <a:p>
+                <a:pPr algn="ctr"/>
+                <a:endParaRPr kumimoji="1" lang="ko-KR" altLang="en-US"/>
+              </a:p>
+            </p:txBody>
+          </p:sp>
+          <p:sp>
+            <p:nvSpPr>
+              <p:cNvPr id="55" name="직사각형 54"/>
+              <p:cNvSpPr/>
+              <p:nvPr/>
+            </p:nvSpPr>
+            <p:spPr>
+              <a:xfrm>
+                <a:off x="2991159" y="1542665"/>
+                <a:ext cx="45719" cy="45719"/>
+              </a:xfrm>
+              <a:prstGeom prst="rect">
+                <a:avLst/>
+              </a:prstGeom>
+              <a:solidFill>
+                <a:schemeClr val="accent2">
+                  <a:lumMod val="60000"/>
+                  <a:lumOff val="40000"/>
+                </a:schemeClr>
+              </a:solidFill>
+              <a:ln>
+                <a:solidFill>
+                  <a:srgbClr val="FF0000"/>
+                </a:solidFill>
+              </a:ln>
+            </p:spPr>
+            <p:style>
+              <a:lnRef idx="2">
+                <a:schemeClr val="accent1">
+                  <a:shade val="50000"/>
+                </a:schemeClr>
+              </a:lnRef>
+              <a:fillRef idx="1">
+                <a:schemeClr val="accent1"/>
+              </a:fillRef>
+              <a:effectRef idx="0">
+                <a:schemeClr val="accent1"/>
+              </a:effectRef>
+              <a:fontRef idx="minor">
+                <a:schemeClr val="lt1"/>
+              </a:fontRef>
+            </p:style>
+            <p:txBody>
+              <a:bodyPr rtlCol="0" anchor="ctr"/>
+              <a:lstStyle/>
+              <a:p>
+                <a:pPr algn="ctr"/>
+                <a:endParaRPr kumimoji="1" lang="ko-KR" altLang="en-US"/>
+              </a:p>
+            </p:txBody>
+          </p:sp>
+        </p:grpSp>
+        <p:sp>
+          <p:nvSpPr>
+            <p:cNvPr id="57" name="직사각형 56"/>
+            <p:cNvSpPr/>
+            <p:nvPr/>
+          </p:nvSpPr>
+          <p:spPr>
+            <a:xfrm>
+              <a:off x="8618476" y="5037277"/>
+              <a:ext cx="45719" cy="45719"/>
+            </a:xfrm>
+            <a:prstGeom prst="rect">
+              <a:avLst/>
+            </a:prstGeom>
+            <a:solidFill>
+              <a:schemeClr val="accent6">
+                <a:lumMod val="60000"/>
+                <a:lumOff val="40000"/>
+              </a:schemeClr>
+            </a:solidFill>
+            <a:ln>
+              <a:solidFill>
+                <a:srgbClr val="00B050"/>
+              </a:solidFill>
+            </a:ln>
+          </p:spPr>
+          <p:style>
+            <a:lnRef idx="2">
+              <a:schemeClr val="accent1">
+                <a:shade val="50000"/>
+              </a:schemeClr>
+            </a:lnRef>
+            <a:fillRef idx="1">
+              <a:schemeClr val="accent1"/>
+            </a:fillRef>
+            <a:effectRef idx="0">
+              <a:schemeClr val="accent1"/>
+            </a:effectRef>
+            <a:fontRef idx="minor">
+              <a:schemeClr val="lt1"/>
+            </a:fontRef>
+          </p:style>
+          <p:txBody>
+            <a:bodyPr rtlCol="0" anchor="ctr"/>
+            <a:lstStyle/>
+            <a:p>
+              <a:pPr algn="ctr"/>
+              <a:endParaRPr kumimoji="1" lang="ko-KR" altLang="en-US"/>
+            </a:p>
+          </p:txBody>
+        </p:sp>
+        <p:sp>
+          <p:nvSpPr>
+            <p:cNvPr id="73" name="텍스트 상자 72"/>
+            <p:cNvSpPr txBox="1"/>
+            <p:nvPr/>
+          </p:nvSpPr>
+          <p:spPr>
+            <a:xfrm>
+              <a:off x="7330050" y="5311519"/>
+              <a:ext cx="1180131" cy="246221"/>
+            </a:xfrm>
+            <a:prstGeom prst="rect">
+              <a:avLst/>
+            </a:prstGeom>
+            <a:noFill/>
+          </p:spPr>
+          <p:txBody>
+            <a:bodyPr wrap="none" rtlCol="0">
+              <a:spAutoFit/>
+            </a:bodyPr>
+            <a:lstStyle/>
+            <a:p>
+              <a:r>
+                <a:rPr kumimoji="1" lang="en-US" altLang="ko-KR" sz="1000" b="1" dirty="0" smtClean="0">
+                  <a:solidFill>
+                    <a:srgbClr val="FF0000"/>
+                  </a:solidFill>
+                </a:rPr>
+                <a:t>Hypervisor Host</a:t>
+              </a:r>
+              <a:endParaRPr kumimoji="1" lang="ko-KR" altLang="en-US" sz="1000" b="1" dirty="0">
+                <a:solidFill>
+                  <a:srgbClr val="FF0000"/>
+                </a:solidFill>
+              </a:endParaRPr>
+            </a:p>
+          </p:txBody>
+        </p:sp>
+        <p:grpSp>
+          <p:nvGrpSpPr>
+            <p:cNvPr id="74" name="그룹 73"/>
+            <p:cNvGrpSpPr/>
+            <p:nvPr/>
+          </p:nvGrpSpPr>
+          <p:grpSpPr>
+            <a:xfrm>
+              <a:off x="8702438" y="5037276"/>
+              <a:ext cx="200515" cy="45719"/>
+              <a:chOff x="5978609" y="2817717"/>
+              <a:chExt cx="200515" cy="45719"/>
+            </a:xfrm>
+          </p:grpSpPr>
+          <p:sp>
+            <p:nvSpPr>
+              <p:cNvPr id="75" name="직사각형 74"/>
+              <p:cNvSpPr/>
+              <p:nvPr/>
+            </p:nvSpPr>
+            <p:spPr>
+              <a:xfrm>
+                <a:off x="6054863" y="2817717"/>
+                <a:ext cx="45719" cy="45719"/>
+              </a:xfrm>
+              <a:prstGeom prst="rect">
+                <a:avLst/>
+              </a:prstGeom>
+              <a:solidFill>
+                <a:schemeClr val="tx1">
+                  <a:lumMod val="75000"/>
+                  <a:lumOff val="25000"/>
+                </a:schemeClr>
+              </a:solidFill>
+              <a:ln>
+                <a:solidFill>
+                  <a:schemeClr val="tx1">
+                    <a:lumMod val="50000"/>
+                    <a:lumOff val="50000"/>
+                  </a:schemeClr>
+                </a:solidFill>
+              </a:ln>
+            </p:spPr>
+            <p:style>
+              <a:lnRef idx="2">
+                <a:schemeClr val="accent1">
+                  <a:shade val="50000"/>
+                </a:schemeClr>
+              </a:lnRef>
+              <a:fillRef idx="1">
+                <a:schemeClr val="accent1"/>
+              </a:fillRef>
+              <a:effectRef idx="0">
+                <a:schemeClr val="accent1"/>
+              </a:effectRef>
+              <a:fontRef idx="minor">
+                <a:schemeClr val="lt1"/>
+              </a:fontRef>
+            </p:style>
+            <p:txBody>
+              <a:bodyPr rtlCol="0" anchor="ctr"/>
+              <a:lstStyle/>
+              <a:p>
+                <a:pPr algn="ctr"/>
+                <a:endParaRPr kumimoji="1" lang="ko-KR" altLang="en-US"/>
+              </a:p>
+            </p:txBody>
+          </p:sp>
+          <p:sp>
+            <p:nvSpPr>
+              <p:cNvPr id="76" name="직사각형 75"/>
+              <p:cNvSpPr/>
+              <p:nvPr/>
+            </p:nvSpPr>
+            <p:spPr>
+              <a:xfrm>
+                <a:off x="6133405" y="2817717"/>
+                <a:ext cx="45719" cy="45719"/>
+              </a:xfrm>
+              <a:prstGeom prst="rect">
+                <a:avLst/>
+              </a:prstGeom>
+              <a:solidFill>
+                <a:schemeClr val="tx1">
+                  <a:lumMod val="75000"/>
+                  <a:lumOff val="25000"/>
+                </a:schemeClr>
+              </a:solidFill>
+              <a:ln>
+                <a:solidFill>
+                  <a:schemeClr val="tx1">
+                    <a:lumMod val="50000"/>
+                    <a:lumOff val="50000"/>
+                  </a:schemeClr>
+                </a:solidFill>
+              </a:ln>
+            </p:spPr>
+            <p:style>
+              <a:lnRef idx="2">
+                <a:schemeClr val="accent1">
+                  <a:shade val="50000"/>
+                </a:schemeClr>
+              </a:lnRef>
+              <a:fillRef idx="1">
+                <a:schemeClr val="accent1"/>
+              </a:fillRef>
+              <a:effectRef idx="0">
+                <a:schemeClr val="accent1"/>
+              </a:effectRef>
+              <a:fontRef idx="minor">
+                <a:schemeClr val="lt1"/>
+              </a:fontRef>
+            </p:style>
+            <p:txBody>
+              <a:bodyPr rtlCol="0" anchor="ctr"/>
+              <a:lstStyle/>
+              <a:p>
+                <a:pPr algn="ctr"/>
+                <a:endParaRPr kumimoji="1" lang="ko-KR" altLang="en-US"/>
+              </a:p>
+            </p:txBody>
+          </p:sp>
+          <p:sp>
+            <p:nvSpPr>
+              <p:cNvPr id="82" name="직사각형 81"/>
+              <p:cNvSpPr/>
+              <p:nvPr/>
+            </p:nvSpPr>
+            <p:spPr>
+              <a:xfrm>
+                <a:off x="5978609" y="2817717"/>
+                <a:ext cx="45719" cy="45719"/>
+              </a:xfrm>
+              <a:prstGeom prst="rect">
+                <a:avLst/>
+              </a:prstGeom>
+              <a:solidFill>
+                <a:schemeClr val="tx1">
+                  <a:lumMod val="75000"/>
+                  <a:lumOff val="25000"/>
+                </a:schemeClr>
+              </a:solidFill>
+              <a:ln>
+                <a:solidFill>
+                  <a:schemeClr val="tx1">
+                    <a:lumMod val="50000"/>
+                    <a:lumOff val="50000"/>
+                  </a:schemeClr>
+                </a:solidFill>
+              </a:ln>
+            </p:spPr>
+            <p:style>
+              <a:lnRef idx="2">
+                <a:schemeClr val="accent1">
+                  <a:shade val="50000"/>
+                </a:schemeClr>
+              </a:lnRef>
+              <a:fillRef idx="1">
+                <a:schemeClr val="accent1"/>
+              </a:fillRef>
+              <a:effectRef idx="0">
+                <a:schemeClr val="accent1"/>
+              </a:effectRef>
+              <a:fontRef idx="minor">
+                <a:schemeClr val="lt1"/>
+              </a:fontRef>
+            </p:style>
+            <p:txBody>
+              <a:bodyPr rtlCol="0" anchor="ctr"/>
+              <a:lstStyle/>
+              <a:p>
+                <a:pPr algn="ctr"/>
+                <a:endParaRPr kumimoji="1" lang="ko-KR" altLang="en-US"/>
+              </a:p>
+            </p:txBody>
+          </p:sp>
+        </p:grpSp>
+      </p:grpSp>
     </p:spTree>
     <p:extLst>
       <p:ext uri="{BB962C8B-B14F-4D97-AF65-F5344CB8AC3E}">
@@ -8782,6 +9375,2250 @@
 </file>
 
 <file path=ppt/slides/slide3.xml><?xml version="1.0" encoding="utf-8"?>
+<p:sld xmlns:a="http://schemas.openxmlformats.org/drawingml/2006/main" xmlns:r="http://schemas.openxmlformats.org/officeDocument/2006/relationships" xmlns:p="http://schemas.openxmlformats.org/presentationml/2006/main">
+  <p:cSld>
+    <p:spTree>
+      <p:nvGrpSpPr>
+        <p:cNvPr id="1" name=""/>
+        <p:cNvGrpSpPr/>
+        <p:nvPr/>
+      </p:nvGrpSpPr>
+      <p:grpSpPr>
+        <a:xfrm>
+          <a:off x="0" y="0"/>
+          <a:ext cx="0" cy="0"/>
+          <a:chOff x="0" y="0"/>
+          <a:chExt cx="0" cy="0"/>
+        </a:xfrm>
+      </p:grpSpPr>
+      <p:pic>
+        <p:nvPicPr>
+          <p:cNvPr id="9" name="그림 8"/>
+          <p:cNvPicPr>
+            <a:picLocks noChangeAspect="1"/>
+          </p:cNvPicPr>
+          <p:nvPr/>
+        </p:nvPicPr>
+        <p:blipFill>
+          <a:blip r:embed="rId3"/>
+          <a:stretch>
+            <a:fillRect/>
+          </a:stretch>
+        </p:blipFill>
+        <p:spPr>
+          <a:xfrm>
+            <a:off x="2497230" y="3570927"/>
+            <a:ext cx="2772386" cy="632924"/>
+          </a:xfrm>
+          <a:prstGeom prst="rect">
+            <a:avLst/>
+          </a:prstGeom>
+        </p:spPr>
+      </p:pic>
+      <p:sp>
+        <p:nvSpPr>
+          <p:cNvPr id="14" name="텍스트 상자 13"/>
+          <p:cNvSpPr txBox="1"/>
+          <p:nvPr/>
+        </p:nvSpPr>
+        <p:spPr>
+          <a:xfrm>
+            <a:off x="3513033" y="824543"/>
+            <a:ext cx="1340432" cy="261610"/>
+          </a:xfrm>
+          <a:prstGeom prst="rect">
+            <a:avLst/>
+          </a:prstGeom>
+          <a:noFill/>
+        </p:spPr>
+        <p:txBody>
+          <a:bodyPr wrap="none" rtlCol="0">
+            <a:spAutoFit/>
+          </a:bodyPr>
+          <a:lstStyle/>
+          <a:p>
+            <a:r>
+              <a:rPr kumimoji="1" lang="en-US" altLang="ko-KR" sz="1100" b="1" dirty="0" smtClean="0"/>
+              <a:t>Network(L2) Line</a:t>
+            </a:r>
+            <a:endParaRPr kumimoji="1" lang="ko-KR" altLang="en-US" sz="1100" b="1" dirty="0"/>
+          </a:p>
+        </p:txBody>
+      </p:sp>
+      <p:pic>
+        <p:nvPicPr>
+          <p:cNvPr id="16" name="그림 15"/>
+          <p:cNvPicPr>
+            <a:picLocks noChangeAspect="1"/>
+          </p:cNvPicPr>
+          <p:nvPr/>
+        </p:nvPicPr>
+        <p:blipFill>
+          <a:blip r:embed="rId4"/>
+          <a:stretch>
+            <a:fillRect/>
+          </a:stretch>
+        </p:blipFill>
+        <p:spPr>
+          <a:xfrm>
+            <a:off x="2497230" y="2121023"/>
+            <a:ext cx="2781300" cy="534864"/>
+          </a:xfrm>
+          <a:prstGeom prst="rect">
+            <a:avLst/>
+          </a:prstGeom>
+        </p:spPr>
+      </p:pic>
+      <p:pic>
+        <p:nvPicPr>
+          <p:cNvPr id="17" name="그림 16"/>
+          <p:cNvPicPr>
+            <a:picLocks noChangeAspect="1"/>
+          </p:cNvPicPr>
+          <p:nvPr/>
+        </p:nvPicPr>
+        <p:blipFill>
+          <a:blip r:embed="rId4"/>
+          <a:stretch>
+            <a:fillRect/>
+          </a:stretch>
+        </p:blipFill>
+        <p:spPr>
+          <a:xfrm>
+            <a:off x="7302593" y="2121023"/>
+            <a:ext cx="2781300" cy="534864"/>
+          </a:xfrm>
+          <a:prstGeom prst="rect">
+            <a:avLst/>
+          </a:prstGeom>
+        </p:spPr>
+      </p:pic>
+      <p:pic>
+        <p:nvPicPr>
+          <p:cNvPr id="18" name="그림 17"/>
+          <p:cNvPicPr>
+            <a:picLocks noChangeAspect="1"/>
+          </p:cNvPicPr>
+          <p:nvPr/>
+        </p:nvPicPr>
+        <p:blipFill>
+          <a:blip r:embed="rId3"/>
+          <a:stretch>
+            <a:fillRect/>
+          </a:stretch>
+        </p:blipFill>
+        <p:spPr>
+          <a:xfrm>
+            <a:off x="7307050" y="3570927"/>
+            <a:ext cx="2772386" cy="632924"/>
+          </a:xfrm>
+          <a:prstGeom prst="rect">
+            <a:avLst/>
+          </a:prstGeom>
+        </p:spPr>
+      </p:pic>
+      <p:grpSp>
+        <p:nvGrpSpPr>
+          <p:cNvPr id="2" name="그룹 1"/>
+          <p:cNvGrpSpPr/>
+          <p:nvPr/>
+        </p:nvGrpSpPr>
+        <p:grpSpPr>
+          <a:xfrm>
+            <a:off x="2651593" y="2505544"/>
+            <a:ext cx="130611" cy="45719"/>
+            <a:chOff x="2794000" y="1557655"/>
+            <a:chExt cx="130611" cy="45719"/>
+          </a:xfrm>
+        </p:grpSpPr>
+        <p:sp>
+          <p:nvSpPr>
+            <p:cNvPr id="10" name="직사각형 9"/>
+            <p:cNvSpPr/>
+            <p:nvPr/>
+          </p:nvSpPr>
+          <p:spPr>
+            <a:xfrm>
+              <a:off x="2794000" y="1557655"/>
+              <a:ext cx="45719" cy="45719"/>
+            </a:xfrm>
+            <a:prstGeom prst="rect">
+              <a:avLst/>
+            </a:prstGeom>
+            <a:solidFill>
+              <a:schemeClr val="accent5">
+                <a:lumMod val="60000"/>
+                <a:lumOff val="40000"/>
+              </a:schemeClr>
+            </a:solidFill>
+          </p:spPr>
+          <p:style>
+            <a:lnRef idx="2">
+              <a:schemeClr val="accent1">
+                <a:shade val="50000"/>
+              </a:schemeClr>
+            </a:lnRef>
+            <a:fillRef idx="1">
+              <a:schemeClr val="accent1"/>
+            </a:fillRef>
+            <a:effectRef idx="0">
+              <a:schemeClr val="accent1"/>
+            </a:effectRef>
+            <a:fontRef idx="minor">
+              <a:schemeClr val="lt1"/>
+            </a:fontRef>
+          </p:style>
+          <p:txBody>
+            <a:bodyPr rtlCol="0" anchor="ctr"/>
+            <a:lstStyle/>
+            <a:p>
+              <a:pPr algn="ctr"/>
+              <a:endParaRPr kumimoji="1" lang="ko-KR" altLang="en-US"/>
+            </a:p>
+          </p:txBody>
+        </p:sp>
+        <p:sp>
+          <p:nvSpPr>
+            <p:cNvPr id="11" name="직사각형 10"/>
+            <p:cNvSpPr/>
+            <p:nvPr/>
+          </p:nvSpPr>
+          <p:spPr>
+            <a:xfrm>
+              <a:off x="2878892" y="1557655"/>
+              <a:ext cx="45719" cy="45719"/>
+            </a:xfrm>
+            <a:prstGeom prst="rect">
+              <a:avLst/>
+            </a:prstGeom>
+            <a:solidFill>
+              <a:schemeClr val="accent5">
+                <a:lumMod val="60000"/>
+                <a:lumOff val="40000"/>
+              </a:schemeClr>
+            </a:solidFill>
+          </p:spPr>
+          <p:style>
+            <a:lnRef idx="2">
+              <a:schemeClr val="accent1">
+                <a:shade val="50000"/>
+              </a:schemeClr>
+            </a:lnRef>
+            <a:fillRef idx="1">
+              <a:schemeClr val="accent1"/>
+            </a:fillRef>
+            <a:effectRef idx="0">
+              <a:schemeClr val="accent1"/>
+            </a:effectRef>
+            <a:fontRef idx="minor">
+              <a:schemeClr val="lt1"/>
+            </a:fontRef>
+          </p:style>
+          <p:txBody>
+            <a:bodyPr rtlCol="0" anchor="ctr"/>
+            <a:lstStyle/>
+            <a:p>
+              <a:pPr algn="ctr"/>
+              <a:endParaRPr kumimoji="1" lang="ko-KR" altLang="en-US"/>
+            </a:p>
+          </p:txBody>
+        </p:sp>
+      </p:grpSp>
+      <p:grpSp>
+        <p:nvGrpSpPr>
+          <p:cNvPr id="3" name="그룹 2"/>
+          <p:cNvGrpSpPr/>
+          <p:nvPr/>
+        </p:nvGrpSpPr>
+        <p:grpSpPr>
+          <a:xfrm>
+            <a:off x="4075499" y="2505544"/>
+            <a:ext cx="130611" cy="45719"/>
+            <a:chOff x="2906267" y="1542665"/>
+            <a:chExt cx="130611" cy="45719"/>
+          </a:xfrm>
+          <a:solidFill>
+            <a:schemeClr val="accent2">
+              <a:lumMod val="60000"/>
+              <a:lumOff val="40000"/>
+            </a:schemeClr>
+          </a:solidFill>
+        </p:grpSpPr>
+        <p:sp>
+          <p:nvSpPr>
+            <p:cNvPr id="22" name="직사각형 21"/>
+            <p:cNvSpPr/>
+            <p:nvPr/>
+          </p:nvSpPr>
+          <p:spPr>
+            <a:xfrm>
+              <a:off x="2906267" y="1542665"/>
+              <a:ext cx="45719" cy="45719"/>
+            </a:xfrm>
+            <a:prstGeom prst="rect">
+              <a:avLst/>
+            </a:prstGeom>
+            <a:grpFill/>
+            <a:ln>
+              <a:solidFill>
+                <a:srgbClr val="FF0000"/>
+              </a:solidFill>
+            </a:ln>
+          </p:spPr>
+          <p:style>
+            <a:lnRef idx="2">
+              <a:schemeClr val="accent1">
+                <a:shade val="50000"/>
+              </a:schemeClr>
+            </a:lnRef>
+            <a:fillRef idx="1">
+              <a:schemeClr val="accent1"/>
+            </a:fillRef>
+            <a:effectRef idx="0">
+              <a:schemeClr val="accent1"/>
+            </a:effectRef>
+            <a:fontRef idx="minor">
+              <a:schemeClr val="lt1"/>
+            </a:fontRef>
+          </p:style>
+          <p:txBody>
+            <a:bodyPr rtlCol="0" anchor="ctr"/>
+            <a:lstStyle/>
+            <a:p>
+              <a:pPr algn="ctr"/>
+              <a:endParaRPr kumimoji="1" lang="ko-KR" altLang="en-US"/>
+            </a:p>
+          </p:txBody>
+        </p:sp>
+        <p:sp>
+          <p:nvSpPr>
+            <p:cNvPr id="23" name="직사각형 22"/>
+            <p:cNvSpPr/>
+            <p:nvPr/>
+          </p:nvSpPr>
+          <p:spPr>
+            <a:xfrm>
+              <a:off x="2991159" y="1542665"/>
+              <a:ext cx="45719" cy="45719"/>
+            </a:xfrm>
+            <a:prstGeom prst="rect">
+              <a:avLst/>
+            </a:prstGeom>
+            <a:grpFill/>
+            <a:ln>
+              <a:solidFill>
+                <a:srgbClr val="FF0000"/>
+              </a:solidFill>
+            </a:ln>
+          </p:spPr>
+          <p:style>
+            <a:lnRef idx="2">
+              <a:schemeClr val="accent1">
+                <a:shade val="50000"/>
+              </a:schemeClr>
+            </a:lnRef>
+            <a:fillRef idx="1">
+              <a:schemeClr val="accent1"/>
+            </a:fillRef>
+            <a:effectRef idx="0">
+              <a:schemeClr val="accent1"/>
+            </a:effectRef>
+            <a:fontRef idx="minor">
+              <a:schemeClr val="lt1"/>
+            </a:fontRef>
+          </p:style>
+          <p:txBody>
+            <a:bodyPr rtlCol="0" anchor="ctr"/>
+            <a:lstStyle/>
+            <a:p>
+              <a:pPr algn="ctr"/>
+              <a:endParaRPr kumimoji="1" lang="ko-KR" altLang="en-US"/>
+            </a:p>
+          </p:txBody>
+        </p:sp>
+      </p:grpSp>
+      <p:sp>
+        <p:nvSpPr>
+          <p:cNvPr id="24" name="직사각형 23"/>
+          <p:cNvSpPr/>
+          <p:nvPr/>
+        </p:nvSpPr>
+        <p:spPr>
+          <a:xfrm>
+            <a:off x="4160390" y="2442144"/>
+            <a:ext cx="45719" cy="45719"/>
+          </a:xfrm>
+          <a:prstGeom prst="rect">
+            <a:avLst/>
+          </a:prstGeom>
+          <a:solidFill>
+            <a:schemeClr val="accent2">
+              <a:lumMod val="60000"/>
+              <a:lumOff val="40000"/>
+            </a:schemeClr>
+          </a:solidFill>
+          <a:ln>
+            <a:solidFill>
+              <a:srgbClr val="FF0000"/>
+            </a:solidFill>
+          </a:ln>
+        </p:spPr>
+        <p:style>
+          <a:lnRef idx="2">
+            <a:schemeClr val="accent1">
+              <a:shade val="50000"/>
+            </a:schemeClr>
+          </a:lnRef>
+          <a:fillRef idx="1">
+            <a:schemeClr val="accent1"/>
+          </a:fillRef>
+          <a:effectRef idx="0">
+            <a:schemeClr val="accent1"/>
+          </a:effectRef>
+          <a:fontRef idx="minor">
+            <a:schemeClr val="lt1"/>
+          </a:fontRef>
+        </p:style>
+        <p:txBody>
+          <a:bodyPr rtlCol="0" anchor="ctr"/>
+          <a:lstStyle/>
+          <a:p>
+            <a:pPr algn="ctr"/>
+            <a:endParaRPr kumimoji="1" lang="ko-KR" altLang="en-US"/>
+          </a:p>
+        </p:txBody>
+      </p:sp>
+      <p:sp>
+        <p:nvSpPr>
+          <p:cNvPr id="25" name="직사각형 24"/>
+          <p:cNvSpPr/>
+          <p:nvPr/>
+        </p:nvSpPr>
+        <p:spPr>
+          <a:xfrm>
+            <a:off x="7460725" y="2517159"/>
+            <a:ext cx="45719" cy="45719"/>
+          </a:xfrm>
+          <a:prstGeom prst="rect">
+            <a:avLst/>
+          </a:prstGeom>
+          <a:solidFill>
+            <a:schemeClr val="accent6">
+              <a:lumMod val="60000"/>
+              <a:lumOff val="40000"/>
+            </a:schemeClr>
+          </a:solidFill>
+          <a:ln>
+            <a:solidFill>
+              <a:srgbClr val="00B050"/>
+            </a:solidFill>
+          </a:ln>
+        </p:spPr>
+        <p:style>
+          <a:lnRef idx="2">
+            <a:schemeClr val="accent1">
+              <a:shade val="50000"/>
+            </a:schemeClr>
+          </a:lnRef>
+          <a:fillRef idx="1">
+            <a:schemeClr val="accent1"/>
+          </a:fillRef>
+          <a:effectRef idx="0">
+            <a:schemeClr val="accent1"/>
+          </a:effectRef>
+          <a:fontRef idx="minor">
+            <a:schemeClr val="lt1"/>
+          </a:fontRef>
+        </p:style>
+        <p:txBody>
+          <a:bodyPr rtlCol="0" anchor="ctr"/>
+          <a:lstStyle/>
+          <a:p>
+            <a:pPr algn="ctr"/>
+            <a:endParaRPr kumimoji="1" lang="ko-KR" altLang="en-US"/>
+          </a:p>
+        </p:txBody>
+      </p:sp>
+      <p:grpSp>
+        <p:nvGrpSpPr>
+          <p:cNvPr id="26" name="그룹 25"/>
+          <p:cNvGrpSpPr/>
+          <p:nvPr/>
+        </p:nvGrpSpPr>
+        <p:grpSpPr>
+          <a:xfrm>
+            <a:off x="3608087" y="3929609"/>
+            <a:ext cx="130611" cy="45719"/>
+            <a:chOff x="2906267" y="1542665"/>
+            <a:chExt cx="130611" cy="45719"/>
+          </a:xfrm>
+        </p:grpSpPr>
+        <p:sp>
+          <p:nvSpPr>
+            <p:cNvPr id="27" name="직사각형 26"/>
+            <p:cNvSpPr/>
+            <p:nvPr/>
+          </p:nvSpPr>
+          <p:spPr>
+            <a:xfrm>
+              <a:off x="2906267" y="1542665"/>
+              <a:ext cx="45719" cy="45719"/>
+            </a:xfrm>
+            <a:prstGeom prst="rect">
+              <a:avLst/>
+            </a:prstGeom>
+            <a:solidFill>
+              <a:schemeClr val="accent5">
+                <a:lumMod val="60000"/>
+                <a:lumOff val="40000"/>
+              </a:schemeClr>
+            </a:solidFill>
+            <a:ln>
+              <a:solidFill>
+                <a:srgbClr val="0070C0"/>
+              </a:solidFill>
+            </a:ln>
+          </p:spPr>
+          <p:style>
+            <a:lnRef idx="2">
+              <a:schemeClr val="accent1">
+                <a:shade val="50000"/>
+              </a:schemeClr>
+            </a:lnRef>
+            <a:fillRef idx="1">
+              <a:schemeClr val="accent1"/>
+            </a:fillRef>
+            <a:effectRef idx="0">
+              <a:schemeClr val="accent1"/>
+            </a:effectRef>
+            <a:fontRef idx="minor">
+              <a:schemeClr val="lt1"/>
+            </a:fontRef>
+          </p:style>
+          <p:txBody>
+            <a:bodyPr rtlCol="0" anchor="ctr"/>
+            <a:lstStyle/>
+            <a:p>
+              <a:pPr algn="ctr"/>
+              <a:endParaRPr kumimoji="1" lang="ko-KR" altLang="en-US"/>
+            </a:p>
+          </p:txBody>
+        </p:sp>
+        <p:sp>
+          <p:nvSpPr>
+            <p:cNvPr id="28" name="직사각형 27"/>
+            <p:cNvSpPr/>
+            <p:nvPr/>
+          </p:nvSpPr>
+          <p:spPr>
+            <a:xfrm>
+              <a:off x="2991159" y="1542665"/>
+              <a:ext cx="45719" cy="45719"/>
+            </a:xfrm>
+            <a:prstGeom prst="rect">
+              <a:avLst/>
+            </a:prstGeom>
+            <a:solidFill>
+              <a:schemeClr val="accent2">
+                <a:lumMod val="60000"/>
+                <a:lumOff val="40000"/>
+              </a:schemeClr>
+            </a:solidFill>
+            <a:ln>
+              <a:solidFill>
+                <a:srgbClr val="FF0000"/>
+              </a:solidFill>
+            </a:ln>
+          </p:spPr>
+          <p:style>
+            <a:lnRef idx="2">
+              <a:schemeClr val="accent1">
+                <a:shade val="50000"/>
+              </a:schemeClr>
+            </a:lnRef>
+            <a:fillRef idx="1">
+              <a:schemeClr val="accent1"/>
+            </a:fillRef>
+            <a:effectRef idx="0">
+              <a:schemeClr val="accent1"/>
+            </a:effectRef>
+            <a:fontRef idx="minor">
+              <a:schemeClr val="lt1"/>
+            </a:fontRef>
+          </p:style>
+          <p:txBody>
+            <a:bodyPr rtlCol="0" anchor="ctr"/>
+            <a:lstStyle/>
+            <a:p>
+              <a:pPr algn="ctr"/>
+              <a:endParaRPr kumimoji="1" lang="ko-KR" altLang="en-US"/>
+            </a:p>
+          </p:txBody>
+        </p:sp>
+      </p:grpSp>
+      <p:grpSp>
+        <p:nvGrpSpPr>
+          <p:cNvPr id="29" name="그룹 28"/>
+          <p:cNvGrpSpPr/>
+          <p:nvPr/>
+        </p:nvGrpSpPr>
+        <p:grpSpPr>
+          <a:xfrm>
+            <a:off x="8421235" y="3929609"/>
+            <a:ext cx="130611" cy="45719"/>
+            <a:chOff x="2906267" y="1542665"/>
+            <a:chExt cx="130611" cy="45719"/>
+          </a:xfrm>
+        </p:grpSpPr>
+        <p:sp>
+          <p:nvSpPr>
+            <p:cNvPr id="30" name="직사각형 29"/>
+            <p:cNvSpPr/>
+            <p:nvPr/>
+          </p:nvSpPr>
+          <p:spPr>
+            <a:xfrm>
+              <a:off x="2906267" y="1542665"/>
+              <a:ext cx="45719" cy="45719"/>
+            </a:xfrm>
+            <a:prstGeom prst="rect">
+              <a:avLst/>
+            </a:prstGeom>
+            <a:solidFill>
+              <a:schemeClr val="accent5">
+                <a:lumMod val="60000"/>
+                <a:lumOff val="40000"/>
+              </a:schemeClr>
+            </a:solidFill>
+            <a:ln>
+              <a:solidFill>
+                <a:srgbClr val="0070C0"/>
+              </a:solidFill>
+            </a:ln>
+          </p:spPr>
+          <p:style>
+            <a:lnRef idx="2">
+              <a:schemeClr val="accent1">
+                <a:shade val="50000"/>
+              </a:schemeClr>
+            </a:lnRef>
+            <a:fillRef idx="1">
+              <a:schemeClr val="accent1"/>
+            </a:fillRef>
+            <a:effectRef idx="0">
+              <a:schemeClr val="accent1"/>
+            </a:effectRef>
+            <a:fontRef idx="minor">
+              <a:schemeClr val="lt1"/>
+            </a:fontRef>
+          </p:style>
+          <p:txBody>
+            <a:bodyPr rtlCol="0" anchor="ctr"/>
+            <a:lstStyle/>
+            <a:p>
+              <a:pPr algn="ctr"/>
+              <a:endParaRPr kumimoji="1" lang="ko-KR" altLang="en-US"/>
+            </a:p>
+          </p:txBody>
+        </p:sp>
+        <p:sp>
+          <p:nvSpPr>
+            <p:cNvPr id="31" name="직사각형 30"/>
+            <p:cNvSpPr/>
+            <p:nvPr/>
+          </p:nvSpPr>
+          <p:spPr>
+            <a:xfrm>
+              <a:off x="2991159" y="1542665"/>
+              <a:ext cx="45719" cy="45719"/>
+            </a:xfrm>
+            <a:prstGeom prst="rect">
+              <a:avLst/>
+            </a:prstGeom>
+            <a:solidFill>
+              <a:schemeClr val="accent2">
+                <a:lumMod val="60000"/>
+                <a:lumOff val="40000"/>
+              </a:schemeClr>
+            </a:solidFill>
+            <a:ln>
+              <a:solidFill>
+                <a:srgbClr val="FF0000"/>
+              </a:solidFill>
+            </a:ln>
+          </p:spPr>
+          <p:style>
+            <a:lnRef idx="2">
+              <a:schemeClr val="accent1">
+                <a:shade val="50000"/>
+              </a:schemeClr>
+            </a:lnRef>
+            <a:fillRef idx="1">
+              <a:schemeClr val="accent1"/>
+            </a:fillRef>
+            <a:effectRef idx="0">
+              <a:schemeClr val="accent1"/>
+            </a:effectRef>
+            <a:fontRef idx="minor">
+              <a:schemeClr val="lt1"/>
+            </a:fontRef>
+          </p:style>
+          <p:txBody>
+            <a:bodyPr rtlCol="0" anchor="ctr"/>
+            <a:lstStyle/>
+            <a:p>
+              <a:pPr algn="ctr"/>
+              <a:endParaRPr kumimoji="1" lang="ko-KR" altLang="en-US"/>
+            </a:p>
+          </p:txBody>
+        </p:sp>
+      </p:grpSp>
+      <p:sp>
+        <p:nvSpPr>
+          <p:cNvPr id="32" name="직사각형 31"/>
+          <p:cNvSpPr/>
+          <p:nvPr/>
+        </p:nvSpPr>
+        <p:spPr>
+          <a:xfrm>
+            <a:off x="8591019" y="3929609"/>
+            <a:ext cx="45719" cy="45719"/>
+          </a:xfrm>
+          <a:prstGeom prst="rect">
+            <a:avLst/>
+          </a:prstGeom>
+          <a:solidFill>
+            <a:schemeClr val="accent6">
+              <a:lumMod val="60000"/>
+              <a:lumOff val="40000"/>
+            </a:schemeClr>
+          </a:solidFill>
+          <a:ln>
+            <a:solidFill>
+              <a:srgbClr val="00B050"/>
+            </a:solidFill>
+          </a:ln>
+        </p:spPr>
+        <p:style>
+          <a:lnRef idx="2">
+            <a:schemeClr val="accent1">
+              <a:shade val="50000"/>
+            </a:schemeClr>
+          </a:lnRef>
+          <a:fillRef idx="1">
+            <a:schemeClr val="accent1"/>
+          </a:fillRef>
+          <a:effectRef idx="0">
+            <a:schemeClr val="accent1"/>
+          </a:effectRef>
+          <a:fontRef idx="minor">
+            <a:schemeClr val="lt1"/>
+          </a:fontRef>
+        </p:style>
+        <p:txBody>
+          <a:bodyPr rtlCol="0" anchor="ctr"/>
+          <a:lstStyle/>
+          <a:p>
+            <a:pPr algn="ctr"/>
+            <a:endParaRPr kumimoji="1" lang="ko-KR" altLang="en-US"/>
+          </a:p>
+        </p:txBody>
+      </p:sp>
+      <p:sp>
+        <p:nvSpPr>
+          <p:cNvPr id="33" name="텍스트 상자 32"/>
+          <p:cNvSpPr txBox="1"/>
+          <p:nvPr/>
+        </p:nvSpPr>
+        <p:spPr>
+          <a:xfrm>
+            <a:off x="2819958" y="1870388"/>
+            <a:ext cx="942887" cy="246221"/>
+          </a:xfrm>
+          <a:prstGeom prst="rect">
+            <a:avLst/>
+          </a:prstGeom>
+          <a:noFill/>
+        </p:spPr>
+        <p:txBody>
+          <a:bodyPr wrap="none" rtlCol="0">
+            <a:spAutoFit/>
+          </a:bodyPr>
+          <a:lstStyle/>
+          <a:p>
+            <a:r>
+              <a:rPr kumimoji="1" lang="en-US" altLang="ko-KR" sz="1000" b="1" dirty="0" smtClean="0"/>
+              <a:t>Network(L2)</a:t>
+            </a:r>
+            <a:endParaRPr kumimoji="1" lang="ko-KR" altLang="en-US" sz="1000" b="1" dirty="0"/>
+          </a:p>
+        </p:txBody>
+      </p:sp>
+      <p:sp>
+        <p:nvSpPr>
+          <p:cNvPr id="34" name="텍스트 상자 33"/>
+          <p:cNvSpPr txBox="1"/>
+          <p:nvPr/>
+        </p:nvSpPr>
+        <p:spPr>
+          <a:xfrm>
+            <a:off x="2450830" y="4203851"/>
+            <a:ext cx="1221809" cy="246221"/>
+          </a:xfrm>
+          <a:prstGeom prst="rect">
+            <a:avLst/>
+          </a:prstGeom>
+          <a:noFill/>
+        </p:spPr>
+        <p:txBody>
+          <a:bodyPr wrap="none" rtlCol="0">
+            <a:spAutoFit/>
+          </a:bodyPr>
+          <a:lstStyle/>
+          <a:p>
+            <a:r>
+              <a:rPr kumimoji="1" lang="en-US" altLang="ko-KR" sz="1000" b="1" dirty="0" err="1" smtClean="0"/>
+              <a:t>wiseCLOUD</a:t>
+            </a:r>
+            <a:r>
+              <a:rPr kumimoji="1" lang="en-US" altLang="ko-KR" sz="1000" b="1" dirty="0" smtClean="0"/>
+              <a:t> Host</a:t>
+            </a:r>
+            <a:endParaRPr kumimoji="1" lang="ko-KR" altLang="en-US" sz="1000" b="1" dirty="0"/>
+          </a:p>
+        </p:txBody>
+      </p:sp>
+      <p:sp>
+        <p:nvSpPr>
+          <p:cNvPr id="35" name="텍스트 상자 34"/>
+          <p:cNvSpPr txBox="1"/>
+          <p:nvPr/>
+        </p:nvSpPr>
+        <p:spPr>
+          <a:xfrm>
+            <a:off x="7302593" y="4203851"/>
+            <a:ext cx="1180131" cy="246221"/>
+          </a:xfrm>
+          <a:prstGeom prst="rect">
+            <a:avLst/>
+          </a:prstGeom>
+          <a:noFill/>
+        </p:spPr>
+        <p:txBody>
+          <a:bodyPr wrap="none" rtlCol="0">
+            <a:spAutoFit/>
+          </a:bodyPr>
+          <a:lstStyle/>
+          <a:p>
+            <a:r>
+              <a:rPr kumimoji="1" lang="en-US" altLang="ko-KR" sz="1000" b="1" dirty="0" smtClean="0"/>
+              <a:t>Hypervisor Host</a:t>
+            </a:r>
+            <a:endParaRPr kumimoji="1" lang="ko-KR" altLang="en-US" sz="1000" b="1" dirty="0"/>
+          </a:p>
+        </p:txBody>
+      </p:sp>
+      <p:sp>
+        <p:nvSpPr>
+          <p:cNvPr id="36" name="텍스트 상자 35"/>
+          <p:cNvSpPr txBox="1"/>
+          <p:nvPr/>
+        </p:nvSpPr>
+        <p:spPr>
+          <a:xfrm>
+            <a:off x="7610706" y="1881304"/>
+            <a:ext cx="1739579" cy="246221"/>
+          </a:xfrm>
+          <a:prstGeom prst="rect">
+            <a:avLst/>
+          </a:prstGeom>
+          <a:noFill/>
+        </p:spPr>
+        <p:txBody>
+          <a:bodyPr wrap="none" rtlCol="0">
+            <a:spAutoFit/>
+          </a:bodyPr>
+          <a:lstStyle/>
+          <a:p>
+            <a:r>
+              <a:rPr kumimoji="1" lang="en-US" altLang="ko-KR" sz="1000" b="1" dirty="0" smtClean="0"/>
+              <a:t>Guest Network(L2/VLAN)</a:t>
+            </a:r>
+            <a:endParaRPr kumimoji="1" lang="ko-KR" altLang="en-US" sz="1000" b="1" dirty="0"/>
+          </a:p>
+        </p:txBody>
+      </p:sp>
+      <p:cxnSp>
+        <p:nvCxnSpPr>
+          <p:cNvPr id="5" name="꺾인 연결선[E] 4"/>
+          <p:cNvCxnSpPr>
+            <a:stCxn id="10" idx="2"/>
+            <a:endCxn id="27" idx="0"/>
+          </p:cNvCxnSpPr>
+          <p:nvPr/>
+        </p:nvCxnSpPr>
+        <p:spPr>
+          <a:xfrm rot="16200000" flipH="1">
+            <a:off x="2463527" y="2762189"/>
+            <a:ext cx="1378346" cy="956494"/>
+          </a:xfrm>
+          <a:prstGeom prst="bentConnector3">
+            <a:avLst>
+              <a:gd name="adj1" fmla="val 65588"/>
+            </a:avLst>
+          </a:prstGeom>
+        </p:spPr>
+        <p:style>
+          <a:lnRef idx="1">
+            <a:schemeClr val="accent1"/>
+          </a:lnRef>
+          <a:fillRef idx="0">
+            <a:schemeClr val="accent1"/>
+          </a:fillRef>
+          <a:effectRef idx="0">
+            <a:schemeClr val="accent1"/>
+          </a:effectRef>
+          <a:fontRef idx="minor">
+            <a:schemeClr val="tx1"/>
+          </a:fontRef>
+        </p:style>
+      </p:cxnSp>
+      <p:cxnSp>
+        <p:nvCxnSpPr>
+          <p:cNvPr id="37" name="꺾인 연결선[E] 36"/>
+          <p:cNvCxnSpPr>
+            <a:stCxn id="11" idx="2"/>
+            <a:endCxn id="30" idx="0"/>
+          </p:cNvCxnSpPr>
+          <p:nvPr/>
+        </p:nvCxnSpPr>
+        <p:spPr>
+          <a:xfrm rot="16200000" flipH="1">
+            <a:off x="4912547" y="398061"/>
+            <a:ext cx="1378346" cy="5684750"/>
+          </a:xfrm>
+          <a:prstGeom prst="bentConnector3">
+            <a:avLst>
+              <a:gd name="adj1" fmla="val 60513"/>
+            </a:avLst>
+          </a:prstGeom>
+        </p:spPr>
+        <p:style>
+          <a:lnRef idx="1">
+            <a:schemeClr val="accent1"/>
+          </a:lnRef>
+          <a:fillRef idx="0">
+            <a:schemeClr val="accent1"/>
+          </a:fillRef>
+          <a:effectRef idx="0">
+            <a:schemeClr val="accent1"/>
+          </a:effectRef>
+          <a:fontRef idx="minor">
+            <a:schemeClr val="tx1"/>
+          </a:fontRef>
+        </p:style>
+      </p:cxnSp>
+      <p:cxnSp>
+        <p:nvCxnSpPr>
+          <p:cNvPr id="41" name="꺾인 연결선[E] 40"/>
+          <p:cNvCxnSpPr>
+            <a:stCxn id="22" idx="2"/>
+            <a:endCxn id="28" idx="0"/>
+          </p:cNvCxnSpPr>
+          <p:nvPr/>
+        </p:nvCxnSpPr>
+        <p:spPr>
+          <a:xfrm rot="5400000">
+            <a:off x="3217926" y="3049176"/>
+            <a:ext cx="1378346" cy="382520"/>
+          </a:xfrm>
+          <a:prstGeom prst="bentConnector3">
+            <a:avLst>
+              <a:gd name="adj1" fmla="val 54713"/>
+            </a:avLst>
+          </a:prstGeom>
+          <a:ln>
+            <a:solidFill>
+              <a:srgbClr val="FF0000"/>
+            </a:solidFill>
+          </a:ln>
+        </p:spPr>
+        <p:style>
+          <a:lnRef idx="1">
+            <a:schemeClr val="accent1"/>
+          </a:lnRef>
+          <a:fillRef idx="0">
+            <a:schemeClr val="accent1"/>
+          </a:fillRef>
+          <a:effectRef idx="0">
+            <a:schemeClr val="accent1"/>
+          </a:effectRef>
+          <a:fontRef idx="minor">
+            <a:schemeClr val="tx1"/>
+          </a:fontRef>
+        </p:style>
+      </p:cxnSp>
+      <p:cxnSp>
+        <p:nvCxnSpPr>
+          <p:cNvPr id="44" name="꺾인 연결선[E] 43"/>
+          <p:cNvCxnSpPr>
+            <a:stCxn id="23" idx="2"/>
+            <a:endCxn id="31" idx="0"/>
+          </p:cNvCxnSpPr>
+          <p:nvPr/>
+        </p:nvCxnSpPr>
+        <p:spPr>
+          <a:xfrm rot="16200000" flipH="1">
+            <a:off x="5666946" y="1067568"/>
+            <a:ext cx="1378346" cy="4345736"/>
+          </a:xfrm>
+          <a:prstGeom prst="bentConnector3">
+            <a:avLst>
+              <a:gd name="adj1" fmla="val 54713"/>
+            </a:avLst>
+          </a:prstGeom>
+          <a:ln>
+            <a:solidFill>
+              <a:srgbClr val="FF0000"/>
+            </a:solidFill>
+          </a:ln>
+        </p:spPr>
+        <p:style>
+          <a:lnRef idx="1">
+            <a:schemeClr val="accent1"/>
+          </a:lnRef>
+          <a:fillRef idx="0">
+            <a:schemeClr val="accent1"/>
+          </a:fillRef>
+          <a:effectRef idx="0">
+            <a:schemeClr val="accent1"/>
+          </a:effectRef>
+          <a:fontRef idx="minor">
+            <a:schemeClr val="tx1"/>
+          </a:fontRef>
+        </p:style>
+      </p:cxnSp>
+      <p:cxnSp>
+        <p:nvCxnSpPr>
+          <p:cNvPr id="48" name="꺾인 연결선[E] 47"/>
+          <p:cNvCxnSpPr>
+            <a:stCxn id="25" idx="2"/>
+            <a:endCxn id="32" idx="0"/>
+          </p:cNvCxnSpPr>
+          <p:nvPr/>
+        </p:nvCxnSpPr>
+        <p:spPr>
+          <a:xfrm rot="16200000" flipH="1">
+            <a:off x="7365367" y="2681096"/>
+            <a:ext cx="1366731" cy="1130294"/>
+          </a:xfrm>
+          <a:prstGeom prst="bentConnector3">
+            <a:avLst>
+              <a:gd name="adj1" fmla="val 47441"/>
+            </a:avLst>
+          </a:prstGeom>
+          <a:ln>
+            <a:solidFill>
+              <a:srgbClr val="00B050"/>
+            </a:solidFill>
+          </a:ln>
+        </p:spPr>
+        <p:style>
+          <a:lnRef idx="1">
+            <a:schemeClr val="accent1"/>
+          </a:lnRef>
+          <a:fillRef idx="0">
+            <a:schemeClr val="accent1"/>
+          </a:fillRef>
+          <a:effectRef idx="0">
+            <a:schemeClr val="accent1"/>
+          </a:effectRef>
+          <a:fontRef idx="minor">
+            <a:schemeClr val="tx1"/>
+          </a:fontRef>
+        </p:style>
+      </p:cxnSp>
+      <p:cxnSp>
+        <p:nvCxnSpPr>
+          <p:cNvPr id="56" name="직선 연결선[R] 55"/>
+          <p:cNvCxnSpPr>
+            <a:stCxn id="14" idx="2"/>
+            <a:endCxn id="24" idx="0"/>
+          </p:cNvCxnSpPr>
+          <p:nvPr/>
+        </p:nvCxnSpPr>
+        <p:spPr>
+          <a:xfrm>
+            <a:off x="4183249" y="1086153"/>
+            <a:ext cx="1" cy="1355991"/>
+          </a:xfrm>
+          <a:prstGeom prst="line">
+            <a:avLst/>
+          </a:prstGeom>
+          <a:ln w="15240">
+            <a:solidFill>
+              <a:schemeClr val="bg1">
+                <a:lumMod val="65000"/>
+              </a:schemeClr>
+            </a:solidFill>
+          </a:ln>
+        </p:spPr>
+        <p:style>
+          <a:lnRef idx="1">
+            <a:schemeClr val="accent1"/>
+          </a:lnRef>
+          <a:fillRef idx="0">
+            <a:schemeClr val="accent1"/>
+          </a:fillRef>
+          <a:effectRef idx="0">
+            <a:schemeClr val="accent1"/>
+          </a:effectRef>
+          <a:fontRef idx="minor">
+            <a:schemeClr val="tx1"/>
+          </a:fontRef>
+        </p:style>
+      </p:cxnSp>
+      <p:sp>
+        <p:nvSpPr>
+          <p:cNvPr id="58" name="텍스트 상자 57"/>
+          <p:cNvSpPr txBox="1"/>
+          <p:nvPr/>
+        </p:nvSpPr>
+        <p:spPr>
+          <a:xfrm>
+            <a:off x="125234" y="6488668"/>
+            <a:ext cx="2225289" cy="261610"/>
+          </a:xfrm>
+          <a:prstGeom prst="rect">
+            <a:avLst/>
+          </a:prstGeom>
+          <a:noFill/>
+        </p:spPr>
+        <p:txBody>
+          <a:bodyPr wrap="none" rtlCol="0">
+            <a:spAutoFit/>
+          </a:bodyPr>
+          <a:lstStyle/>
+          <a:p>
+            <a:r>
+              <a:rPr kumimoji="1" lang="ko-KR" altLang="en-US" sz="1100" b="1" dirty="0" smtClean="0"/>
+              <a:t>그림 </a:t>
+            </a:r>
+            <a:r>
+              <a:rPr kumimoji="1" lang="en-US" altLang="ko-KR" sz="1100" b="1" dirty="0" smtClean="0"/>
+              <a:t>2</a:t>
+            </a:r>
+            <a:r>
+              <a:rPr kumimoji="1" lang="ko-KR" altLang="en-US" sz="1100" b="1" dirty="0" smtClean="0"/>
+              <a:t> </a:t>
+            </a:r>
+            <a:r>
+              <a:rPr kumimoji="1" lang="en-US" altLang="ko-KR" sz="1100" b="1" dirty="0" err="1" smtClean="0"/>
+              <a:t>wiseCLOUD</a:t>
+            </a:r>
+            <a:r>
+              <a:rPr kumimoji="1" lang="ko-KR" altLang="en-US" sz="1100" b="1" dirty="0" smtClean="0"/>
+              <a:t>의 최소 구성</a:t>
+            </a:r>
+            <a:endParaRPr kumimoji="1" lang="ko-KR" altLang="en-US" sz="1100" b="1" dirty="0"/>
+          </a:p>
+        </p:txBody>
+      </p:sp>
+      <p:grpSp>
+        <p:nvGrpSpPr>
+          <p:cNvPr id="59" name="그룹 58"/>
+          <p:cNvGrpSpPr/>
+          <p:nvPr/>
+        </p:nvGrpSpPr>
+        <p:grpSpPr>
+          <a:xfrm>
+            <a:off x="391886" y="5359478"/>
+            <a:ext cx="1808315" cy="726971"/>
+            <a:chOff x="391886" y="5246216"/>
+            <a:chExt cx="1808315" cy="726971"/>
+          </a:xfrm>
+        </p:grpSpPr>
+        <p:grpSp>
+          <p:nvGrpSpPr>
+            <p:cNvPr id="60" name="그룹 59"/>
+            <p:cNvGrpSpPr/>
+            <p:nvPr/>
+          </p:nvGrpSpPr>
+          <p:grpSpPr>
+            <a:xfrm>
+              <a:off x="391886" y="5246216"/>
+              <a:ext cx="1808315" cy="230832"/>
+              <a:chOff x="391886" y="5246216"/>
+              <a:chExt cx="1808315" cy="230832"/>
+            </a:xfrm>
+          </p:grpSpPr>
+          <p:cxnSp>
+            <p:nvCxnSpPr>
+              <p:cNvPr id="67" name="직선 연결선[R] 66"/>
+              <p:cNvCxnSpPr/>
+              <p:nvPr/>
+            </p:nvCxnSpPr>
+            <p:spPr>
+              <a:xfrm>
+                <a:off x="391886" y="5361632"/>
+                <a:ext cx="108000" cy="0"/>
+              </a:xfrm>
+              <a:prstGeom prst="line">
+                <a:avLst/>
+              </a:prstGeom>
+              <a:ln w="50800"/>
+            </p:spPr>
+            <p:style>
+              <a:lnRef idx="1">
+                <a:schemeClr val="accent1"/>
+              </a:lnRef>
+              <a:fillRef idx="0">
+                <a:schemeClr val="accent1"/>
+              </a:fillRef>
+              <a:effectRef idx="0">
+                <a:schemeClr val="accent1"/>
+              </a:effectRef>
+              <a:fontRef idx="minor">
+                <a:schemeClr val="tx1"/>
+              </a:fontRef>
+            </p:style>
+          </p:cxnSp>
+          <p:sp>
+            <p:nvSpPr>
+              <p:cNvPr id="68" name="텍스트 상자 67"/>
+              <p:cNvSpPr txBox="1"/>
+              <p:nvPr/>
+            </p:nvSpPr>
+            <p:spPr>
+              <a:xfrm>
+                <a:off x="515124" y="5246216"/>
+                <a:ext cx="1685077" cy="230832"/>
+              </a:xfrm>
+              <a:prstGeom prst="rect">
+                <a:avLst/>
+              </a:prstGeom>
+              <a:noFill/>
+            </p:spPr>
+            <p:txBody>
+              <a:bodyPr wrap="none" rtlCol="0">
+                <a:spAutoFit/>
+              </a:bodyPr>
+              <a:lstStyle/>
+              <a:p>
+                <a:r>
+                  <a:rPr kumimoji="1" lang="en-US" altLang="ko-KR" sz="900" smtClean="0"/>
+                  <a:t>Management/Storage Traffic</a:t>
+                </a:r>
+                <a:endParaRPr kumimoji="1" lang="ko-KR" altLang="en-US" sz="900" dirty="0"/>
+              </a:p>
+            </p:txBody>
+          </p:sp>
+        </p:grpSp>
+        <p:grpSp>
+          <p:nvGrpSpPr>
+            <p:cNvPr id="61" name="그룹 60"/>
+            <p:cNvGrpSpPr/>
+            <p:nvPr/>
+          </p:nvGrpSpPr>
+          <p:grpSpPr>
+            <a:xfrm>
+              <a:off x="391886" y="5494285"/>
+              <a:ext cx="939487" cy="230832"/>
+              <a:chOff x="391886" y="5537380"/>
+              <a:chExt cx="939487" cy="230832"/>
+            </a:xfrm>
+          </p:grpSpPr>
+          <p:cxnSp>
+            <p:nvCxnSpPr>
+              <p:cNvPr id="65" name="직선 연결선[R] 64"/>
+              <p:cNvCxnSpPr/>
+              <p:nvPr/>
+            </p:nvCxnSpPr>
+            <p:spPr>
+              <a:xfrm>
+                <a:off x="391886" y="5652796"/>
+                <a:ext cx="108000" cy="0"/>
+              </a:xfrm>
+              <a:prstGeom prst="line">
+                <a:avLst/>
+              </a:prstGeom>
+              <a:ln w="50800">
+                <a:solidFill>
+                  <a:srgbClr val="FF0000"/>
+                </a:solidFill>
+              </a:ln>
+            </p:spPr>
+            <p:style>
+              <a:lnRef idx="1">
+                <a:schemeClr val="accent1"/>
+              </a:lnRef>
+              <a:fillRef idx="0">
+                <a:schemeClr val="accent1"/>
+              </a:fillRef>
+              <a:effectRef idx="0">
+                <a:schemeClr val="accent1"/>
+              </a:effectRef>
+              <a:fontRef idx="minor">
+                <a:schemeClr val="tx1"/>
+              </a:fontRef>
+            </p:style>
+          </p:cxnSp>
+          <p:sp>
+            <p:nvSpPr>
+              <p:cNvPr id="66" name="텍스트 상자 65"/>
+              <p:cNvSpPr txBox="1"/>
+              <p:nvPr/>
+            </p:nvSpPr>
+            <p:spPr>
+              <a:xfrm>
+                <a:off x="515124" y="5537380"/>
+                <a:ext cx="816249" cy="230832"/>
+              </a:xfrm>
+              <a:prstGeom prst="rect">
+                <a:avLst/>
+              </a:prstGeom>
+              <a:noFill/>
+            </p:spPr>
+            <p:txBody>
+              <a:bodyPr wrap="none" rtlCol="0">
+                <a:spAutoFit/>
+              </a:bodyPr>
+              <a:lstStyle/>
+              <a:p>
+                <a:r>
+                  <a:rPr kumimoji="1" lang="en-US" altLang="ko-KR" sz="900" dirty="0" err="1" smtClean="0"/>
+                  <a:t>PublicTraffic</a:t>
+                </a:r>
+                <a:endParaRPr kumimoji="1" lang="ko-KR" altLang="en-US" sz="900" dirty="0"/>
+              </a:p>
+            </p:txBody>
+          </p:sp>
+        </p:grpSp>
+        <p:grpSp>
+          <p:nvGrpSpPr>
+            <p:cNvPr id="62" name="그룹 61"/>
+            <p:cNvGrpSpPr/>
+            <p:nvPr/>
+          </p:nvGrpSpPr>
+          <p:grpSpPr>
+            <a:xfrm>
+              <a:off x="391886" y="5742355"/>
+              <a:ext cx="926663" cy="230832"/>
+              <a:chOff x="391886" y="5742355"/>
+              <a:chExt cx="926663" cy="230832"/>
+            </a:xfrm>
+          </p:grpSpPr>
+          <p:cxnSp>
+            <p:nvCxnSpPr>
+              <p:cNvPr id="63" name="직선 연결선[R] 62"/>
+              <p:cNvCxnSpPr/>
+              <p:nvPr/>
+            </p:nvCxnSpPr>
+            <p:spPr>
+              <a:xfrm>
+                <a:off x="391886" y="5857771"/>
+                <a:ext cx="108000" cy="0"/>
+              </a:xfrm>
+              <a:prstGeom prst="line">
+                <a:avLst/>
+              </a:prstGeom>
+              <a:ln w="50800">
+                <a:solidFill>
+                  <a:srgbClr val="00B050"/>
+                </a:solidFill>
+              </a:ln>
+            </p:spPr>
+            <p:style>
+              <a:lnRef idx="1">
+                <a:schemeClr val="accent1"/>
+              </a:lnRef>
+              <a:fillRef idx="0">
+                <a:schemeClr val="accent1"/>
+              </a:fillRef>
+              <a:effectRef idx="0">
+                <a:schemeClr val="accent1"/>
+              </a:effectRef>
+              <a:fontRef idx="minor">
+                <a:schemeClr val="tx1"/>
+              </a:fontRef>
+            </p:style>
+          </p:cxnSp>
+          <p:sp>
+            <p:nvSpPr>
+              <p:cNvPr id="64" name="텍스트 상자 63"/>
+              <p:cNvSpPr txBox="1"/>
+              <p:nvPr/>
+            </p:nvSpPr>
+            <p:spPr>
+              <a:xfrm>
+                <a:off x="515124" y="5742355"/>
+                <a:ext cx="803425" cy="230832"/>
+              </a:xfrm>
+              <a:prstGeom prst="rect">
+                <a:avLst/>
+              </a:prstGeom>
+              <a:noFill/>
+            </p:spPr>
+            <p:txBody>
+              <a:bodyPr wrap="none" rtlCol="0">
+                <a:spAutoFit/>
+              </a:bodyPr>
+              <a:lstStyle/>
+              <a:p>
+                <a:r>
+                  <a:rPr kumimoji="1" lang="en-US" altLang="ko-KR" sz="900" dirty="0" err="1" smtClean="0"/>
+                  <a:t>GuestTraffic</a:t>
+                </a:r>
+                <a:endParaRPr kumimoji="1" lang="ko-KR" altLang="en-US" sz="900" dirty="0"/>
+              </a:p>
+            </p:txBody>
+          </p:sp>
+        </p:grpSp>
+      </p:grpSp>
+      <p:grpSp>
+        <p:nvGrpSpPr>
+          <p:cNvPr id="69" name="그룹 68"/>
+          <p:cNvGrpSpPr/>
+          <p:nvPr/>
+        </p:nvGrpSpPr>
+        <p:grpSpPr>
+          <a:xfrm>
+            <a:off x="8674981" y="3929608"/>
+            <a:ext cx="200515" cy="45719"/>
+            <a:chOff x="5978609" y="2817717"/>
+            <a:chExt cx="200515" cy="45719"/>
+          </a:xfrm>
+        </p:grpSpPr>
+        <p:sp>
+          <p:nvSpPr>
+            <p:cNvPr id="70" name="직사각형 69"/>
+            <p:cNvSpPr/>
+            <p:nvPr/>
+          </p:nvSpPr>
+          <p:spPr>
+            <a:xfrm>
+              <a:off x="6054863" y="2817717"/>
+              <a:ext cx="45719" cy="45719"/>
+            </a:xfrm>
+            <a:prstGeom prst="rect">
+              <a:avLst/>
+            </a:prstGeom>
+            <a:solidFill>
+              <a:schemeClr val="tx1">
+                <a:lumMod val="75000"/>
+                <a:lumOff val="25000"/>
+              </a:schemeClr>
+            </a:solidFill>
+            <a:ln>
+              <a:solidFill>
+                <a:schemeClr val="tx1">
+                  <a:lumMod val="50000"/>
+                  <a:lumOff val="50000"/>
+                </a:schemeClr>
+              </a:solidFill>
+            </a:ln>
+          </p:spPr>
+          <p:style>
+            <a:lnRef idx="2">
+              <a:schemeClr val="accent1">
+                <a:shade val="50000"/>
+              </a:schemeClr>
+            </a:lnRef>
+            <a:fillRef idx="1">
+              <a:schemeClr val="accent1"/>
+            </a:fillRef>
+            <a:effectRef idx="0">
+              <a:schemeClr val="accent1"/>
+            </a:effectRef>
+            <a:fontRef idx="minor">
+              <a:schemeClr val="lt1"/>
+            </a:fontRef>
+          </p:style>
+          <p:txBody>
+            <a:bodyPr rtlCol="0" anchor="ctr"/>
+            <a:lstStyle/>
+            <a:p>
+              <a:pPr algn="ctr"/>
+              <a:endParaRPr kumimoji="1" lang="ko-KR" altLang="en-US"/>
+            </a:p>
+          </p:txBody>
+        </p:sp>
+        <p:sp>
+          <p:nvSpPr>
+            <p:cNvPr id="71" name="직사각형 70"/>
+            <p:cNvSpPr/>
+            <p:nvPr/>
+          </p:nvSpPr>
+          <p:spPr>
+            <a:xfrm>
+              <a:off x="6133405" y="2817717"/>
+              <a:ext cx="45719" cy="45719"/>
+            </a:xfrm>
+            <a:prstGeom prst="rect">
+              <a:avLst/>
+            </a:prstGeom>
+            <a:solidFill>
+              <a:schemeClr val="tx1">
+                <a:lumMod val="75000"/>
+                <a:lumOff val="25000"/>
+              </a:schemeClr>
+            </a:solidFill>
+            <a:ln>
+              <a:solidFill>
+                <a:schemeClr val="tx1">
+                  <a:lumMod val="50000"/>
+                  <a:lumOff val="50000"/>
+                </a:schemeClr>
+              </a:solidFill>
+            </a:ln>
+          </p:spPr>
+          <p:style>
+            <a:lnRef idx="2">
+              <a:schemeClr val="accent1">
+                <a:shade val="50000"/>
+              </a:schemeClr>
+            </a:lnRef>
+            <a:fillRef idx="1">
+              <a:schemeClr val="accent1"/>
+            </a:fillRef>
+            <a:effectRef idx="0">
+              <a:schemeClr val="accent1"/>
+            </a:effectRef>
+            <a:fontRef idx="minor">
+              <a:schemeClr val="lt1"/>
+            </a:fontRef>
+          </p:style>
+          <p:txBody>
+            <a:bodyPr rtlCol="0" anchor="ctr"/>
+            <a:lstStyle/>
+            <a:p>
+              <a:pPr algn="ctr"/>
+              <a:endParaRPr kumimoji="1" lang="ko-KR" altLang="en-US"/>
+            </a:p>
+          </p:txBody>
+        </p:sp>
+        <p:sp>
+          <p:nvSpPr>
+            <p:cNvPr id="72" name="직사각형 71"/>
+            <p:cNvSpPr/>
+            <p:nvPr/>
+          </p:nvSpPr>
+          <p:spPr>
+            <a:xfrm>
+              <a:off x="5978609" y="2817717"/>
+              <a:ext cx="45719" cy="45719"/>
+            </a:xfrm>
+            <a:prstGeom prst="rect">
+              <a:avLst/>
+            </a:prstGeom>
+            <a:solidFill>
+              <a:schemeClr val="tx1">
+                <a:lumMod val="75000"/>
+                <a:lumOff val="25000"/>
+              </a:schemeClr>
+            </a:solidFill>
+            <a:ln>
+              <a:solidFill>
+                <a:schemeClr val="tx1">
+                  <a:lumMod val="50000"/>
+                  <a:lumOff val="50000"/>
+                </a:schemeClr>
+              </a:solidFill>
+            </a:ln>
+          </p:spPr>
+          <p:style>
+            <a:lnRef idx="2">
+              <a:schemeClr val="accent1">
+                <a:shade val="50000"/>
+              </a:schemeClr>
+            </a:lnRef>
+            <a:fillRef idx="1">
+              <a:schemeClr val="accent1"/>
+            </a:fillRef>
+            <a:effectRef idx="0">
+              <a:schemeClr val="accent1"/>
+            </a:effectRef>
+            <a:fontRef idx="minor">
+              <a:schemeClr val="lt1"/>
+            </a:fontRef>
+          </p:style>
+          <p:txBody>
+            <a:bodyPr rtlCol="0" anchor="ctr"/>
+            <a:lstStyle/>
+            <a:p>
+              <a:pPr algn="ctr"/>
+              <a:endParaRPr kumimoji="1" lang="ko-KR" altLang="en-US"/>
+            </a:p>
+          </p:txBody>
+        </p:sp>
+      </p:grpSp>
+      <p:grpSp>
+        <p:nvGrpSpPr>
+          <p:cNvPr id="77" name="그룹 76"/>
+          <p:cNvGrpSpPr/>
+          <p:nvPr/>
+        </p:nvGrpSpPr>
+        <p:grpSpPr>
+          <a:xfrm>
+            <a:off x="3785098" y="3929608"/>
+            <a:ext cx="200515" cy="45719"/>
+            <a:chOff x="5978609" y="2817717"/>
+            <a:chExt cx="200515" cy="45719"/>
+          </a:xfrm>
+        </p:grpSpPr>
+        <p:sp>
+          <p:nvSpPr>
+            <p:cNvPr id="78" name="직사각형 77"/>
+            <p:cNvSpPr/>
+            <p:nvPr/>
+          </p:nvSpPr>
+          <p:spPr>
+            <a:xfrm>
+              <a:off x="6054863" y="2817717"/>
+              <a:ext cx="45719" cy="45719"/>
+            </a:xfrm>
+            <a:prstGeom prst="rect">
+              <a:avLst/>
+            </a:prstGeom>
+            <a:solidFill>
+              <a:schemeClr val="tx1">
+                <a:lumMod val="75000"/>
+                <a:lumOff val="25000"/>
+              </a:schemeClr>
+            </a:solidFill>
+            <a:ln>
+              <a:solidFill>
+                <a:schemeClr val="tx1">
+                  <a:lumMod val="50000"/>
+                  <a:lumOff val="50000"/>
+                </a:schemeClr>
+              </a:solidFill>
+            </a:ln>
+          </p:spPr>
+          <p:style>
+            <a:lnRef idx="2">
+              <a:schemeClr val="accent1">
+                <a:shade val="50000"/>
+              </a:schemeClr>
+            </a:lnRef>
+            <a:fillRef idx="1">
+              <a:schemeClr val="accent1"/>
+            </a:fillRef>
+            <a:effectRef idx="0">
+              <a:schemeClr val="accent1"/>
+            </a:effectRef>
+            <a:fontRef idx="minor">
+              <a:schemeClr val="lt1"/>
+            </a:fontRef>
+          </p:style>
+          <p:txBody>
+            <a:bodyPr rtlCol="0" anchor="ctr"/>
+            <a:lstStyle/>
+            <a:p>
+              <a:pPr algn="ctr"/>
+              <a:endParaRPr kumimoji="1" lang="ko-KR" altLang="en-US"/>
+            </a:p>
+          </p:txBody>
+        </p:sp>
+        <p:sp>
+          <p:nvSpPr>
+            <p:cNvPr id="79" name="직사각형 78"/>
+            <p:cNvSpPr/>
+            <p:nvPr/>
+          </p:nvSpPr>
+          <p:spPr>
+            <a:xfrm>
+              <a:off x="6133405" y="2817717"/>
+              <a:ext cx="45719" cy="45719"/>
+            </a:xfrm>
+            <a:prstGeom prst="rect">
+              <a:avLst/>
+            </a:prstGeom>
+            <a:solidFill>
+              <a:schemeClr val="tx1">
+                <a:lumMod val="75000"/>
+                <a:lumOff val="25000"/>
+              </a:schemeClr>
+            </a:solidFill>
+            <a:ln>
+              <a:solidFill>
+                <a:schemeClr val="tx1">
+                  <a:lumMod val="50000"/>
+                  <a:lumOff val="50000"/>
+                </a:schemeClr>
+              </a:solidFill>
+            </a:ln>
+          </p:spPr>
+          <p:style>
+            <a:lnRef idx="2">
+              <a:schemeClr val="accent1">
+                <a:shade val="50000"/>
+              </a:schemeClr>
+            </a:lnRef>
+            <a:fillRef idx="1">
+              <a:schemeClr val="accent1"/>
+            </a:fillRef>
+            <a:effectRef idx="0">
+              <a:schemeClr val="accent1"/>
+            </a:effectRef>
+            <a:fontRef idx="minor">
+              <a:schemeClr val="lt1"/>
+            </a:fontRef>
+          </p:style>
+          <p:txBody>
+            <a:bodyPr rtlCol="0" anchor="ctr"/>
+            <a:lstStyle/>
+            <a:p>
+              <a:pPr algn="ctr"/>
+              <a:endParaRPr kumimoji="1" lang="ko-KR" altLang="en-US"/>
+            </a:p>
+          </p:txBody>
+        </p:sp>
+        <p:sp>
+          <p:nvSpPr>
+            <p:cNvPr id="80" name="직사각형 79"/>
+            <p:cNvSpPr/>
+            <p:nvPr/>
+          </p:nvSpPr>
+          <p:spPr>
+            <a:xfrm>
+              <a:off x="5978609" y="2817717"/>
+              <a:ext cx="45719" cy="45719"/>
+            </a:xfrm>
+            <a:prstGeom prst="rect">
+              <a:avLst/>
+            </a:prstGeom>
+            <a:solidFill>
+              <a:schemeClr val="tx1">
+                <a:lumMod val="75000"/>
+                <a:lumOff val="25000"/>
+              </a:schemeClr>
+            </a:solidFill>
+            <a:ln>
+              <a:solidFill>
+                <a:schemeClr val="tx1">
+                  <a:lumMod val="50000"/>
+                  <a:lumOff val="50000"/>
+                </a:schemeClr>
+              </a:solidFill>
+            </a:ln>
+          </p:spPr>
+          <p:style>
+            <a:lnRef idx="2">
+              <a:schemeClr val="accent1">
+                <a:shade val="50000"/>
+              </a:schemeClr>
+            </a:lnRef>
+            <a:fillRef idx="1">
+              <a:schemeClr val="accent1"/>
+            </a:fillRef>
+            <a:effectRef idx="0">
+              <a:schemeClr val="accent1"/>
+            </a:effectRef>
+            <a:fontRef idx="minor">
+              <a:schemeClr val="lt1"/>
+            </a:fontRef>
+          </p:style>
+          <p:txBody>
+            <a:bodyPr rtlCol="0" anchor="ctr"/>
+            <a:lstStyle/>
+            <a:p>
+              <a:pPr algn="ctr"/>
+              <a:endParaRPr kumimoji="1" lang="ko-KR" altLang="en-US"/>
+            </a:p>
+          </p:txBody>
+        </p:sp>
+      </p:grpSp>
+      <p:sp>
+        <p:nvSpPr>
+          <p:cNvPr id="81" name="직사각형 80"/>
+          <p:cNvSpPr/>
+          <p:nvPr/>
+        </p:nvSpPr>
+        <p:spPr>
+          <a:xfrm>
+            <a:off x="4016330" y="3929608"/>
+            <a:ext cx="45719" cy="45719"/>
+          </a:xfrm>
+          <a:prstGeom prst="rect">
+            <a:avLst/>
+          </a:prstGeom>
+          <a:solidFill>
+            <a:schemeClr val="tx1">
+              <a:lumMod val="75000"/>
+              <a:lumOff val="25000"/>
+            </a:schemeClr>
+          </a:solidFill>
+          <a:ln>
+            <a:solidFill>
+              <a:schemeClr val="tx1">
+                <a:lumMod val="50000"/>
+                <a:lumOff val="50000"/>
+              </a:schemeClr>
+            </a:solidFill>
+          </a:ln>
+        </p:spPr>
+        <p:style>
+          <a:lnRef idx="2">
+            <a:schemeClr val="accent1">
+              <a:shade val="50000"/>
+            </a:schemeClr>
+          </a:lnRef>
+          <a:fillRef idx="1">
+            <a:schemeClr val="accent1"/>
+          </a:fillRef>
+          <a:effectRef idx="0">
+            <a:schemeClr val="accent1"/>
+          </a:effectRef>
+          <a:fontRef idx="minor">
+            <a:schemeClr val="lt1"/>
+          </a:fontRef>
+        </p:style>
+        <p:txBody>
+          <a:bodyPr rtlCol="0" anchor="ctr"/>
+          <a:lstStyle/>
+          <a:p>
+            <a:pPr algn="ctr"/>
+            <a:endParaRPr kumimoji="1" lang="ko-KR" altLang="en-US"/>
+          </a:p>
+        </p:txBody>
+      </p:sp>
+      <p:grpSp>
+        <p:nvGrpSpPr>
+          <p:cNvPr id="4" name="그룹 3"/>
+          <p:cNvGrpSpPr/>
+          <p:nvPr/>
+        </p:nvGrpSpPr>
+        <p:grpSpPr>
+          <a:xfrm>
+            <a:off x="7330050" y="4900886"/>
+            <a:ext cx="2776843" cy="879145"/>
+            <a:chOff x="7330050" y="4678595"/>
+            <a:chExt cx="2776843" cy="879145"/>
+          </a:xfrm>
+        </p:grpSpPr>
+        <p:pic>
+          <p:nvPicPr>
+            <p:cNvPr id="52" name="그림 51"/>
+            <p:cNvPicPr>
+              <a:picLocks noChangeAspect="1"/>
+            </p:cNvPicPr>
+            <p:nvPr/>
+          </p:nvPicPr>
+          <p:blipFill>
+            <a:blip r:embed="rId3"/>
+            <a:stretch>
+              <a:fillRect/>
+            </a:stretch>
+          </p:blipFill>
+          <p:spPr>
+            <a:xfrm>
+              <a:off x="7334507" y="4678595"/>
+              <a:ext cx="2772386" cy="632924"/>
+            </a:xfrm>
+            <a:prstGeom prst="rect">
+              <a:avLst/>
+            </a:prstGeom>
+          </p:spPr>
+        </p:pic>
+        <p:grpSp>
+          <p:nvGrpSpPr>
+            <p:cNvPr id="53" name="그룹 52"/>
+            <p:cNvGrpSpPr/>
+            <p:nvPr/>
+          </p:nvGrpSpPr>
+          <p:grpSpPr>
+            <a:xfrm>
+              <a:off x="8448692" y="5037277"/>
+              <a:ext cx="130611" cy="45719"/>
+              <a:chOff x="2906267" y="1542665"/>
+              <a:chExt cx="130611" cy="45719"/>
+            </a:xfrm>
+          </p:grpSpPr>
+          <p:sp>
+            <p:nvSpPr>
+              <p:cNvPr id="54" name="직사각형 53"/>
+              <p:cNvSpPr/>
+              <p:nvPr/>
+            </p:nvSpPr>
+            <p:spPr>
+              <a:xfrm>
+                <a:off x="2906267" y="1542665"/>
+                <a:ext cx="45719" cy="45719"/>
+              </a:xfrm>
+              <a:prstGeom prst="rect">
+                <a:avLst/>
+              </a:prstGeom>
+              <a:solidFill>
+                <a:schemeClr val="accent5">
+                  <a:lumMod val="60000"/>
+                  <a:lumOff val="40000"/>
+                </a:schemeClr>
+              </a:solidFill>
+              <a:ln>
+                <a:solidFill>
+                  <a:srgbClr val="0070C0"/>
+                </a:solidFill>
+              </a:ln>
+            </p:spPr>
+            <p:style>
+              <a:lnRef idx="2">
+                <a:schemeClr val="accent1">
+                  <a:shade val="50000"/>
+                </a:schemeClr>
+              </a:lnRef>
+              <a:fillRef idx="1">
+                <a:schemeClr val="accent1"/>
+              </a:fillRef>
+              <a:effectRef idx="0">
+                <a:schemeClr val="accent1"/>
+              </a:effectRef>
+              <a:fontRef idx="minor">
+                <a:schemeClr val="lt1"/>
+              </a:fontRef>
+            </p:style>
+            <p:txBody>
+              <a:bodyPr rtlCol="0" anchor="ctr"/>
+              <a:lstStyle/>
+              <a:p>
+                <a:pPr algn="ctr"/>
+                <a:endParaRPr kumimoji="1" lang="ko-KR" altLang="en-US"/>
+              </a:p>
+            </p:txBody>
+          </p:sp>
+          <p:sp>
+            <p:nvSpPr>
+              <p:cNvPr id="55" name="직사각형 54"/>
+              <p:cNvSpPr/>
+              <p:nvPr/>
+            </p:nvSpPr>
+            <p:spPr>
+              <a:xfrm>
+                <a:off x="2991159" y="1542665"/>
+                <a:ext cx="45719" cy="45719"/>
+              </a:xfrm>
+              <a:prstGeom prst="rect">
+                <a:avLst/>
+              </a:prstGeom>
+              <a:solidFill>
+                <a:schemeClr val="accent2">
+                  <a:lumMod val="60000"/>
+                  <a:lumOff val="40000"/>
+                </a:schemeClr>
+              </a:solidFill>
+              <a:ln>
+                <a:solidFill>
+                  <a:srgbClr val="FF0000"/>
+                </a:solidFill>
+              </a:ln>
+            </p:spPr>
+            <p:style>
+              <a:lnRef idx="2">
+                <a:schemeClr val="accent1">
+                  <a:shade val="50000"/>
+                </a:schemeClr>
+              </a:lnRef>
+              <a:fillRef idx="1">
+                <a:schemeClr val="accent1"/>
+              </a:fillRef>
+              <a:effectRef idx="0">
+                <a:schemeClr val="accent1"/>
+              </a:effectRef>
+              <a:fontRef idx="minor">
+                <a:schemeClr val="lt1"/>
+              </a:fontRef>
+            </p:style>
+            <p:txBody>
+              <a:bodyPr rtlCol="0" anchor="ctr"/>
+              <a:lstStyle/>
+              <a:p>
+                <a:pPr algn="ctr"/>
+                <a:endParaRPr kumimoji="1" lang="ko-KR" altLang="en-US"/>
+              </a:p>
+            </p:txBody>
+          </p:sp>
+        </p:grpSp>
+        <p:sp>
+          <p:nvSpPr>
+            <p:cNvPr id="57" name="직사각형 56"/>
+            <p:cNvSpPr/>
+            <p:nvPr/>
+          </p:nvSpPr>
+          <p:spPr>
+            <a:xfrm>
+              <a:off x="8618476" y="5037277"/>
+              <a:ext cx="45719" cy="45719"/>
+            </a:xfrm>
+            <a:prstGeom prst="rect">
+              <a:avLst/>
+            </a:prstGeom>
+            <a:solidFill>
+              <a:schemeClr val="accent6">
+                <a:lumMod val="60000"/>
+                <a:lumOff val="40000"/>
+              </a:schemeClr>
+            </a:solidFill>
+            <a:ln>
+              <a:solidFill>
+                <a:srgbClr val="00B050"/>
+              </a:solidFill>
+            </a:ln>
+          </p:spPr>
+          <p:style>
+            <a:lnRef idx="2">
+              <a:schemeClr val="accent1">
+                <a:shade val="50000"/>
+              </a:schemeClr>
+            </a:lnRef>
+            <a:fillRef idx="1">
+              <a:schemeClr val="accent1"/>
+            </a:fillRef>
+            <a:effectRef idx="0">
+              <a:schemeClr val="accent1"/>
+            </a:effectRef>
+            <a:fontRef idx="minor">
+              <a:schemeClr val="lt1"/>
+            </a:fontRef>
+          </p:style>
+          <p:txBody>
+            <a:bodyPr rtlCol="0" anchor="ctr"/>
+            <a:lstStyle/>
+            <a:p>
+              <a:pPr algn="ctr"/>
+              <a:endParaRPr kumimoji="1" lang="ko-KR" altLang="en-US"/>
+            </a:p>
+          </p:txBody>
+        </p:sp>
+        <p:sp>
+          <p:nvSpPr>
+            <p:cNvPr id="73" name="텍스트 상자 72"/>
+            <p:cNvSpPr txBox="1"/>
+            <p:nvPr/>
+          </p:nvSpPr>
+          <p:spPr>
+            <a:xfrm>
+              <a:off x="7330050" y="5311519"/>
+              <a:ext cx="1180131" cy="246221"/>
+            </a:xfrm>
+            <a:prstGeom prst="rect">
+              <a:avLst/>
+            </a:prstGeom>
+            <a:noFill/>
+          </p:spPr>
+          <p:txBody>
+            <a:bodyPr wrap="none" rtlCol="0">
+              <a:spAutoFit/>
+            </a:bodyPr>
+            <a:lstStyle/>
+            <a:p>
+              <a:r>
+                <a:rPr kumimoji="1" lang="en-US" altLang="ko-KR" sz="1000" b="1" dirty="0" smtClean="0">
+                  <a:solidFill>
+                    <a:srgbClr val="FF0000"/>
+                  </a:solidFill>
+                </a:rPr>
+                <a:t>Hypervisor Host</a:t>
+              </a:r>
+              <a:endParaRPr kumimoji="1" lang="ko-KR" altLang="en-US" sz="1000" b="1" dirty="0">
+                <a:solidFill>
+                  <a:srgbClr val="FF0000"/>
+                </a:solidFill>
+              </a:endParaRPr>
+            </a:p>
+          </p:txBody>
+        </p:sp>
+        <p:grpSp>
+          <p:nvGrpSpPr>
+            <p:cNvPr id="74" name="그룹 73"/>
+            <p:cNvGrpSpPr/>
+            <p:nvPr/>
+          </p:nvGrpSpPr>
+          <p:grpSpPr>
+            <a:xfrm>
+              <a:off x="8702438" y="5037276"/>
+              <a:ext cx="200515" cy="45719"/>
+              <a:chOff x="5978609" y="2817717"/>
+              <a:chExt cx="200515" cy="45719"/>
+            </a:xfrm>
+          </p:grpSpPr>
+          <p:sp>
+            <p:nvSpPr>
+              <p:cNvPr id="75" name="직사각형 74"/>
+              <p:cNvSpPr/>
+              <p:nvPr/>
+            </p:nvSpPr>
+            <p:spPr>
+              <a:xfrm>
+                <a:off x="6054863" y="2817717"/>
+                <a:ext cx="45719" cy="45719"/>
+              </a:xfrm>
+              <a:prstGeom prst="rect">
+                <a:avLst/>
+              </a:prstGeom>
+              <a:solidFill>
+                <a:schemeClr val="tx1">
+                  <a:lumMod val="75000"/>
+                  <a:lumOff val="25000"/>
+                </a:schemeClr>
+              </a:solidFill>
+              <a:ln>
+                <a:solidFill>
+                  <a:schemeClr val="tx1">
+                    <a:lumMod val="50000"/>
+                    <a:lumOff val="50000"/>
+                  </a:schemeClr>
+                </a:solidFill>
+              </a:ln>
+            </p:spPr>
+            <p:style>
+              <a:lnRef idx="2">
+                <a:schemeClr val="accent1">
+                  <a:shade val="50000"/>
+                </a:schemeClr>
+              </a:lnRef>
+              <a:fillRef idx="1">
+                <a:schemeClr val="accent1"/>
+              </a:fillRef>
+              <a:effectRef idx="0">
+                <a:schemeClr val="accent1"/>
+              </a:effectRef>
+              <a:fontRef idx="minor">
+                <a:schemeClr val="lt1"/>
+              </a:fontRef>
+            </p:style>
+            <p:txBody>
+              <a:bodyPr rtlCol="0" anchor="ctr"/>
+              <a:lstStyle/>
+              <a:p>
+                <a:pPr algn="ctr"/>
+                <a:endParaRPr kumimoji="1" lang="ko-KR" altLang="en-US"/>
+              </a:p>
+            </p:txBody>
+          </p:sp>
+          <p:sp>
+            <p:nvSpPr>
+              <p:cNvPr id="76" name="직사각형 75"/>
+              <p:cNvSpPr/>
+              <p:nvPr/>
+            </p:nvSpPr>
+            <p:spPr>
+              <a:xfrm>
+                <a:off x="6133405" y="2817717"/>
+                <a:ext cx="45719" cy="45719"/>
+              </a:xfrm>
+              <a:prstGeom prst="rect">
+                <a:avLst/>
+              </a:prstGeom>
+              <a:solidFill>
+                <a:schemeClr val="tx1">
+                  <a:lumMod val="75000"/>
+                  <a:lumOff val="25000"/>
+                </a:schemeClr>
+              </a:solidFill>
+              <a:ln>
+                <a:solidFill>
+                  <a:schemeClr val="tx1">
+                    <a:lumMod val="50000"/>
+                    <a:lumOff val="50000"/>
+                  </a:schemeClr>
+                </a:solidFill>
+              </a:ln>
+            </p:spPr>
+            <p:style>
+              <a:lnRef idx="2">
+                <a:schemeClr val="accent1">
+                  <a:shade val="50000"/>
+                </a:schemeClr>
+              </a:lnRef>
+              <a:fillRef idx="1">
+                <a:schemeClr val="accent1"/>
+              </a:fillRef>
+              <a:effectRef idx="0">
+                <a:schemeClr val="accent1"/>
+              </a:effectRef>
+              <a:fontRef idx="minor">
+                <a:schemeClr val="lt1"/>
+              </a:fontRef>
+            </p:style>
+            <p:txBody>
+              <a:bodyPr rtlCol="0" anchor="ctr"/>
+              <a:lstStyle/>
+              <a:p>
+                <a:pPr algn="ctr"/>
+                <a:endParaRPr kumimoji="1" lang="ko-KR" altLang="en-US"/>
+              </a:p>
+            </p:txBody>
+          </p:sp>
+          <p:sp>
+            <p:nvSpPr>
+              <p:cNvPr id="82" name="직사각형 81"/>
+              <p:cNvSpPr/>
+              <p:nvPr/>
+            </p:nvSpPr>
+            <p:spPr>
+              <a:xfrm>
+                <a:off x="5978609" y="2817717"/>
+                <a:ext cx="45719" cy="45719"/>
+              </a:xfrm>
+              <a:prstGeom prst="rect">
+                <a:avLst/>
+              </a:prstGeom>
+              <a:solidFill>
+                <a:schemeClr val="tx1">
+                  <a:lumMod val="75000"/>
+                  <a:lumOff val="25000"/>
+                </a:schemeClr>
+              </a:solidFill>
+              <a:ln>
+                <a:solidFill>
+                  <a:schemeClr val="tx1">
+                    <a:lumMod val="50000"/>
+                    <a:lumOff val="50000"/>
+                  </a:schemeClr>
+                </a:solidFill>
+              </a:ln>
+            </p:spPr>
+            <p:style>
+              <a:lnRef idx="2">
+                <a:schemeClr val="accent1">
+                  <a:shade val="50000"/>
+                </a:schemeClr>
+              </a:lnRef>
+              <a:fillRef idx="1">
+                <a:schemeClr val="accent1"/>
+              </a:fillRef>
+              <a:effectRef idx="0">
+                <a:schemeClr val="accent1"/>
+              </a:effectRef>
+              <a:fontRef idx="minor">
+                <a:schemeClr val="lt1"/>
+              </a:fontRef>
+            </p:style>
+            <p:txBody>
+              <a:bodyPr rtlCol="0" anchor="ctr"/>
+              <a:lstStyle/>
+              <a:p>
+                <a:pPr algn="ctr"/>
+                <a:endParaRPr kumimoji="1" lang="ko-KR" altLang="en-US"/>
+              </a:p>
+            </p:txBody>
+          </p:sp>
+        </p:grpSp>
+      </p:grpSp>
+    </p:spTree>
+    <p:extLst>
+      <p:ext uri="{BB962C8B-B14F-4D97-AF65-F5344CB8AC3E}">
+        <p14:creationId xmlns:p14="http://schemas.microsoft.com/office/powerpoint/2010/main" val="574845012"/>
+      </p:ext>
+    </p:extLst>
+  </p:cSld>
+  <p:clrMapOvr>
+    <a:masterClrMapping/>
+  </p:clrMapOvr>
+</p:sld>
+</file>
+
+<file path=ppt/slides/slide4.xml><?xml version="1.0" encoding="utf-8"?>
 <p:sld xmlns:a="http://schemas.openxmlformats.org/drawingml/2006/main" xmlns:r="http://schemas.openxmlformats.org/officeDocument/2006/relationships" xmlns:p="http://schemas.openxmlformats.org/presentationml/2006/main">
   <p:cSld>
     <p:spTree>
@@ -10648,7 +13485,7 @@
 </p:sld>
 </file>
 
-<file path=ppt/slides/slide4.xml><?xml version="1.0" encoding="utf-8"?>
+<file path=ppt/slides/slide5.xml><?xml version="1.0" encoding="utf-8"?>
 <p:sld xmlns:a="http://schemas.openxmlformats.org/drawingml/2006/main" xmlns:r="http://schemas.openxmlformats.org/officeDocument/2006/relationships" xmlns:p="http://schemas.openxmlformats.org/presentationml/2006/main">
   <p:cSld>
     <p:spTree>
@@ -11965,11 +14802,7 @@
           <a:p>
             <a:r>
               <a:rPr kumimoji="1" lang="en-US" altLang="ko-KR" sz="1000" b="1" dirty="0" smtClean="0"/>
-              <a:t>Secondary </a:t>
-            </a:r>
-            <a:r>
-              <a:rPr kumimoji="1" lang="en-US" altLang="ko-KR" sz="1000" b="1" dirty="0" smtClean="0"/>
-              <a:t>Storage</a:t>
+              <a:t>Secondary Storage</a:t>
             </a:r>
             <a:endParaRPr kumimoji="1" lang="ko-KR" altLang="en-US" sz="1000" b="1" dirty="0"/>
           </a:p>
@@ -14314,6 +17147,3668 @@
 </p:sld>
 </file>
 
+<file path=ppt/slides/slide6.xml><?xml version="1.0" encoding="utf-8"?>
+<p:sld xmlns:a="http://schemas.openxmlformats.org/drawingml/2006/main" xmlns:r="http://schemas.openxmlformats.org/officeDocument/2006/relationships" xmlns:p="http://schemas.openxmlformats.org/presentationml/2006/main">
+  <p:cSld>
+    <p:spTree>
+      <p:nvGrpSpPr>
+        <p:cNvPr id="1" name=""/>
+        <p:cNvGrpSpPr/>
+        <p:nvPr/>
+      </p:nvGrpSpPr>
+      <p:grpSpPr>
+        <a:xfrm>
+          <a:off x="0" y="0"/>
+          <a:ext cx="0" cy="0"/>
+          <a:chOff x="0" y="0"/>
+          <a:chExt cx="0" cy="0"/>
+        </a:xfrm>
+      </p:grpSpPr>
+      <p:sp>
+        <p:nvSpPr>
+          <p:cNvPr id="47" name="텍스트 상자 46"/>
+          <p:cNvSpPr txBox="1"/>
+          <p:nvPr/>
+        </p:nvSpPr>
+        <p:spPr>
+          <a:xfrm>
+            <a:off x="303466" y="6509842"/>
+            <a:ext cx="4156907" cy="261610"/>
+          </a:xfrm>
+          <a:prstGeom prst="rect">
+            <a:avLst/>
+          </a:prstGeom>
+          <a:noFill/>
+        </p:spPr>
+        <p:txBody>
+          <a:bodyPr wrap="none" rtlCol="0">
+            <a:spAutoFit/>
+          </a:bodyPr>
+          <a:lstStyle/>
+          <a:p>
+            <a:pPr latinLnBrk="0"/>
+            <a:r>
+              <a:rPr lang="ko-KR" altLang="ko-KR" sz="1100" b="1" dirty="0"/>
+              <a:t>그림 </a:t>
+            </a:r>
+            <a:r>
+              <a:rPr lang="en-US" altLang="ko-KR" sz="1100" b="1" dirty="0"/>
+              <a:t>4 </a:t>
+            </a:r>
+            <a:r>
+              <a:rPr lang="ko-KR" altLang="ko-KR" sz="1100" b="1" dirty="0"/>
+              <a:t>외부</a:t>
+            </a:r>
+            <a:r>
+              <a:rPr lang="en-US" altLang="ko-KR" sz="1100" b="1" dirty="0"/>
+              <a:t> Secondary Storage</a:t>
+            </a:r>
+            <a:r>
+              <a:rPr lang="ko-KR" altLang="ko-KR" sz="1100" b="1" dirty="0"/>
+              <a:t>를 이용한</a:t>
+            </a:r>
+            <a:r>
+              <a:rPr lang="en-US" altLang="ko-KR" sz="1100" b="1" dirty="0"/>
+              <a:t> </a:t>
+            </a:r>
+            <a:r>
+              <a:rPr lang="en-US" altLang="ko-KR" sz="1100" b="1" dirty="0" err="1"/>
+              <a:t>wiseCLOUD</a:t>
+            </a:r>
+            <a:r>
+              <a:rPr lang="ko-KR" altLang="ko-KR" sz="1100" b="1" dirty="0"/>
+              <a:t>의 구성</a:t>
+            </a:r>
+          </a:p>
+        </p:txBody>
+      </p:sp>
+      <p:pic>
+        <p:nvPicPr>
+          <p:cNvPr id="18" name="그림 17"/>
+          <p:cNvPicPr>
+            <a:picLocks noChangeAspect="1"/>
+          </p:cNvPicPr>
+          <p:nvPr/>
+        </p:nvPicPr>
+        <p:blipFill>
+          <a:blip r:embed="rId3"/>
+          <a:stretch>
+            <a:fillRect/>
+          </a:stretch>
+        </p:blipFill>
+        <p:spPr>
+          <a:xfrm>
+            <a:off x="7803274" y="3276633"/>
+            <a:ext cx="2424272" cy="553451"/>
+          </a:xfrm>
+          <a:prstGeom prst="rect">
+            <a:avLst/>
+          </a:prstGeom>
+        </p:spPr>
+      </p:pic>
+      <p:sp>
+        <p:nvSpPr>
+          <p:cNvPr id="22" name="텍스트 상자 21"/>
+          <p:cNvSpPr txBox="1"/>
+          <p:nvPr/>
+        </p:nvSpPr>
+        <p:spPr>
+          <a:xfrm>
+            <a:off x="7756619" y="3792762"/>
+            <a:ext cx="1180131" cy="246221"/>
+          </a:xfrm>
+          <a:prstGeom prst="rect">
+            <a:avLst/>
+          </a:prstGeom>
+          <a:noFill/>
+        </p:spPr>
+        <p:txBody>
+          <a:bodyPr wrap="none" rtlCol="0">
+            <a:spAutoFit/>
+          </a:bodyPr>
+          <a:lstStyle/>
+          <a:p>
+            <a:r>
+              <a:rPr kumimoji="1" lang="en-US" altLang="ko-KR" sz="1000" b="1" smtClean="0"/>
+              <a:t>Hypervisor Host</a:t>
+            </a:r>
+            <a:endParaRPr kumimoji="1" lang="ko-KR" altLang="en-US" sz="1000" b="1" dirty="0"/>
+          </a:p>
+        </p:txBody>
+      </p:sp>
+      <p:grpSp>
+        <p:nvGrpSpPr>
+          <p:cNvPr id="61" name="그룹 60"/>
+          <p:cNvGrpSpPr/>
+          <p:nvPr/>
+        </p:nvGrpSpPr>
+        <p:grpSpPr>
+          <a:xfrm>
+            <a:off x="8778132" y="3579896"/>
+            <a:ext cx="188443" cy="39978"/>
+            <a:chOff x="3116183" y="1710055"/>
+            <a:chExt cx="215502" cy="45719"/>
+          </a:xfrm>
+        </p:grpSpPr>
+        <p:sp>
+          <p:nvSpPr>
+            <p:cNvPr id="62" name="직사각형 61"/>
+            <p:cNvSpPr/>
+            <p:nvPr/>
+          </p:nvSpPr>
+          <p:spPr>
+            <a:xfrm>
+              <a:off x="3116183" y="1710055"/>
+              <a:ext cx="45719" cy="45719"/>
+            </a:xfrm>
+            <a:prstGeom prst="rect">
+              <a:avLst/>
+            </a:prstGeom>
+          </p:spPr>
+          <p:style>
+            <a:lnRef idx="2">
+              <a:schemeClr val="accent1">
+                <a:shade val="50000"/>
+              </a:schemeClr>
+            </a:lnRef>
+            <a:fillRef idx="1">
+              <a:schemeClr val="accent1"/>
+            </a:fillRef>
+            <a:effectRef idx="0">
+              <a:schemeClr val="accent1"/>
+            </a:effectRef>
+            <a:fontRef idx="minor">
+              <a:schemeClr val="lt1"/>
+            </a:fontRef>
+          </p:style>
+          <p:txBody>
+            <a:bodyPr rtlCol="0" anchor="ctr"/>
+            <a:lstStyle/>
+            <a:p>
+              <a:pPr algn="ctr"/>
+              <a:endParaRPr kumimoji="1" lang="ko-KR" altLang="en-US"/>
+            </a:p>
+          </p:txBody>
+        </p:sp>
+        <p:sp>
+          <p:nvSpPr>
+            <p:cNvPr id="63" name="직사각형 62"/>
+            <p:cNvSpPr/>
+            <p:nvPr/>
+          </p:nvSpPr>
+          <p:spPr>
+            <a:xfrm>
+              <a:off x="3201074" y="1710055"/>
+              <a:ext cx="45719" cy="45719"/>
+            </a:xfrm>
+            <a:prstGeom prst="rect">
+              <a:avLst/>
+            </a:prstGeom>
+            <a:solidFill>
+              <a:schemeClr val="accent2">
+                <a:lumMod val="60000"/>
+                <a:lumOff val="40000"/>
+              </a:schemeClr>
+            </a:solidFill>
+            <a:ln>
+              <a:solidFill>
+                <a:srgbClr val="FF0000"/>
+              </a:solidFill>
+            </a:ln>
+          </p:spPr>
+          <p:style>
+            <a:lnRef idx="2">
+              <a:schemeClr val="accent1">
+                <a:shade val="50000"/>
+              </a:schemeClr>
+            </a:lnRef>
+            <a:fillRef idx="1">
+              <a:schemeClr val="accent1"/>
+            </a:fillRef>
+            <a:effectRef idx="0">
+              <a:schemeClr val="accent1"/>
+            </a:effectRef>
+            <a:fontRef idx="minor">
+              <a:schemeClr val="lt1"/>
+            </a:fontRef>
+          </p:style>
+          <p:txBody>
+            <a:bodyPr rtlCol="0" anchor="ctr"/>
+            <a:lstStyle/>
+            <a:p>
+              <a:pPr algn="ctr"/>
+              <a:endParaRPr kumimoji="1" lang="ko-KR" altLang="en-US"/>
+            </a:p>
+          </p:txBody>
+        </p:sp>
+        <p:sp>
+          <p:nvSpPr>
+            <p:cNvPr id="64" name="직사각형 63"/>
+            <p:cNvSpPr/>
+            <p:nvPr/>
+          </p:nvSpPr>
+          <p:spPr>
+            <a:xfrm>
+              <a:off x="3285966" y="1710055"/>
+              <a:ext cx="45719" cy="45719"/>
+            </a:xfrm>
+            <a:prstGeom prst="rect">
+              <a:avLst/>
+            </a:prstGeom>
+            <a:solidFill>
+              <a:schemeClr val="accent6">
+                <a:lumMod val="60000"/>
+                <a:lumOff val="40000"/>
+              </a:schemeClr>
+            </a:solidFill>
+            <a:ln>
+              <a:solidFill>
+                <a:srgbClr val="00B050"/>
+              </a:solidFill>
+            </a:ln>
+          </p:spPr>
+          <p:style>
+            <a:lnRef idx="2">
+              <a:schemeClr val="accent1">
+                <a:shade val="50000"/>
+              </a:schemeClr>
+            </a:lnRef>
+            <a:fillRef idx="1">
+              <a:schemeClr val="accent1"/>
+            </a:fillRef>
+            <a:effectRef idx="0">
+              <a:schemeClr val="accent1"/>
+            </a:effectRef>
+            <a:fontRef idx="minor">
+              <a:schemeClr val="lt1"/>
+            </a:fontRef>
+          </p:style>
+          <p:txBody>
+            <a:bodyPr rtlCol="0" anchor="ctr"/>
+            <a:lstStyle/>
+            <a:p>
+              <a:pPr algn="ctr"/>
+              <a:endParaRPr kumimoji="1" lang="ko-KR" altLang="en-US"/>
+            </a:p>
+          </p:txBody>
+        </p:sp>
+      </p:grpSp>
+      <p:sp>
+        <p:nvSpPr>
+          <p:cNvPr id="132" name="직사각형 131"/>
+          <p:cNvSpPr/>
+          <p:nvPr/>
+        </p:nvSpPr>
+        <p:spPr>
+          <a:xfrm>
+            <a:off x="10301778" y="3402366"/>
+            <a:ext cx="92525" cy="0"/>
+          </a:xfrm>
+          <a:prstGeom prst="rect">
+            <a:avLst/>
+          </a:prstGeom>
+          <a:noFill/>
+          <a:ln>
+            <a:noFill/>
+          </a:ln>
+        </p:spPr>
+        <p:style>
+          <a:lnRef idx="2">
+            <a:schemeClr val="accent1">
+              <a:shade val="50000"/>
+            </a:schemeClr>
+          </a:lnRef>
+          <a:fillRef idx="1">
+            <a:schemeClr val="accent1"/>
+          </a:fillRef>
+          <a:effectRef idx="0">
+            <a:schemeClr val="accent1"/>
+          </a:effectRef>
+          <a:fontRef idx="minor">
+            <a:schemeClr val="lt1"/>
+          </a:fontRef>
+        </p:style>
+        <p:txBody>
+          <a:bodyPr rtlCol="0" anchor="ctr"/>
+          <a:lstStyle/>
+          <a:p>
+            <a:pPr algn="ctr"/>
+            <a:endParaRPr kumimoji="1" lang="ko-KR" altLang="en-US"/>
+          </a:p>
+        </p:txBody>
+      </p:sp>
+      <p:pic>
+        <p:nvPicPr>
+          <p:cNvPr id="41" name="그림 40"/>
+          <p:cNvPicPr>
+            <a:picLocks noChangeAspect="1"/>
+          </p:cNvPicPr>
+          <p:nvPr/>
+        </p:nvPicPr>
+        <p:blipFill>
+          <a:blip r:embed="rId3"/>
+          <a:stretch>
+            <a:fillRect/>
+          </a:stretch>
+        </p:blipFill>
+        <p:spPr>
+          <a:xfrm>
+            <a:off x="4664177" y="3276633"/>
+            <a:ext cx="2424272" cy="553451"/>
+          </a:xfrm>
+          <a:prstGeom prst="rect">
+            <a:avLst/>
+          </a:prstGeom>
+        </p:spPr>
+      </p:pic>
+      <p:sp>
+        <p:nvSpPr>
+          <p:cNvPr id="46" name="텍스트 상자 45"/>
+          <p:cNvSpPr txBox="1"/>
+          <p:nvPr/>
+        </p:nvSpPr>
+        <p:spPr>
+          <a:xfrm>
+            <a:off x="4617522" y="3792762"/>
+            <a:ext cx="2122697" cy="246221"/>
+          </a:xfrm>
+          <a:prstGeom prst="rect">
+            <a:avLst/>
+          </a:prstGeom>
+          <a:noFill/>
+        </p:spPr>
+        <p:txBody>
+          <a:bodyPr wrap="none" rtlCol="0">
+            <a:spAutoFit/>
+          </a:bodyPr>
+          <a:lstStyle/>
+          <a:p>
+            <a:r>
+              <a:rPr kumimoji="1" lang="en-US" altLang="ko-KR" sz="1000" b="1" dirty="0" err="1" smtClean="0"/>
+              <a:t>wiseCLOUD</a:t>
+            </a:r>
+            <a:r>
+              <a:rPr kumimoji="1" lang="en-US" altLang="ko-KR" sz="1000" b="1" dirty="0" smtClean="0"/>
+              <a:t>(Management) Host</a:t>
+            </a:r>
+            <a:endParaRPr kumimoji="1" lang="ko-KR" altLang="en-US" sz="1000" b="1" dirty="0"/>
+          </a:p>
+        </p:txBody>
+      </p:sp>
+      <p:grpSp>
+        <p:nvGrpSpPr>
+          <p:cNvPr id="57" name="그룹 56"/>
+          <p:cNvGrpSpPr/>
+          <p:nvPr/>
+        </p:nvGrpSpPr>
+        <p:grpSpPr>
+          <a:xfrm>
+            <a:off x="5635041" y="3589694"/>
+            <a:ext cx="188443" cy="39978"/>
+            <a:chOff x="3116183" y="1710055"/>
+            <a:chExt cx="215502" cy="45719"/>
+          </a:xfrm>
+        </p:grpSpPr>
+        <p:sp>
+          <p:nvSpPr>
+            <p:cNvPr id="58" name="직사각형 57"/>
+            <p:cNvSpPr/>
+            <p:nvPr/>
+          </p:nvSpPr>
+          <p:spPr>
+            <a:xfrm>
+              <a:off x="3116183" y="1710055"/>
+              <a:ext cx="45719" cy="45719"/>
+            </a:xfrm>
+            <a:prstGeom prst="rect">
+              <a:avLst/>
+            </a:prstGeom>
+          </p:spPr>
+          <p:style>
+            <a:lnRef idx="2">
+              <a:schemeClr val="accent1">
+                <a:shade val="50000"/>
+              </a:schemeClr>
+            </a:lnRef>
+            <a:fillRef idx="1">
+              <a:schemeClr val="accent1"/>
+            </a:fillRef>
+            <a:effectRef idx="0">
+              <a:schemeClr val="accent1"/>
+            </a:effectRef>
+            <a:fontRef idx="minor">
+              <a:schemeClr val="lt1"/>
+            </a:fontRef>
+          </p:style>
+          <p:txBody>
+            <a:bodyPr rtlCol="0" anchor="ctr"/>
+            <a:lstStyle/>
+            <a:p>
+              <a:pPr algn="ctr"/>
+              <a:endParaRPr kumimoji="1" lang="ko-KR" altLang="en-US"/>
+            </a:p>
+          </p:txBody>
+        </p:sp>
+        <p:sp>
+          <p:nvSpPr>
+            <p:cNvPr id="59" name="직사각형 58"/>
+            <p:cNvSpPr/>
+            <p:nvPr/>
+          </p:nvSpPr>
+          <p:spPr>
+            <a:xfrm>
+              <a:off x="3201074" y="1710055"/>
+              <a:ext cx="45719" cy="45719"/>
+            </a:xfrm>
+            <a:prstGeom prst="rect">
+              <a:avLst/>
+            </a:prstGeom>
+            <a:solidFill>
+              <a:schemeClr val="accent2">
+                <a:lumMod val="60000"/>
+                <a:lumOff val="40000"/>
+              </a:schemeClr>
+            </a:solidFill>
+            <a:ln>
+              <a:solidFill>
+                <a:srgbClr val="FF0000"/>
+              </a:solidFill>
+            </a:ln>
+          </p:spPr>
+          <p:style>
+            <a:lnRef idx="2">
+              <a:schemeClr val="accent1">
+                <a:shade val="50000"/>
+              </a:schemeClr>
+            </a:lnRef>
+            <a:fillRef idx="1">
+              <a:schemeClr val="accent1"/>
+            </a:fillRef>
+            <a:effectRef idx="0">
+              <a:schemeClr val="accent1"/>
+            </a:effectRef>
+            <a:fontRef idx="minor">
+              <a:schemeClr val="lt1"/>
+            </a:fontRef>
+          </p:style>
+          <p:txBody>
+            <a:bodyPr rtlCol="0" anchor="ctr"/>
+            <a:lstStyle/>
+            <a:p>
+              <a:pPr algn="ctr"/>
+              <a:endParaRPr kumimoji="1" lang="ko-KR" altLang="en-US"/>
+            </a:p>
+          </p:txBody>
+        </p:sp>
+        <p:sp>
+          <p:nvSpPr>
+            <p:cNvPr id="60" name="직사각형 59"/>
+            <p:cNvSpPr/>
+            <p:nvPr/>
+          </p:nvSpPr>
+          <p:spPr>
+            <a:xfrm>
+              <a:off x="3285966" y="1710055"/>
+              <a:ext cx="45719" cy="45719"/>
+            </a:xfrm>
+            <a:prstGeom prst="rect">
+              <a:avLst/>
+            </a:prstGeom>
+            <a:solidFill>
+              <a:schemeClr val="accent6">
+                <a:lumMod val="60000"/>
+                <a:lumOff val="40000"/>
+              </a:schemeClr>
+            </a:solidFill>
+            <a:ln>
+              <a:solidFill>
+                <a:srgbClr val="00B050"/>
+              </a:solidFill>
+            </a:ln>
+          </p:spPr>
+          <p:style>
+            <a:lnRef idx="2">
+              <a:schemeClr val="accent1">
+                <a:shade val="50000"/>
+              </a:schemeClr>
+            </a:lnRef>
+            <a:fillRef idx="1">
+              <a:schemeClr val="accent1"/>
+            </a:fillRef>
+            <a:effectRef idx="0">
+              <a:schemeClr val="accent1"/>
+            </a:effectRef>
+            <a:fontRef idx="minor">
+              <a:schemeClr val="lt1"/>
+            </a:fontRef>
+          </p:style>
+          <p:txBody>
+            <a:bodyPr rtlCol="0" anchor="ctr"/>
+            <a:lstStyle/>
+            <a:p>
+              <a:pPr algn="ctr"/>
+              <a:endParaRPr kumimoji="1" lang="ko-KR" altLang="en-US"/>
+            </a:p>
+          </p:txBody>
+        </p:sp>
+      </p:grpSp>
+      <p:sp>
+        <p:nvSpPr>
+          <p:cNvPr id="138" name="직사각형 137"/>
+          <p:cNvSpPr/>
+          <p:nvPr/>
+        </p:nvSpPr>
+        <p:spPr>
+          <a:xfrm>
+            <a:off x="7116374" y="3568040"/>
+            <a:ext cx="92525" cy="0"/>
+          </a:xfrm>
+          <a:prstGeom prst="rect">
+            <a:avLst/>
+          </a:prstGeom>
+          <a:noFill/>
+          <a:ln>
+            <a:noFill/>
+          </a:ln>
+        </p:spPr>
+        <p:style>
+          <a:lnRef idx="2">
+            <a:schemeClr val="accent1">
+              <a:shade val="50000"/>
+            </a:schemeClr>
+          </a:lnRef>
+          <a:fillRef idx="1">
+            <a:schemeClr val="accent1"/>
+          </a:fillRef>
+          <a:effectRef idx="0">
+            <a:schemeClr val="accent1"/>
+          </a:effectRef>
+          <a:fontRef idx="minor">
+            <a:schemeClr val="lt1"/>
+          </a:fontRef>
+        </p:style>
+        <p:txBody>
+          <a:bodyPr rtlCol="0" anchor="ctr"/>
+          <a:lstStyle/>
+          <a:p>
+            <a:pPr algn="ctr"/>
+            <a:endParaRPr kumimoji="1" lang="ko-KR" altLang="en-US"/>
+          </a:p>
+        </p:txBody>
+      </p:sp>
+      <p:pic>
+        <p:nvPicPr>
+          <p:cNvPr id="12" name="그림 11"/>
+          <p:cNvPicPr>
+            <a:picLocks noChangeAspect="1"/>
+          </p:cNvPicPr>
+          <p:nvPr/>
+        </p:nvPicPr>
+        <p:blipFill>
+          <a:blip r:embed="rId4"/>
+          <a:stretch>
+            <a:fillRect/>
+          </a:stretch>
+        </p:blipFill>
+        <p:spPr>
+          <a:xfrm>
+            <a:off x="1670437" y="2318223"/>
+            <a:ext cx="2432067" cy="467704"/>
+          </a:xfrm>
+          <a:prstGeom prst="rect">
+            <a:avLst/>
+          </a:prstGeom>
+        </p:spPr>
+      </p:pic>
+      <p:sp>
+        <p:nvSpPr>
+          <p:cNvPr id="14" name="텍스트 상자 13"/>
+          <p:cNvSpPr txBox="1"/>
+          <p:nvPr/>
+        </p:nvSpPr>
+        <p:spPr>
+          <a:xfrm>
+            <a:off x="1956319" y="2108000"/>
+            <a:ext cx="1795684" cy="246221"/>
+          </a:xfrm>
+          <a:prstGeom prst="rect">
+            <a:avLst/>
+          </a:prstGeom>
+          <a:noFill/>
+        </p:spPr>
+        <p:txBody>
+          <a:bodyPr wrap="none" rtlCol="0">
+            <a:spAutoFit/>
+          </a:bodyPr>
+          <a:lstStyle/>
+          <a:p>
+            <a:r>
+              <a:rPr kumimoji="1" lang="en-US" altLang="ko-KR" sz="1000" b="1" dirty="0" smtClean="0"/>
+              <a:t>Management Network(</a:t>
+            </a:r>
+            <a:r>
+              <a:rPr kumimoji="1" lang="en-US" altLang="ko-KR" sz="1000" b="1" dirty="0"/>
+              <a:t>L</a:t>
+            </a:r>
+            <a:r>
+              <a:rPr kumimoji="1" lang="en-US" altLang="ko-KR" sz="1000" b="1" dirty="0" smtClean="0"/>
+              <a:t>2)</a:t>
+            </a:r>
+            <a:endParaRPr kumimoji="1" lang="ko-KR" altLang="en-US" sz="1000" b="1" dirty="0"/>
+          </a:p>
+        </p:txBody>
+      </p:sp>
+      <p:pic>
+        <p:nvPicPr>
+          <p:cNvPr id="16" name="그림 15"/>
+          <p:cNvPicPr>
+            <a:picLocks noChangeAspect="1"/>
+          </p:cNvPicPr>
+          <p:nvPr/>
+        </p:nvPicPr>
+        <p:blipFill>
+          <a:blip r:embed="rId4"/>
+          <a:stretch>
+            <a:fillRect/>
+          </a:stretch>
+        </p:blipFill>
+        <p:spPr>
+          <a:xfrm>
+            <a:off x="4656383" y="2318223"/>
+            <a:ext cx="2432067" cy="467704"/>
+          </a:xfrm>
+          <a:prstGeom prst="rect">
+            <a:avLst/>
+          </a:prstGeom>
+        </p:spPr>
+      </p:pic>
+      <p:pic>
+        <p:nvPicPr>
+          <p:cNvPr id="17" name="그림 16"/>
+          <p:cNvPicPr>
+            <a:picLocks noChangeAspect="1"/>
+          </p:cNvPicPr>
+          <p:nvPr/>
+        </p:nvPicPr>
+        <p:blipFill>
+          <a:blip r:embed="rId4"/>
+          <a:stretch>
+            <a:fillRect/>
+          </a:stretch>
+        </p:blipFill>
+        <p:spPr>
+          <a:xfrm>
+            <a:off x="7642328" y="2318223"/>
+            <a:ext cx="2432067" cy="467704"/>
+          </a:xfrm>
+          <a:prstGeom prst="rect">
+            <a:avLst/>
+          </a:prstGeom>
+        </p:spPr>
+      </p:pic>
+      <p:sp>
+        <p:nvSpPr>
+          <p:cNvPr id="20" name="텍스트 상자 19"/>
+          <p:cNvSpPr txBox="1"/>
+          <p:nvPr/>
+        </p:nvSpPr>
+        <p:spPr>
+          <a:xfrm>
+            <a:off x="4990810" y="2108000"/>
+            <a:ext cx="1358064" cy="246221"/>
+          </a:xfrm>
+          <a:prstGeom prst="rect">
+            <a:avLst/>
+          </a:prstGeom>
+          <a:noFill/>
+        </p:spPr>
+        <p:txBody>
+          <a:bodyPr wrap="none" rtlCol="0">
+            <a:spAutoFit/>
+          </a:bodyPr>
+          <a:lstStyle/>
+          <a:p>
+            <a:r>
+              <a:rPr kumimoji="1" lang="en-US" altLang="ko-KR" sz="1000" b="1" dirty="0" smtClean="0"/>
+              <a:t>Public Network(L2)</a:t>
+            </a:r>
+            <a:endParaRPr kumimoji="1" lang="ko-KR" altLang="en-US" sz="1000" b="1" dirty="0"/>
+          </a:p>
+        </p:txBody>
+      </p:sp>
+      <p:sp>
+        <p:nvSpPr>
+          <p:cNvPr id="21" name="텍스트 상자 20"/>
+          <p:cNvSpPr txBox="1"/>
+          <p:nvPr/>
+        </p:nvSpPr>
+        <p:spPr>
+          <a:xfrm>
+            <a:off x="7935890" y="2108000"/>
+            <a:ext cx="1717137" cy="246221"/>
+          </a:xfrm>
+          <a:prstGeom prst="rect">
+            <a:avLst/>
+          </a:prstGeom>
+          <a:noFill/>
+        </p:spPr>
+        <p:txBody>
+          <a:bodyPr wrap="none" rtlCol="0">
+            <a:spAutoFit/>
+          </a:bodyPr>
+          <a:lstStyle/>
+          <a:p>
+            <a:r>
+              <a:rPr kumimoji="1" lang="en-US" altLang="ko-KR" sz="1000" b="1" dirty="0" smtClean="0"/>
+              <a:t>Guest Network(L2,VLAN)</a:t>
+            </a:r>
+            <a:endParaRPr kumimoji="1" lang="ko-KR" altLang="en-US" sz="1000" b="1" dirty="0"/>
+          </a:p>
+        </p:txBody>
+      </p:sp>
+      <p:sp>
+        <p:nvSpPr>
+          <p:cNvPr id="25" name="직사각형 24"/>
+          <p:cNvSpPr/>
+          <p:nvPr/>
+        </p:nvSpPr>
+        <p:spPr>
+          <a:xfrm>
+            <a:off x="2825311" y="2667569"/>
+            <a:ext cx="39978" cy="39978"/>
+          </a:xfrm>
+          <a:prstGeom prst="rect">
+            <a:avLst/>
+          </a:prstGeom>
+          <a:solidFill>
+            <a:schemeClr val="accent1">
+              <a:lumMod val="60000"/>
+              <a:lumOff val="40000"/>
+            </a:schemeClr>
+          </a:solidFill>
+          <a:ln>
+            <a:solidFill>
+              <a:srgbClr val="0070C0"/>
+            </a:solidFill>
+          </a:ln>
+        </p:spPr>
+        <p:style>
+          <a:lnRef idx="2">
+            <a:schemeClr val="accent1">
+              <a:shade val="50000"/>
+            </a:schemeClr>
+          </a:lnRef>
+          <a:fillRef idx="1">
+            <a:schemeClr val="accent1"/>
+          </a:fillRef>
+          <a:effectRef idx="0">
+            <a:schemeClr val="accent1"/>
+          </a:effectRef>
+          <a:fontRef idx="minor">
+            <a:schemeClr val="lt1"/>
+          </a:fontRef>
+        </p:style>
+        <p:txBody>
+          <a:bodyPr rtlCol="0" anchor="ctr"/>
+          <a:lstStyle/>
+          <a:p>
+            <a:pPr algn="ctr"/>
+            <a:endParaRPr kumimoji="1" lang="ko-KR" altLang="en-US"/>
+          </a:p>
+        </p:txBody>
+      </p:sp>
+      <p:sp>
+        <p:nvSpPr>
+          <p:cNvPr id="26" name="직사각형 25"/>
+          <p:cNvSpPr/>
+          <p:nvPr/>
+        </p:nvSpPr>
+        <p:spPr>
+          <a:xfrm>
+            <a:off x="2899544" y="2667569"/>
+            <a:ext cx="39978" cy="39978"/>
+          </a:xfrm>
+          <a:prstGeom prst="rect">
+            <a:avLst/>
+          </a:prstGeom>
+          <a:solidFill>
+            <a:schemeClr val="accent1">
+              <a:lumMod val="60000"/>
+              <a:lumOff val="40000"/>
+            </a:schemeClr>
+          </a:solidFill>
+          <a:ln>
+            <a:solidFill>
+              <a:srgbClr val="0070C0"/>
+            </a:solidFill>
+          </a:ln>
+        </p:spPr>
+        <p:style>
+          <a:lnRef idx="2">
+            <a:schemeClr val="accent1">
+              <a:shade val="50000"/>
+            </a:schemeClr>
+          </a:lnRef>
+          <a:fillRef idx="1">
+            <a:schemeClr val="accent1"/>
+          </a:fillRef>
+          <a:effectRef idx="0">
+            <a:schemeClr val="accent1"/>
+          </a:effectRef>
+          <a:fontRef idx="minor">
+            <a:schemeClr val="lt1"/>
+          </a:fontRef>
+        </p:style>
+        <p:txBody>
+          <a:bodyPr rtlCol="0" anchor="ctr"/>
+          <a:lstStyle/>
+          <a:p>
+            <a:pPr algn="ctr"/>
+            <a:endParaRPr kumimoji="1" lang="ko-KR" altLang="en-US"/>
+          </a:p>
+        </p:txBody>
+      </p:sp>
+      <p:sp>
+        <p:nvSpPr>
+          <p:cNvPr id="27" name="직사각형 26"/>
+          <p:cNvSpPr/>
+          <p:nvPr/>
+        </p:nvSpPr>
+        <p:spPr>
+          <a:xfrm>
+            <a:off x="2973775" y="2667569"/>
+            <a:ext cx="39978" cy="39978"/>
+          </a:xfrm>
+          <a:prstGeom prst="rect">
+            <a:avLst/>
+          </a:prstGeom>
+          <a:solidFill>
+            <a:schemeClr val="accent1">
+              <a:lumMod val="60000"/>
+              <a:lumOff val="40000"/>
+            </a:schemeClr>
+          </a:solidFill>
+          <a:ln>
+            <a:solidFill>
+              <a:srgbClr val="0070C0"/>
+            </a:solidFill>
+          </a:ln>
+        </p:spPr>
+        <p:style>
+          <a:lnRef idx="2">
+            <a:schemeClr val="accent1">
+              <a:shade val="50000"/>
+            </a:schemeClr>
+          </a:lnRef>
+          <a:fillRef idx="1">
+            <a:schemeClr val="accent1"/>
+          </a:fillRef>
+          <a:effectRef idx="0">
+            <a:schemeClr val="accent1"/>
+          </a:effectRef>
+          <a:fontRef idx="minor">
+            <a:schemeClr val="lt1"/>
+          </a:fontRef>
+        </p:style>
+        <p:txBody>
+          <a:bodyPr rtlCol="0" anchor="ctr"/>
+          <a:lstStyle/>
+          <a:p>
+            <a:pPr algn="ctr"/>
+            <a:endParaRPr kumimoji="1" lang="ko-KR" altLang="en-US"/>
+          </a:p>
+        </p:txBody>
+      </p:sp>
+      <p:sp>
+        <p:nvSpPr>
+          <p:cNvPr id="28" name="직사각형 27"/>
+          <p:cNvSpPr/>
+          <p:nvPr/>
+        </p:nvSpPr>
+        <p:spPr>
+          <a:xfrm>
+            <a:off x="3048007" y="2667569"/>
+            <a:ext cx="39978" cy="39978"/>
+          </a:xfrm>
+          <a:prstGeom prst="rect">
+            <a:avLst/>
+          </a:prstGeom>
+          <a:solidFill>
+            <a:schemeClr val="accent1">
+              <a:lumMod val="60000"/>
+              <a:lumOff val="40000"/>
+            </a:schemeClr>
+          </a:solidFill>
+          <a:ln>
+            <a:solidFill>
+              <a:srgbClr val="0070C0"/>
+            </a:solidFill>
+          </a:ln>
+        </p:spPr>
+        <p:style>
+          <a:lnRef idx="2">
+            <a:schemeClr val="accent1">
+              <a:shade val="50000"/>
+            </a:schemeClr>
+          </a:lnRef>
+          <a:fillRef idx="1">
+            <a:schemeClr val="accent1"/>
+          </a:fillRef>
+          <a:effectRef idx="0">
+            <a:schemeClr val="accent1"/>
+          </a:effectRef>
+          <a:fontRef idx="minor">
+            <a:schemeClr val="lt1"/>
+          </a:fontRef>
+        </p:style>
+        <p:txBody>
+          <a:bodyPr rtlCol="0" anchor="ctr"/>
+          <a:lstStyle/>
+          <a:p>
+            <a:pPr algn="ctr"/>
+            <a:endParaRPr kumimoji="1" lang="ko-KR" altLang="en-US"/>
+          </a:p>
+        </p:txBody>
+      </p:sp>
+      <p:sp>
+        <p:nvSpPr>
+          <p:cNvPr id="29" name="직사각형 28"/>
+          <p:cNvSpPr/>
+          <p:nvPr/>
+        </p:nvSpPr>
+        <p:spPr>
+          <a:xfrm>
+            <a:off x="3122240" y="2667569"/>
+            <a:ext cx="39978" cy="39978"/>
+          </a:xfrm>
+          <a:prstGeom prst="rect">
+            <a:avLst/>
+          </a:prstGeom>
+          <a:solidFill>
+            <a:schemeClr val="accent1">
+              <a:lumMod val="60000"/>
+              <a:lumOff val="40000"/>
+            </a:schemeClr>
+          </a:solidFill>
+          <a:ln>
+            <a:solidFill>
+              <a:srgbClr val="0070C0"/>
+            </a:solidFill>
+          </a:ln>
+        </p:spPr>
+        <p:style>
+          <a:lnRef idx="2">
+            <a:schemeClr val="accent1">
+              <a:shade val="50000"/>
+            </a:schemeClr>
+          </a:lnRef>
+          <a:fillRef idx="1">
+            <a:schemeClr val="accent1"/>
+          </a:fillRef>
+          <a:effectRef idx="0">
+            <a:schemeClr val="accent1"/>
+          </a:effectRef>
+          <a:fontRef idx="minor">
+            <a:schemeClr val="lt1"/>
+          </a:fontRef>
+        </p:style>
+        <p:txBody>
+          <a:bodyPr rtlCol="0" anchor="ctr"/>
+          <a:lstStyle/>
+          <a:p>
+            <a:pPr algn="ctr"/>
+            <a:endParaRPr kumimoji="1" lang="ko-KR" altLang="en-US"/>
+          </a:p>
+        </p:txBody>
+      </p:sp>
+      <p:sp>
+        <p:nvSpPr>
+          <p:cNvPr id="30" name="직사각형 29"/>
+          <p:cNvSpPr/>
+          <p:nvPr/>
+        </p:nvSpPr>
+        <p:spPr>
+          <a:xfrm>
+            <a:off x="4796531" y="2659434"/>
+            <a:ext cx="39978" cy="39978"/>
+          </a:xfrm>
+          <a:prstGeom prst="rect">
+            <a:avLst/>
+          </a:prstGeom>
+          <a:solidFill>
+            <a:schemeClr val="accent2">
+              <a:lumMod val="60000"/>
+              <a:lumOff val="40000"/>
+            </a:schemeClr>
+          </a:solidFill>
+          <a:ln>
+            <a:solidFill>
+              <a:srgbClr val="FF0000"/>
+            </a:solidFill>
+          </a:ln>
+        </p:spPr>
+        <p:style>
+          <a:lnRef idx="2">
+            <a:schemeClr val="accent1">
+              <a:shade val="50000"/>
+            </a:schemeClr>
+          </a:lnRef>
+          <a:fillRef idx="1">
+            <a:schemeClr val="accent1"/>
+          </a:fillRef>
+          <a:effectRef idx="0">
+            <a:schemeClr val="accent1"/>
+          </a:effectRef>
+          <a:fontRef idx="minor">
+            <a:schemeClr val="lt1"/>
+          </a:fontRef>
+        </p:style>
+        <p:txBody>
+          <a:bodyPr rtlCol="0" anchor="ctr"/>
+          <a:lstStyle/>
+          <a:p>
+            <a:pPr algn="ctr"/>
+            <a:endParaRPr kumimoji="1" lang="ko-KR" altLang="en-US"/>
+          </a:p>
+        </p:txBody>
+      </p:sp>
+      <p:sp>
+        <p:nvSpPr>
+          <p:cNvPr id="31" name="직사각형 30"/>
+          <p:cNvSpPr/>
+          <p:nvPr/>
+        </p:nvSpPr>
+        <p:spPr>
+          <a:xfrm>
+            <a:off x="4870763" y="2659434"/>
+            <a:ext cx="39978" cy="39978"/>
+          </a:xfrm>
+          <a:prstGeom prst="rect">
+            <a:avLst/>
+          </a:prstGeom>
+          <a:solidFill>
+            <a:schemeClr val="accent2">
+              <a:lumMod val="60000"/>
+              <a:lumOff val="40000"/>
+            </a:schemeClr>
+          </a:solidFill>
+          <a:ln>
+            <a:solidFill>
+              <a:srgbClr val="FF0000"/>
+            </a:solidFill>
+          </a:ln>
+        </p:spPr>
+        <p:style>
+          <a:lnRef idx="2">
+            <a:schemeClr val="accent1">
+              <a:shade val="50000"/>
+            </a:schemeClr>
+          </a:lnRef>
+          <a:fillRef idx="1">
+            <a:schemeClr val="accent1"/>
+          </a:fillRef>
+          <a:effectRef idx="0">
+            <a:schemeClr val="accent1"/>
+          </a:effectRef>
+          <a:fontRef idx="minor">
+            <a:schemeClr val="lt1"/>
+          </a:fontRef>
+        </p:style>
+        <p:txBody>
+          <a:bodyPr rtlCol="0" anchor="ctr"/>
+          <a:lstStyle/>
+          <a:p>
+            <a:pPr algn="ctr"/>
+            <a:endParaRPr kumimoji="1" lang="ko-KR" altLang="en-US"/>
+          </a:p>
+        </p:txBody>
+      </p:sp>
+      <p:sp>
+        <p:nvSpPr>
+          <p:cNvPr id="32" name="직사각형 31"/>
+          <p:cNvSpPr/>
+          <p:nvPr/>
+        </p:nvSpPr>
+        <p:spPr>
+          <a:xfrm>
+            <a:off x="4944996" y="2659434"/>
+            <a:ext cx="39978" cy="39978"/>
+          </a:xfrm>
+          <a:prstGeom prst="rect">
+            <a:avLst/>
+          </a:prstGeom>
+          <a:solidFill>
+            <a:schemeClr val="accent2">
+              <a:lumMod val="60000"/>
+              <a:lumOff val="40000"/>
+            </a:schemeClr>
+          </a:solidFill>
+          <a:ln>
+            <a:solidFill>
+              <a:srgbClr val="FF0000"/>
+            </a:solidFill>
+          </a:ln>
+        </p:spPr>
+        <p:style>
+          <a:lnRef idx="2">
+            <a:schemeClr val="accent1">
+              <a:shade val="50000"/>
+            </a:schemeClr>
+          </a:lnRef>
+          <a:fillRef idx="1">
+            <a:schemeClr val="accent1"/>
+          </a:fillRef>
+          <a:effectRef idx="0">
+            <a:schemeClr val="accent1"/>
+          </a:effectRef>
+          <a:fontRef idx="minor">
+            <a:schemeClr val="lt1"/>
+          </a:fontRef>
+        </p:style>
+        <p:txBody>
+          <a:bodyPr rtlCol="0" anchor="ctr"/>
+          <a:lstStyle/>
+          <a:p>
+            <a:pPr algn="ctr"/>
+            <a:endParaRPr kumimoji="1" lang="ko-KR" altLang="en-US"/>
+          </a:p>
+        </p:txBody>
+      </p:sp>
+      <p:sp>
+        <p:nvSpPr>
+          <p:cNvPr id="37" name="직사각형 36"/>
+          <p:cNvSpPr/>
+          <p:nvPr/>
+        </p:nvSpPr>
+        <p:spPr>
+          <a:xfrm>
+            <a:off x="9020730" y="2667568"/>
+            <a:ext cx="39978" cy="39978"/>
+          </a:xfrm>
+          <a:prstGeom prst="rect">
+            <a:avLst/>
+          </a:prstGeom>
+          <a:solidFill>
+            <a:schemeClr val="accent6">
+              <a:lumMod val="60000"/>
+              <a:lumOff val="40000"/>
+            </a:schemeClr>
+          </a:solidFill>
+          <a:ln>
+            <a:solidFill>
+              <a:srgbClr val="00B050"/>
+            </a:solidFill>
+          </a:ln>
+        </p:spPr>
+        <p:style>
+          <a:lnRef idx="2">
+            <a:schemeClr val="accent1">
+              <a:shade val="50000"/>
+            </a:schemeClr>
+          </a:lnRef>
+          <a:fillRef idx="1">
+            <a:schemeClr val="accent1"/>
+          </a:fillRef>
+          <a:effectRef idx="0">
+            <a:schemeClr val="accent1"/>
+          </a:effectRef>
+          <a:fontRef idx="minor">
+            <a:schemeClr val="lt1"/>
+          </a:fontRef>
+        </p:style>
+        <p:txBody>
+          <a:bodyPr rtlCol="0" anchor="ctr"/>
+          <a:lstStyle/>
+          <a:p>
+            <a:pPr algn="ctr"/>
+            <a:endParaRPr kumimoji="1" lang="ko-KR" altLang="en-US"/>
+          </a:p>
+        </p:txBody>
+      </p:sp>
+      <p:sp>
+        <p:nvSpPr>
+          <p:cNvPr id="38" name="직사각형 37"/>
+          <p:cNvSpPr/>
+          <p:nvPr/>
+        </p:nvSpPr>
+        <p:spPr>
+          <a:xfrm>
+            <a:off x="9094963" y="2667568"/>
+            <a:ext cx="39978" cy="39978"/>
+          </a:xfrm>
+          <a:prstGeom prst="rect">
+            <a:avLst/>
+          </a:prstGeom>
+          <a:solidFill>
+            <a:schemeClr val="accent6">
+              <a:lumMod val="60000"/>
+              <a:lumOff val="40000"/>
+            </a:schemeClr>
+          </a:solidFill>
+          <a:ln>
+            <a:solidFill>
+              <a:srgbClr val="00B050"/>
+            </a:solidFill>
+          </a:ln>
+        </p:spPr>
+        <p:style>
+          <a:lnRef idx="2">
+            <a:schemeClr val="accent1">
+              <a:shade val="50000"/>
+            </a:schemeClr>
+          </a:lnRef>
+          <a:fillRef idx="1">
+            <a:schemeClr val="accent1"/>
+          </a:fillRef>
+          <a:effectRef idx="0">
+            <a:schemeClr val="accent1"/>
+          </a:effectRef>
+          <a:fontRef idx="minor">
+            <a:schemeClr val="lt1"/>
+          </a:fontRef>
+        </p:style>
+        <p:txBody>
+          <a:bodyPr rtlCol="0" anchor="ctr"/>
+          <a:lstStyle/>
+          <a:p>
+            <a:pPr algn="ctr"/>
+            <a:endParaRPr kumimoji="1" lang="ko-KR" altLang="en-US"/>
+          </a:p>
+        </p:txBody>
+      </p:sp>
+      <p:pic>
+        <p:nvPicPr>
+          <p:cNvPr id="42" name="그림 41"/>
+          <p:cNvPicPr>
+            <a:picLocks noChangeAspect="1"/>
+          </p:cNvPicPr>
+          <p:nvPr/>
+        </p:nvPicPr>
+        <p:blipFill>
+          <a:blip r:embed="rId5"/>
+          <a:stretch>
+            <a:fillRect/>
+          </a:stretch>
+        </p:blipFill>
+        <p:spPr>
+          <a:xfrm>
+            <a:off x="4656383" y="5365476"/>
+            <a:ext cx="2432067" cy="662582"/>
+          </a:xfrm>
+          <a:prstGeom prst="rect">
+            <a:avLst/>
+          </a:prstGeom>
+        </p:spPr>
+      </p:pic>
+      <p:sp>
+        <p:nvSpPr>
+          <p:cNvPr id="45" name="텍스트 상자 44"/>
+          <p:cNvSpPr txBox="1"/>
+          <p:nvPr/>
+        </p:nvSpPr>
+        <p:spPr>
+          <a:xfrm>
+            <a:off x="4609728" y="5990736"/>
+            <a:ext cx="1332416" cy="246221"/>
+          </a:xfrm>
+          <a:prstGeom prst="rect">
+            <a:avLst/>
+          </a:prstGeom>
+          <a:noFill/>
+        </p:spPr>
+        <p:txBody>
+          <a:bodyPr wrap="none" rtlCol="0">
+            <a:spAutoFit/>
+          </a:bodyPr>
+          <a:lstStyle/>
+          <a:p>
+            <a:r>
+              <a:rPr kumimoji="1" lang="en-US" altLang="ko-KR" sz="1000" b="1" dirty="0" smtClean="0"/>
+              <a:t>Secondary Storage</a:t>
+            </a:r>
+            <a:endParaRPr kumimoji="1" lang="ko-KR" altLang="en-US" sz="1000" b="1" dirty="0"/>
+          </a:p>
+        </p:txBody>
+      </p:sp>
+      <p:pic>
+        <p:nvPicPr>
+          <p:cNvPr id="19" name="그림 18"/>
+          <p:cNvPicPr>
+            <a:picLocks noChangeAspect="1"/>
+          </p:cNvPicPr>
+          <p:nvPr/>
+        </p:nvPicPr>
+        <p:blipFill>
+          <a:blip r:embed="rId3"/>
+          <a:stretch>
+            <a:fillRect/>
+          </a:stretch>
+        </p:blipFill>
+        <p:spPr>
+          <a:xfrm>
+            <a:off x="7803274" y="4310437"/>
+            <a:ext cx="2424272" cy="553451"/>
+          </a:xfrm>
+          <a:prstGeom prst="rect">
+            <a:avLst/>
+          </a:prstGeom>
+        </p:spPr>
+      </p:pic>
+      <p:sp>
+        <p:nvSpPr>
+          <p:cNvPr id="23" name="텍스트 상자 22"/>
+          <p:cNvSpPr txBox="1"/>
+          <p:nvPr/>
+        </p:nvSpPr>
+        <p:spPr>
+          <a:xfrm>
+            <a:off x="7756619" y="4826566"/>
+            <a:ext cx="1180131" cy="246221"/>
+          </a:xfrm>
+          <a:prstGeom prst="rect">
+            <a:avLst/>
+          </a:prstGeom>
+          <a:noFill/>
+        </p:spPr>
+        <p:txBody>
+          <a:bodyPr wrap="none" rtlCol="0">
+            <a:spAutoFit/>
+          </a:bodyPr>
+          <a:lstStyle/>
+          <a:p>
+            <a:r>
+              <a:rPr kumimoji="1" lang="en-US" altLang="ko-KR" sz="1000" b="1" smtClean="0"/>
+              <a:t>Hypervisor Host</a:t>
+            </a:r>
+            <a:endParaRPr kumimoji="1" lang="ko-KR" altLang="en-US" sz="1000" b="1" dirty="0"/>
+          </a:p>
+        </p:txBody>
+      </p:sp>
+      <p:grpSp>
+        <p:nvGrpSpPr>
+          <p:cNvPr id="65" name="그룹 64"/>
+          <p:cNvGrpSpPr/>
+          <p:nvPr/>
+        </p:nvGrpSpPr>
+        <p:grpSpPr>
+          <a:xfrm>
+            <a:off x="8778132" y="4617124"/>
+            <a:ext cx="188443" cy="39978"/>
+            <a:chOff x="3116183" y="1710055"/>
+            <a:chExt cx="215502" cy="45719"/>
+          </a:xfrm>
+        </p:grpSpPr>
+        <p:sp>
+          <p:nvSpPr>
+            <p:cNvPr id="66" name="직사각형 65"/>
+            <p:cNvSpPr/>
+            <p:nvPr/>
+          </p:nvSpPr>
+          <p:spPr>
+            <a:xfrm>
+              <a:off x="3116183" y="1710055"/>
+              <a:ext cx="45719" cy="45719"/>
+            </a:xfrm>
+            <a:prstGeom prst="rect">
+              <a:avLst/>
+            </a:prstGeom>
+          </p:spPr>
+          <p:style>
+            <a:lnRef idx="2">
+              <a:schemeClr val="accent1">
+                <a:shade val="50000"/>
+              </a:schemeClr>
+            </a:lnRef>
+            <a:fillRef idx="1">
+              <a:schemeClr val="accent1"/>
+            </a:fillRef>
+            <a:effectRef idx="0">
+              <a:schemeClr val="accent1"/>
+            </a:effectRef>
+            <a:fontRef idx="minor">
+              <a:schemeClr val="lt1"/>
+            </a:fontRef>
+          </p:style>
+          <p:txBody>
+            <a:bodyPr rtlCol="0" anchor="ctr"/>
+            <a:lstStyle/>
+            <a:p>
+              <a:pPr algn="ctr"/>
+              <a:endParaRPr kumimoji="1" lang="ko-KR" altLang="en-US"/>
+            </a:p>
+          </p:txBody>
+        </p:sp>
+        <p:sp>
+          <p:nvSpPr>
+            <p:cNvPr id="67" name="직사각형 66"/>
+            <p:cNvSpPr/>
+            <p:nvPr/>
+          </p:nvSpPr>
+          <p:spPr>
+            <a:xfrm>
+              <a:off x="3201074" y="1710055"/>
+              <a:ext cx="45719" cy="45719"/>
+            </a:xfrm>
+            <a:prstGeom prst="rect">
+              <a:avLst/>
+            </a:prstGeom>
+            <a:solidFill>
+              <a:schemeClr val="accent2">
+                <a:lumMod val="60000"/>
+                <a:lumOff val="40000"/>
+              </a:schemeClr>
+            </a:solidFill>
+            <a:ln>
+              <a:solidFill>
+                <a:srgbClr val="FF0000"/>
+              </a:solidFill>
+            </a:ln>
+          </p:spPr>
+          <p:style>
+            <a:lnRef idx="2">
+              <a:schemeClr val="accent1">
+                <a:shade val="50000"/>
+              </a:schemeClr>
+            </a:lnRef>
+            <a:fillRef idx="1">
+              <a:schemeClr val="accent1"/>
+            </a:fillRef>
+            <a:effectRef idx="0">
+              <a:schemeClr val="accent1"/>
+            </a:effectRef>
+            <a:fontRef idx="minor">
+              <a:schemeClr val="lt1"/>
+            </a:fontRef>
+          </p:style>
+          <p:txBody>
+            <a:bodyPr rtlCol="0" anchor="ctr"/>
+            <a:lstStyle/>
+            <a:p>
+              <a:pPr algn="ctr"/>
+              <a:endParaRPr kumimoji="1" lang="ko-KR" altLang="en-US"/>
+            </a:p>
+          </p:txBody>
+        </p:sp>
+        <p:sp>
+          <p:nvSpPr>
+            <p:cNvPr id="68" name="직사각형 67"/>
+            <p:cNvSpPr/>
+            <p:nvPr/>
+          </p:nvSpPr>
+          <p:spPr>
+            <a:xfrm>
+              <a:off x="3285966" y="1710055"/>
+              <a:ext cx="45719" cy="45719"/>
+            </a:xfrm>
+            <a:prstGeom prst="rect">
+              <a:avLst/>
+            </a:prstGeom>
+            <a:solidFill>
+              <a:schemeClr val="accent6">
+                <a:lumMod val="60000"/>
+                <a:lumOff val="40000"/>
+              </a:schemeClr>
+            </a:solidFill>
+            <a:ln>
+              <a:solidFill>
+                <a:srgbClr val="00B050"/>
+              </a:solidFill>
+            </a:ln>
+          </p:spPr>
+          <p:style>
+            <a:lnRef idx="2">
+              <a:schemeClr val="accent1">
+                <a:shade val="50000"/>
+              </a:schemeClr>
+            </a:lnRef>
+            <a:fillRef idx="1">
+              <a:schemeClr val="accent1"/>
+            </a:fillRef>
+            <a:effectRef idx="0">
+              <a:schemeClr val="accent1"/>
+            </a:effectRef>
+            <a:fontRef idx="minor">
+              <a:schemeClr val="lt1"/>
+            </a:fontRef>
+          </p:style>
+          <p:txBody>
+            <a:bodyPr rtlCol="0" anchor="ctr"/>
+            <a:lstStyle/>
+            <a:p>
+              <a:pPr algn="ctr"/>
+              <a:endParaRPr kumimoji="1" lang="ko-KR" altLang="en-US"/>
+            </a:p>
+          </p:txBody>
+        </p:sp>
+      </p:grpSp>
+      <p:sp>
+        <p:nvSpPr>
+          <p:cNvPr id="74" name="직사각형 73"/>
+          <p:cNvSpPr/>
+          <p:nvPr/>
+        </p:nvSpPr>
+        <p:spPr>
+          <a:xfrm>
+            <a:off x="4802367" y="5586190"/>
+            <a:ext cx="39978" cy="39979"/>
+          </a:xfrm>
+          <a:prstGeom prst="rect">
+            <a:avLst/>
+          </a:prstGeom>
+          <a:solidFill>
+            <a:schemeClr val="accent1">
+              <a:lumMod val="60000"/>
+              <a:lumOff val="40000"/>
+            </a:schemeClr>
+          </a:solidFill>
+          <a:ln>
+            <a:solidFill>
+              <a:srgbClr val="0070C0"/>
+            </a:solidFill>
+          </a:ln>
+        </p:spPr>
+        <p:style>
+          <a:lnRef idx="2">
+            <a:schemeClr val="accent1">
+              <a:shade val="50000"/>
+            </a:schemeClr>
+          </a:lnRef>
+          <a:fillRef idx="1">
+            <a:schemeClr val="accent1"/>
+          </a:fillRef>
+          <a:effectRef idx="0">
+            <a:schemeClr val="accent1"/>
+          </a:effectRef>
+          <a:fontRef idx="minor">
+            <a:schemeClr val="lt1"/>
+          </a:fontRef>
+        </p:style>
+        <p:txBody>
+          <a:bodyPr rtlCol="0" anchor="ctr"/>
+          <a:lstStyle/>
+          <a:p>
+            <a:pPr algn="ctr"/>
+            <a:endParaRPr kumimoji="1" lang="ko-KR" altLang="en-US"/>
+          </a:p>
+        </p:txBody>
+      </p:sp>
+      <p:sp>
+        <p:nvSpPr>
+          <p:cNvPr id="75" name="직사각형 74"/>
+          <p:cNvSpPr/>
+          <p:nvPr/>
+        </p:nvSpPr>
+        <p:spPr>
+          <a:xfrm>
+            <a:off x="4876599" y="5586190"/>
+            <a:ext cx="39978" cy="39979"/>
+          </a:xfrm>
+          <a:prstGeom prst="rect">
+            <a:avLst/>
+          </a:prstGeom>
+          <a:solidFill>
+            <a:schemeClr val="tx1">
+              <a:lumMod val="75000"/>
+              <a:lumOff val="25000"/>
+            </a:schemeClr>
+          </a:solidFill>
+          <a:ln>
+            <a:solidFill>
+              <a:schemeClr val="tx1">
+                <a:lumMod val="50000"/>
+                <a:lumOff val="50000"/>
+              </a:schemeClr>
+            </a:solidFill>
+          </a:ln>
+        </p:spPr>
+        <p:style>
+          <a:lnRef idx="2">
+            <a:schemeClr val="accent1">
+              <a:shade val="50000"/>
+            </a:schemeClr>
+          </a:lnRef>
+          <a:fillRef idx="1">
+            <a:schemeClr val="accent1"/>
+          </a:fillRef>
+          <a:effectRef idx="0">
+            <a:schemeClr val="accent1"/>
+          </a:effectRef>
+          <a:fontRef idx="minor">
+            <a:schemeClr val="lt1"/>
+          </a:fontRef>
+        </p:style>
+        <p:txBody>
+          <a:bodyPr rtlCol="0" anchor="ctr"/>
+          <a:lstStyle/>
+          <a:p>
+            <a:pPr algn="ctr"/>
+            <a:endParaRPr kumimoji="1" lang="ko-KR" altLang="en-US"/>
+          </a:p>
+        </p:txBody>
+      </p:sp>
+      <p:sp>
+        <p:nvSpPr>
+          <p:cNvPr id="76" name="직사각형 75"/>
+          <p:cNvSpPr/>
+          <p:nvPr/>
+        </p:nvSpPr>
+        <p:spPr>
+          <a:xfrm>
+            <a:off x="4950831" y="5586190"/>
+            <a:ext cx="39978" cy="39979"/>
+          </a:xfrm>
+          <a:prstGeom prst="rect">
+            <a:avLst/>
+          </a:prstGeom>
+          <a:solidFill>
+            <a:schemeClr val="tx1">
+              <a:lumMod val="75000"/>
+              <a:lumOff val="25000"/>
+            </a:schemeClr>
+          </a:solidFill>
+          <a:ln>
+            <a:solidFill>
+              <a:schemeClr val="tx1">
+                <a:lumMod val="50000"/>
+                <a:lumOff val="50000"/>
+              </a:schemeClr>
+            </a:solidFill>
+          </a:ln>
+        </p:spPr>
+        <p:style>
+          <a:lnRef idx="2">
+            <a:schemeClr val="accent1">
+              <a:shade val="50000"/>
+            </a:schemeClr>
+          </a:lnRef>
+          <a:fillRef idx="1">
+            <a:schemeClr val="accent1"/>
+          </a:fillRef>
+          <a:effectRef idx="0">
+            <a:schemeClr val="accent1"/>
+          </a:effectRef>
+          <a:fontRef idx="minor">
+            <a:schemeClr val="lt1"/>
+          </a:fontRef>
+        </p:style>
+        <p:txBody>
+          <a:bodyPr rtlCol="0" anchor="ctr"/>
+          <a:lstStyle/>
+          <a:p>
+            <a:pPr algn="ctr"/>
+            <a:endParaRPr kumimoji="1" lang="ko-KR" altLang="en-US"/>
+          </a:p>
+        </p:txBody>
+      </p:sp>
+      <p:sp>
+        <p:nvSpPr>
+          <p:cNvPr id="78" name="직사각형 77"/>
+          <p:cNvSpPr/>
+          <p:nvPr/>
+        </p:nvSpPr>
+        <p:spPr>
+          <a:xfrm>
+            <a:off x="5025064" y="5585001"/>
+            <a:ext cx="39978" cy="39979"/>
+          </a:xfrm>
+          <a:prstGeom prst="rect">
+            <a:avLst/>
+          </a:prstGeom>
+          <a:solidFill>
+            <a:schemeClr val="tx1">
+              <a:lumMod val="75000"/>
+              <a:lumOff val="25000"/>
+            </a:schemeClr>
+          </a:solidFill>
+          <a:ln>
+            <a:solidFill>
+              <a:schemeClr val="tx1">
+                <a:lumMod val="50000"/>
+                <a:lumOff val="50000"/>
+              </a:schemeClr>
+            </a:solidFill>
+          </a:ln>
+        </p:spPr>
+        <p:style>
+          <a:lnRef idx="2">
+            <a:schemeClr val="accent1">
+              <a:shade val="50000"/>
+            </a:schemeClr>
+          </a:lnRef>
+          <a:fillRef idx="1">
+            <a:schemeClr val="accent1"/>
+          </a:fillRef>
+          <a:effectRef idx="0">
+            <a:schemeClr val="accent1"/>
+          </a:effectRef>
+          <a:fontRef idx="minor">
+            <a:schemeClr val="lt1"/>
+          </a:fontRef>
+        </p:style>
+        <p:txBody>
+          <a:bodyPr rtlCol="0" anchor="ctr"/>
+          <a:lstStyle/>
+          <a:p>
+            <a:pPr algn="ctr"/>
+            <a:endParaRPr kumimoji="1" lang="ko-KR" altLang="en-US"/>
+          </a:p>
+        </p:txBody>
+      </p:sp>
+      <p:pic>
+        <p:nvPicPr>
+          <p:cNvPr id="40" name="그림 39"/>
+          <p:cNvPicPr>
+            <a:picLocks noChangeAspect="1"/>
+          </p:cNvPicPr>
+          <p:nvPr/>
+        </p:nvPicPr>
+        <p:blipFill>
+          <a:blip r:embed="rId5"/>
+          <a:stretch>
+            <a:fillRect/>
+          </a:stretch>
+        </p:blipFill>
+        <p:spPr>
+          <a:xfrm>
+            <a:off x="4656383" y="4287616"/>
+            <a:ext cx="2432067" cy="662582"/>
+          </a:xfrm>
+          <a:prstGeom prst="rect">
+            <a:avLst/>
+          </a:prstGeom>
+        </p:spPr>
+      </p:pic>
+      <p:sp>
+        <p:nvSpPr>
+          <p:cNvPr id="44" name="텍스트 상자 43"/>
+          <p:cNvSpPr txBox="1"/>
+          <p:nvPr/>
+        </p:nvSpPr>
+        <p:spPr>
+          <a:xfrm>
+            <a:off x="4609727" y="4890239"/>
+            <a:ext cx="1170513" cy="246221"/>
+          </a:xfrm>
+          <a:prstGeom prst="rect">
+            <a:avLst/>
+          </a:prstGeom>
+          <a:noFill/>
+        </p:spPr>
+        <p:txBody>
+          <a:bodyPr wrap="none" rtlCol="0">
+            <a:spAutoFit/>
+          </a:bodyPr>
+          <a:lstStyle/>
+          <a:p>
+            <a:r>
+              <a:rPr kumimoji="1" lang="en-US" altLang="ko-KR" sz="1000" b="1" dirty="0" smtClean="0"/>
+              <a:t>Primary Storage</a:t>
+            </a:r>
+            <a:endParaRPr kumimoji="1" lang="ko-KR" altLang="en-US" sz="1000" b="1" dirty="0"/>
+          </a:p>
+        </p:txBody>
+      </p:sp>
+      <p:grpSp>
+        <p:nvGrpSpPr>
+          <p:cNvPr id="80" name="그룹 79"/>
+          <p:cNvGrpSpPr/>
+          <p:nvPr/>
+        </p:nvGrpSpPr>
+        <p:grpSpPr>
+          <a:xfrm>
+            <a:off x="4802366" y="4507142"/>
+            <a:ext cx="262675" cy="41168"/>
+            <a:chOff x="4625744" y="5700105"/>
+            <a:chExt cx="300394" cy="47079"/>
+          </a:xfrm>
+        </p:grpSpPr>
+        <p:sp>
+          <p:nvSpPr>
+            <p:cNvPr id="81" name="직사각형 80"/>
+            <p:cNvSpPr/>
+            <p:nvPr/>
+          </p:nvSpPr>
+          <p:spPr>
+            <a:xfrm>
+              <a:off x="4625744" y="5701465"/>
+              <a:ext cx="45719" cy="45719"/>
+            </a:xfrm>
+            <a:prstGeom prst="rect">
+              <a:avLst/>
+            </a:prstGeom>
+            <a:solidFill>
+              <a:schemeClr val="accent1">
+                <a:lumMod val="60000"/>
+                <a:lumOff val="40000"/>
+              </a:schemeClr>
+            </a:solidFill>
+            <a:ln>
+              <a:solidFill>
+                <a:srgbClr val="0070C0"/>
+              </a:solidFill>
+            </a:ln>
+          </p:spPr>
+          <p:style>
+            <a:lnRef idx="2">
+              <a:schemeClr val="accent1">
+                <a:shade val="50000"/>
+              </a:schemeClr>
+            </a:lnRef>
+            <a:fillRef idx="1">
+              <a:schemeClr val="accent1"/>
+            </a:fillRef>
+            <a:effectRef idx="0">
+              <a:schemeClr val="accent1"/>
+            </a:effectRef>
+            <a:fontRef idx="minor">
+              <a:schemeClr val="lt1"/>
+            </a:fontRef>
+          </p:style>
+          <p:txBody>
+            <a:bodyPr rtlCol="0" anchor="ctr"/>
+            <a:lstStyle/>
+            <a:p>
+              <a:pPr algn="ctr"/>
+              <a:endParaRPr kumimoji="1" lang="ko-KR" altLang="en-US" sz="1000"/>
+            </a:p>
+          </p:txBody>
+        </p:sp>
+        <p:sp>
+          <p:nvSpPr>
+            <p:cNvPr id="82" name="직사각형 81"/>
+            <p:cNvSpPr/>
+            <p:nvPr/>
+          </p:nvSpPr>
+          <p:spPr>
+            <a:xfrm>
+              <a:off x="4710635" y="5701465"/>
+              <a:ext cx="45719" cy="45719"/>
+            </a:xfrm>
+            <a:prstGeom prst="rect">
+              <a:avLst/>
+            </a:prstGeom>
+            <a:solidFill>
+              <a:schemeClr val="tx1">
+                <a:lumMod val="75000"/>
+                <a:lumOff val="25000"/>
+              </a:schemeClr>
+            </a:solidFill>
+            <a:ln>
+              <a:solidFill>
+                <a:schemeClr val="tx1">
+                  <a:lumMod val="50000"/>
+                  <a:lumOff val="50000"/>
+                </a:schemeClr>
+              </a:solidFill>
+            </a:ln>
+          </p:spPr>
+          <p:style>
+            <a:lnRef idx="2">
+              <a:schemeClr val="accent1">
+                <a:shade val="50000"/>
+              </a:schemeClr>
+            </a:lnRef>
+            <a:fillRef idx="1">
+              <a:schemeClr val="accent1"/>
+            </a:fillRef>
+            <a:effectRef idx="0">
+              <a:schemeClr val="accent1"/>
+            </a:effectRef>
+            <a:fontRef idx="minor">
+              <a:schemeClr val="lt1"/>
+            </a:fontRef>
+          </p:style>
+          <p:txBody>
+            <a:bodyPr rtlCol="0" anchor="ctr"/>
+            <a:lstStyle/>
+            <a:p>
+              <a:pPr algn="ctr"/>
+              <a:endParaRPr kumimoji="1" lang="ko-KR" altLang="en-US" sz="1000"/>
+            </a:p>
+          </p:txBody>
+        </p:sp>
+        <p:sp>
+          <p:nvSpPr>
+            <p:cNvPr id="83" name="직사각형 82"/>
+            <p:cNvSpPr/>
+            <p:nvPr/>
+          </p:nvSpPr>
+          <p:spPr>
+            <a:xfrm>
+              <a:off x="4795527" y="5701465"/>
+              <a:ext cx="45719" cy="45719"/>
+            </a:xfrm>
+            <a:prstGeom prst="rect">
+              <a:avLst/>
+            </a:prstGeom>
+            <a:solidFill>
+              <a:schemeClr val="tx1">
+                <a:lumMod val="75000"/>
+                <a:lumOff val="25000"/>
+              </a:schemeClr>
+            </a:solidFill>
+            <a:ln>
+              <a:solidFill>
+                <a:schemeClr val="tx1">
+                  <a:lumMod val="50000"/>
+                  <a:lumOff val="50000"/>
+                </a:schemeClr>
+              </a:solidFill>
+            </a:ln>
+          </p:spPr>
+          <p:style>
+            <a:lnRef idx="2">
+              <a:schemeClr val="accent1">
+                <a:shade val="50000"/>
+              </a:schemeClr>
+            </a:lnRef>
+            <a:fillRef idx="1">
+              <a:schemeClr val="accent1"/>
+            </a:fillRef>
+            <a:effectRef idx="0">
+              <a:schemeClr val="accent1"/>
+            </a:effectRef>
+            <a:fontRef idx="minor">
+              <a:schemeClr val="lt1"/>
+            </a:fontRef>
+          </p:style>
+          <p:txBody>
+            <a:bodyPr rtlCol="0" anchor="ctr"/>
+            <a:lstStyle/>
+            <a:p>
+              <a:pPr algn="ctr"/>
+              <a:endParaRPr kumimoji="1" lang="ko-KR" altLang="en-US" sz="1000"/>
+            </a:p>
+          </p:txBody>
+        </p:sp>
+        <p:sp>
+          <p:nvSpPr>
+            <p:cNvPr id="84" name="직사각형 83"/>
+            <p:cNvSpPr/>
+            <p:nvPr/>
+          </p:nvSpPr>
+          <p:spPr>
+            <a:xfrm>
+              <a:off x="4880419" y="5700105"/>
+              <a:ext cx="45719" cy="45719"/>
+            </a:xfrm>
+            <a:prstGeom prst="rect">
+              <a:avLst/>
+            </a:prstGeom>
+            <a:solidFill>
+              <a:schemeClr val="tx1">
+                <a:lumMod val="75000"/>
+                <a:lumOff val="25000"/>
+              </a:schemeClr>
+            </a:solidFill>
+            <a:ln>
+              <a:solidFill>
+                <a:schemeClr val="tx1">
+                  <a:lumMod val="50000"/>
+                  <a:lumOff val="50000"/>
+                </a:schemeClr>
+              </a:solidFill>
+            </a:ln>
+          </p:spPr>
+          <p:style>
+            <a:lnRef idx="2">
+              <a:schemeClr val="accent1">
+                <a:shade val="50000"/>
+              </a:schemeClr>
+            </a:lnRef>
+            <a:fillRef idx="1">
+              <a:schemeClr val="accent1"/>
+            </a:fillRef>
+            <a:effectRef idx="0">
+              <a:schemeClr val="accent1"/>
+            </a:effectRef>
+            <a:fontRef idx="minor">
+              <a:schemeClr val="lt1"/>
+            </a:fontRef>
+          </p:style>
+          <p:txBody>
+            <a:bodyPr rtlCol="0" anchor="ctr"/>
+            <a:lstStyle/>
+            <a:p>
+              <a:pPr algn="ctr"/>
+              <a:endParaRPr kumimoji="1" lang="ko-KR" altLang="en-US" sz="1000"/>
+            </a:p>
+          </p:txBody>
+        </p:sp>
+      </p:grpSp>
+      <p:cxnSp>
+        <p:nvCxnSpPr>
+          <p:cNvPr id="85" name="꺾인 연결선[E] 84"/>
+          <p:cNvCxnSpPr>
+            <a:stCxn id="25" idx="2"/>
+            <a:endCxn id="74" idx="0"/>
+          </p:cNvCxnSpPr>
+          <p:nvPr/>
+        </p:nvCxnSpPr>
+        <p:spPr>
+          <a:xfrm rot="16200000" flipH="1">
+            <a:off x="2394507" y="3158340"/>
+            <a:ext cx="2878643" cy="1977056"/>
+          </a:xfrm>
+          <a:prstGeom prst="bentConnector3">
+            <a:avLst>
+              <a:gd name="adj1" fmla="val 89681"/>
+            </a:avLst>
+          </a:prstGeom>
+        </p:spPr>
+        <p:style>
+          <a:lnRef idx="1">
+            <a:schemeClr val="accent1"/>
+          </a:lnRef>
+          <a:fillRef idx="0">
+            <a:schemeClr val="accent1"/>
+          </a:fillRef>
+          <a:effectRef idx="0">
+            <a:schemeClr val="accent1"/>
+          </a:effectRef>
+          <a:fontRef idx="minor">
+            <a:schemeClr val="tx1"/>
+          </a:fontRef>
+        </p:style>
+      </p:cxnSp>
+      <p:cxnSp>
+        <p:nvCxnSpPr>
+          <p:cNvPr id="90" name="꺾인 연결선[E] 89"/>
+          <p:cNvCxnSpPr>
+            <a:stCxn id="26" idx="2"/>
+            <a:endCxn id="81" idx="0"/>
+          </p:cNvCxnSpPr>
+          <p:nvPr/>
+        </p:nvCxnSpPr>
+        <p:spPr>
+          <a:xfrm rot="16200000" flipH="1">
+            <a:off x="2970554" y="2656526"/>
+            <a:ext cx="1800783" cy="1902824"/>
+          </a:xfrm>
+          <a:prstGeom prst="bentConnector3">
+            <a:avLst>
+              <a:gd name="adj1" fmla="val 87606"/>
+            </a:avLst>
+          </a:prstGeom>
+        </p:spPr>
+        <p:style>
+          <a:lnRef idx="1">
+            <a:schemeClr val="accent1"/>
+          </a:lnRef>
+          <a:fillRef idx="0">
+            <a:schemeClr val="accent1"/>
+          </a:fillRef>
+          <a:effectRef idx="0">
+            <a:schemeClr val="accent1"/>
+          </a:effectRef>
+          <a:fontRef idx="minor">
+            <a:schemeClr val="tx1"/>
+          </a:fontRef>
+        </p:style>
+      </p:cxnSp>
+      <p:cxnSp>
+        <p:nvCxnSpPr>
+          <p:cNvPr id="94" name="꺾인 연결선[E] 93"/>
+          <p:cNvCxnSpPr>
+            <a:stCxn id="28" idx="2"/>
+            <a:endCxn id="58" idx="0"/>
+          </p:cNvCxnSpPr>
+          <p:nvPr/>
+        </p:nvCxnSpPr>
+        <p:spPr>
+          <a:xfrm rot="16200000" flipH="1">
+            <a:off x="3920440" y="1855103"/>
+            <a:ext cx="882147" cy="2587034"/>
+          </a:xfrm>
+          <a:prstGeom prst="bentConnector3">
+            <a:avLst>
+              <a:gd name="adj1" fmla="val 56294"/>
+            </a:avLst>
+          </a:prstGeom>
+        </p:spPr>
+        <p:style>
+          <a:lnRef idx="1">
+            <a:schemeClr val="accent1"/>
+          </a:lnRef>
+          <a:fillRef idx="0">
+            <a:schemeClr val="accent1"/>
+          </a:fillRef>
+          <a:effectRef idx="0">
+            <a:schemeClr val="accent1"/>
+          </a:effectRef>
+          <a:fontRef idx="minor">
+            <a:schemeClr val="tx1"/>
+          </a:fontRef>
+        </p:style>
+      </p:cxnSp>
+      <p:cxnSp>
+        <p:nvCxnSpPr>
+          <p:cNvPr id="99" name="꺾인 연결선[E] 98"/>
+          <p:cNvCxnSpPr>
+            <a:stCxn id="27" idx="2"/>
+            <a:endCxn id="66" idx="0"/>
+          </p:cNvCxnSpPr>
+          <p:nvPr/>
+        </p:nvCxnSpPr>
+        <p:spPr>
+          <a:xfrm rot="16200000" flipH="1">
+            <a:off x="4941155" y="760156"/>
+            <a:ext cx="1909576" cy="5804357"/>
+          </a:xfrm>
+          <a:prstGeom prst="bentConnector3">
+            <a:avLst>
+              <a:gd name="adj1" fmla="val 78200"/>
+            </a:avLst>
+          </a:prstGeom>
+        </p:spPr>
+        <p:style>
+          <a:lnRef idx="1">
+            <a:schemeClr val="accent1"/>
+          </a:lnRef>
+          <a:fillRef idx="0">
+            <a:schemeClr val="accent1"/>
+          </a:fillRef>
+          <a:effectRef idx="0">
+            <a:schemeClr val="accent1"/>
+          </a:effectRef>
+          <a:fontRef idx="minor">
+            <a:schemeClr val="tx1"/>
+          </a:fontRef>
+        </p:style>
+      </p:cxnSp>
+      <p:cxnSp>
+        <p:nvCxnSpPr>
+          <p:cNvPr id="108" name="꺾인 연결선[E] 107"/>
+          <p:cNvCxnSpPr>
+            <a:stCxn id="29" idx="2"/>
+            <a:endCxn id="62" idx="0"/>
+          </p:cNvCxnSpPr>
+          <p:nvPr/>
+        </p:nvCxnSpPr>
+        <p:spPr>
+          <a:xfrm rot="16200000" flipH="1">
+            <a:off x="5534001" y="315775"/>
+            <a:ext cx="872349" cy="5655893"/>
+          </a:xfrm>
+          <a:prstGeom prst="bentConnector3">
+            <a:avLst>
+              <a:gd name="adj1" fmla="val 48129"/>
+            </a:avLst>
+          </a:prstGeom>
+        </p:spPr>
+        <p:style>
+          <a:lnRef idx="1">
+            <a:schemeClr val="accent1"/>
+          </a:lnRef>
+          <a:fillRef idx="0">
+            <a:schemeClr val="accent1"/>
+          </a:fillRef>
+          <a:effectRef idx="0">
+            <a:schemeClr val="accent1"/>
+          </a:effectRef>
+          <a:fontRef idx="minor">
+            <a:schemeClr val="tx1"/>
+          </a:fontRef>
+        </p:style>
+      </p:cxnSp>
+      <p:cxnSp>
+        <p:nvCxnSpPr>
+          <p:cNvPr id="112" name="꺾인 연결선[E] 111"/>
+          <p:cNvCxnSpPr>
+            <a:stCxn id="30" idx="2"/>
+            <a:endCxn id="59" idx="0"/>
+          </p:cNvCxnSpPr>
+          <p:nvPr/>
+        </p:nvCxnSpPr>
+        <p:spPr>
+          <a:xfrm rot="16200000" flipH="1">
+            <a:off x="4827750" y="2688182"/>
+            <a:ext cx="890282" cy="912742"/>
+          </a:xfrm>
+          <a:prstGeom prst="bentConnector3">
+            <a:avLst>
+              <a:gd name="adj1" fmla="val 36061"/>
+            </a:avLst>
+          </a:prstGeom>
+          <a:ln>
+            <a:solidFill>
+              <a:srgbClr val="FF0000"/>
+            </a:solidFill>
+          </a:ln>
+        </p:spPr>
+        <p:style>
+          <a:lnRef idx="1">
+            <a:schemeClr val="accent1"/>
+          </a:lnRef>
+          <a:fillRef idx="0">
+            <a:schemeClr val="accent1"/>
+          </a:fillRef>
+          <a:effectRef idx="0">
+            <a:schemeClr val="accent1"/>
+          </a:effectRef>
+          <a:fontRef idx="minor">
+            <a:schemeClr val="tx1"/>
+          </a:fontRef>
+        </p:style>
+      </p:cxnSp>
+      <p:cxnSp>
+        <p:nvCxnSpPr>
+          <p:cNvPr id="116" name="꺾인 연결선[E] 115"/>
+          <p:cNvCxnSpPr>
+            <a:stCxn id="31" idx="2"/>
+            <a:endCxn id="138" idx="0"/>
+          </p:cNvCxnSpPr>
+          <p:nvPr/>
+        </p:nvCxnSpPr>
+        <p:spPr>
+          <a:xfrm rot="16200000" flipH="1">
+            <a:off x="5592380" y="1997783"/>
+            <a:ext cx="868628" cy="2271885"/>
+          </a:xfrm>
+          <a:prstGeom prst="bentConnector3">
+            <a:avLst>
+              <a:gd name="adj1" fmla="val 28085"/>
+            </a:avLst>
+          </a:prstGeom>
+          <a:ln>
+            <a:solidFill>
+              <a:srgbClr val="FF0000"/>
+            </a:solidFill>
+          </a:ln>
+        </p:spPr>
+        <p:style>
+          <a:lnRef idx="1">
+            <a:schemeClr val="accent1"/>
+          </a:lnRef>
+          <a:fillRef idx="0">
+            <a:schemeClr val="accent1"/>
+          </a:fillRef>
+          <a:effectRef idx="0">
+            <a:schemeClr val="accent1"/>
+          </a:effectRef>
+          <a:fontRef idx="minor">
+            <a:schemeClr val="tx1"/>
+          </a:fontRef>
+        </p:style>
+      </p:cxnSp>
+      <p:cxnSp>
+        <p:nvCxnSpPr>
+          <p:cNvPr id="120" name="꺾인 연결선[E] 119"/>
+          <p:cNvCxnSpPr>
+            <a:stCxn id="32" idx="2"/>
+            <a:endCxn id="63" idx="0"/>
+          </p:cNvCxnSpPr>
+          <p:nvPr/>
+        </p:nvCxnSpPr>
+        <p:spPr>
+          <a:xfrm rot="16200000" flipH="1">
+            <a:off x="6478428" y="1185969"/>
+            <a:ext cx="880484" cy="3907369"/>
+          </a:xfrm>
+          <a:prstGeom prst="bentConnector3">
+            <a:avLst>
+              <a:gd name="adj1" fmla="val 20347"/>
+            </a:avLst>
+          </a:prstGeom>
+          <a:ln>
+            <a:solidFill>
+              <a:srgbClr val="FF0000"/>
+            </a:solidFill>
+          </a:ln>
+        </p:spPr>
+        <p:style>
+          <a:lnRef idx="1">
+            <a:schemeClr val="accent1"/>
+          </a:lnRef>
+          <a:fillRef idx="0">
+            <a:schemeClr val="accent1"/>
+          </a:fillRef>
+          <a:effectRef idx="0">
+            <a:schemeClr val="accent1"/>
+          </a:effectRef>
+          <a:fontRef idx="minor">
+            <a:schemeClr val="tx1"/>
+          </a:fontRef>
+        </p:style>
+      </p:cxnSp>
+      <p:cxnSp>
+        <p:nvCxnSpPr>
+          <p:cNvPr id="125" name="꺾인 연결선[E] 124"/>
+          <p:cNvCxnSpPr>
+            <a:stCxn id="37" idx="2"/>
+            <a:endCxn id="64" idx="0"/>
+          </p:cNvCxnSpPr>
+          <p:nvPr/>
+        </p:nvCxnSpPr>
+        <p:spPr>
+          <a:xfrm rot="5400000">
+            <a:off x="8557478" y="3096654"/>
+            <a:ext cx="872350" cy="94133"/>
+          </a:xfrm>
+          <a:prstGeom prst="bentConnector3">
+            <a:avLst>
+              <a:gd name="adj1" fmla="val 50000"/>
+            </a:avLst>
+          </a:prstGeom>
+          <a:ln>
+            <a:solidFill>
+              <a:srgbClr val="00B050"/>
+            </a:solidFill>
+          </a:ln>
+        </p:spPr>
+        <p:style>
+          <a:lnRef idx="1">
+            <a:schemeClr val="accent1"/>
+          </a:lnRef>
+          <a:fillRef idx="0">
+            <a:schemeClr val="accent1"/>
+          </a:fillRef>
+          <a:effectRef idx="0">
+            <a:schemeClr val="accent1"/>
+          </a:effectRef>
+          <a:fontRef idx="minor">
+            <a:schemeClr val="tx1"/>
+          </a:fontRef>
+        </p:style>
+      </p:cxnSp>
+      <p:cxnSp>
+        <p:nvCxnSpPr>
+          <p:cNvPr id="128" name="꺾인 연결선[E] 127"/>
+          <p:cNvCxnSpPr>
+            <a:stCxn id="38" idx="2"/>
+            <a:endCxn id="132" idx="0"/>
+          </p:cNvCxnSpPr>
+          <p:nvPr/>
+        </p:nvCxnSpPr>
+        <p:spPr>
+          <a:xfrm rot="16200000" flipH="1">
+            <a:off x="9384086" y="2438411"/>
+            <a:ext cx="694820" cy="1233089"/>
+          </a:xfrm>
+          <a:prstGeom prst="bentConnector3">
+            <a:avLst>
+              <a:gd name="adj1" fmla="val 62231"/>
+            </a:avLst>
+          </a:prstGeom>
+          <a:ln>
+            <a:solidFill>
+              <a:srgbClr val="00B050"/>
+            </a:solidFill>
+          </a:ln>
+        </p:spPr>
+        <p:style>
+          <a:lnRef idx="1">
+            <a:schemeClr val="accent1"/>
+          </a:lnRef>
+          <a:fillRef idx="0">
+            <a:schemeClr val="accent1"/>
+          </a:fillRef>
+          <a:effectRef idx="0">
+            <a:schemeClr val="accent1"/>
+          </a:effectRef>
+          <a:fontRef idx="minor">
+            <a:schemeClr val="tx1"/>
+          </a:fontRef>
+        </p:style>
+      </p:cxnSp>
+      <p:cxnSp>
+        <p:nvCxnSpPr>
+          <p:cNvPr id="135" name="꺾인 연결선[E] 134"/>
+          <p:cNvCxnSpPr>
+            <a:stCxn id="132" idx="2"/>
+            <a:endCxn id="68" idx="0"/>
+          </p:cNvCxnSpPr>
+          <p:nvPr/>
+        </p:nvCxnSpPr>
+        <p:spPr>
+          <a:xfrm rot="5400000">
+            <a:off x="9039936" y="3309018"/>
+            <a:ext cx="1214757" cy="1401455"/>
+          </a:xfrm>
+          <a:prstGeom prst="bentConnector3">
+            <a:avLst>
+              <a:gd name="adj1" fmla="val 56716"/>
+            </a:avLst>
+          </a:prstGeom>
+          <a:ln>
+            <a:solidFill>
+              <a:srgbClr val="00B050"/>
+            </a:solidFill>
+          </a:ln>
+        </p:spPr>
+        <p:style>
+          <a:lnRef idx="1">
+            <a:schemeClr val="accent1"/>
+          </a:lnRef>
+          <a:fillRef idx="0">
+            <a:schemeClr val="accent1"/>
+          </a:fillRef>
+          <a:effectRef idx="0">
+            <a:schemeClr val="accent1"/>
+          </a:effectRef>
+          <a:fontRef idx="minor">
+            <a:schemeClr val="tx1"/>
+          </a:fontRef>
+        </p:style>
+      </p:cxnSp>
+      <p:cxnSp>
+        <p:nvCxnSpPr>
+          <p:cNvPr id="142" name="꺾인 연결선[E] 141"/>
+          <p:cNvCxnSpPr>
+            <a:stCxn id="138" idx="2"/>
+            <a:endCxn id="67" idx="0"/>
+          </p:cNvCxnSpPr>
+          <p:nvPr/>
+        </p:nvCxnSpPr>
+        <p:spPr>
+          <a:xfrm rot="16200000" flipH="1">
+            <a:off x="7492954" y="3237724"/>
+            <a:ext cx="1049083" cy="1709716"/>
+          </a:xfrm>
+          <a:prstGeom prst="bentConnector3">
+            <a:avLst>
+              <a:gd name="adj1" fmla="val 50000"/>
+            </a:avLst>
+          </a:prstGeom>
+          <a:ln>
+            <a:solidFill>
+              <a:srgbClr val="FF0000"/>
+            </a:solidFill>
+          </a:ln>
+        </p:spPr>
+        <p:style>
+          <a:lnRef idx="1">
+            <a:schemeClr val="accent1"/>
+          </a:lnRef>
+          <a:fillRef idx="0">
+            <a:schemeClr val="accent1"/>
+          </a:fillRef>
+          <a:effectRef idx="0">
+            <a:schemeClr val="accent1"/>
+          </a:effectRef>
+          <a:fontRef idx="minor">
+            <a:schemeClr val="tx1"/>
+          </a:fontRef>
+        </p:style>
+      </p:cxnSp>
+      <p:grpSp>
+        <p:nvGrpSpPr>
+          <p:cNvPr id="159" name="그룹 158"/>
+          <p:cNvGrpSpPr/>
+          <p:nvPr/>
+        </p:nvGrpSpPr>
+        <p:grpSpPr>
+          <a:xfrm>
+            <a:off x="391886" y="5359478"/>
+            <a:ext cx="1808315" cy="726971"/>
+            <a:chOff x="391886" y="5246216"/>
+            <a:chExt cx="1808315" cy="726971"/>
+          </a:xfrm>
+        </p:grpSpPr>
+        <p:grpSp>
+          <p:nvGrpSpPr>
+            <p:cNvPr id="157" name="그룹 156"/>
+            <p:cNvGrpSpPr/>
+            <p:nvPr/>
+          </p:nvGrpSpPr>
+          <p:grpSpPr>
+            <a:xfrm>
+              <a:off x="391886" y="5246216"/>
+              <a:ext cx="1808315" cy="230832"/>
+              <a:chOff x="391886" y="5246216"/>
+              <a:chExt cx="1808315" cy="230832"/>
+            </a:xfrm>
+          </p:grpSpPr>
+          <p:cxnSp>
+            <p:nvCxnSpPr>
+              <p:cNvPr id="149" name="직선 연결선[R] 148"/>
+              <p:cNvCxnSpPr/>
+              <p:nvPr/>
+            </p:nvCxnSpPr>
+            <p:spPr>
+              <a:xfrm>
+                <a:off x="391886" y="5361632"/>
+                <a:ext cx="108000" cy="0"/>
+              </a:xfrm>
+              <a:prstGeom prst="line">
+                <a:avLst/>
+              </a:prstGeom>
+              <a:ln w="50800"/>
+            </p:spPr>
+            <p:style>
+              <a:lnRef idx="1">
+                <a:schemeClr val="accent1"/>
+              </a:lnRef>
+              <a:fillRef idx="0">
+                <a:schemeClr val="accent1"/>
+              </a:fillRef>
+              <a:effectRef idx="0">
+                <a:schemeClr val="accent1"/>
+              </a:effectRef>
+              <a:fontRef idx="minor">
+                <a:schemeClr val="tx1"/>
+              </a:fontRef>
+            </p:style>
+          </p:cxnSp>
+          <p:sp>
+            <p:nvSpPr>
+              <p:cNvPr id="153" name="텍스트 상자 152"/>
+              <p:cNvSpPr txBox="1"/>
+              <p:nvPr/>
+            </p:nvSpPr>
+            <p:spPr>
+              <a:xfrm>
+                <a:off x="515124" y="5246216"/>
+                <a:ext cx="1685077" cy="230832"/>
+              </a:xfrm>
+              <a:prstGeom prst="rect">
+                <a:avLst/>
+              </a:prstGeom>
+              <a:noFill/>
+            </p:spPr>
+            <p:txBody>
+              <a:bodyPr wrap="none" rtlCol="0">
+                <a:spAutoFit/>
+              </a:bodyPr>
+              <a:lstStyle/>
+              <a:p>
+                <a:r>
+                  <a:rPr kumimoji="1" lang="en-US" altLang="ko-KR" sz="900" smtClean="0"/>
+                  <a:t>Management/Storage Traffic</a:t>
+                </a:r>
+                <a:endParaRPr kumimoji="1" lang="ko-KR" altLang="en-US" sz="900" dirty="0"/>
+              </a:p>
+            </p:txBody>
+          </p:sp>
+        </p:grpSp>
+        <p:grpSp>
+          <p:nvGrpSpPr>
+            <p:cNvPr id="156" name="그룹 155"/>
+            <p:cNvGrpSpPr/>
+            <p:nvPr/>
+          </p:nvGrpSpPr>
+          <p:grpSpPr>
+            <a:xfrm>
+              <a:off x="391886" y="5494285"/>
+              <a:ext cx="939487" cy="230832"/>
+              <a:chOff x="391886" y="5537380"/>
+              <a:chExt cx="939487" cy="230832"/>
+            </a:xfrm>
+          </p:grpSpPr>
+          <p:cxnSp>
+            <p:nvCxnSpPr>
+              <p:cNvPr id="151" name="직선 연결선[R] 150"/>
+              <p:cNvCxnSpPr/>
+              <p:nvPr/>
+            </p:nvCxnSpPr>
+            <p:spPr>
+              <a:xfrm>
+                <a:off x="391886" y="5652796"/>
+                <a:ext cx="108000" cy="0"/>
+              </a:xfrm>
+              <a:prstGeom prst="line">
+                <a:avLst/>
+              </a:prstGeom>
+              <a:ln w="50800">
+                <a:solidFill>
+                  <a:srgbClr val="FF0000"/>
+                </a:solidFill>
+              </a:ln>
+            </p:spPr>
+            <p:style>
+              <a:lnRef idx="1">
+                <a:schemeClr val="accent1"/>
+              </a:lnRef>
+              <a:fillRef idx="0">
+                <a:schemeClr val="accent1"/>
+              </a:fillRef>
+              <a:effectRef idx="0">
+                <a:schemeClr val="accent1"/>
+              </a:effectRef>
+              <a:fontRef idx="minor">
+                <a:schemeClr val="tx1"/>
+              </a:fontRef>
+            </p:style>
+          </p:cxnSp>
+          <p:sp>
+            <p:nvSpPr>
+              <p:cNvPr id="154" name="텍스트 상자 153"/>
+              <p:cNvSpPr txBox="1"/>
+              <p:nvPr/>
+            </p:nvSpPr>
+            <p:spPr>
+              <a:xfrm>
+                <a:off x="515124" y="5537380"/>
+                <a:ext cx="816249" cy="230832"/>
+              </a:xfrm>
+              <a:prstGeom prst="rect">
+                <a:avLst/>
+              </a:prstGeom>
+              <a:noFill/>
+            </p:spPr>
+            <p:txBody>
+              <a:bodyPr wrap="none" rtlCol="0">
+                <a:spAutoFit/>
+              </a:bodyPr>
+              <a:lstStyle/>
+              <a:p>
+                <a:r>
+                  <a:rPr kumimoji="1" lang="en-US" altLang="ko-KR" sz="900" dirty="0" err="1" smtClean="0"/>
+                  <a:t>PublicTraffic</a:t>
+                </a:r>
+                <a:endParaRPr kumimoji="1" lang="ko-KR" altLang="en-US" sz="900" dirty="0"/>
+              </a:p>
+            </p:txBody>
+          </p:sp>
+        </p:grpSp>
+        <p:grpSp>
+          <p:nvGrpSpPr>
+            <p:cNvPr id="158" name="그룹 157"/>
+            <p:cNvGrpSpPr/>
+            <p:nvPr/>
+          </p:nvGrpSpPr>
+          <p:grpSpPr>
+            <a:xfrm>
+              <a:off x="391886" y="5742355"/>
+              <a:ext cx="926663" cy="230832"/>
+              <a:chOff x="391886" y="5742355"/>
+              <a:chExt cx="926663" cy="230832"/>
+            </a:xfrm>
+          </p:grpSpPr>
+          <p:cxnSp>
+            <p:nvCxnSpPr>
+              <p:cNvPr id="152" name="직선 연결선[R] 151"/>
+              <p:cNvCxnSpPr/>
+              <p:nvPr/>
+            </p:nvCxnSpPr>
+            <p:spPr>
+              <a:xfrm>
+                <a:off x="391886" y="5857771"/>
+                <a:ext cx="108000" cy="0"/>
+              </a:xfrm>
+              <a:prstGeom prst="line">
+                <a:avLst/>
+              </a:prstGeom>
+              <a:ln w="50800">
+                <a:solidFill>
+                  <a:srgbClr val="00B050"/>
+                </a:solidFill>
+              </a:ln>
+            </p:spPr>
+            <p:style>
+              <a:lnRef idx="1">
+                <a:schemeClr val="accent1"/>
+              </a:lnRef>
+              <a:fillRef idx="0">
+                <a:schemeClr val="accent1"/>
+              </a:fillRef>
+              <a:effectRef idx="0">
+                <a:schemeClr val="accent1"/>
+              </a:effectRef>
+              <a:fontRef idx="minor">
+                <a:schemeClr val="tx1"/>
+              </a:fontRef>
+            </p:style>
+          </p:cxnSp>
+          <p:sp>
+            <p:nvSpPr>
+              <p:cNvPr id="155" name="텍스트 상자 154"/>
+              <p:cNvSpPr txBox="1"/>
+              <p:nvPr/>
+            </p:nvSpPr>
+            <p:spPr>
+              <a:xfrm>
+                <a:off x="515124" y="5742355"/>
+                <a:ext cx="803425" cy="230832"/>
+              </a:xfrm>
+              <a:prstGeom prst="rect">
+                <a:avLst/>
+              </a:prstGeom>
+              <a:noFill/>
+            </p:spPr>
+            <p:txBody>
+              <a:bodyPr wrap="none" rtlCol="0">
+                <a:spAutoFit/>
+              </a:bodyPr>
+              <a:lstStyle/>
+              <a:p>
+                <a:r>
+                  <a:rPr kumimoji="1" lang="en-US" altLang="ko-KR" sz="900" dirty="0" err="1" smtClean="0"/>
+                  <a:t>GuestTraffic</a:t>
+                </a:r>
+                <a:endParaRPr kumimoji="1" lang="ko-KR" altLang="en-US" sz="900" dirty="0"/>
+              </a:p>
+            </p:txBody>
+          </p:sp>
+        </p:grpSp>
+      </p:grpSp>
+      <p:pic>
+        <p:nvPicPr>
+          <p:cNvPr id="55" name="그림 54"/>
+          <p:cNvPicPr>
+            <a:picLocks noChangeAspect="1"/>
+          </p:cNvPicPr>
+          <p:nvPr/>
+        </p:nvPicPr>
+        <p:blipFill>
+          <a:blip r:embed="rId6">
+            <a:extLst>
+              <a:ext uri="{28A0092B-C50C-407E-A947-70E740481C1C}">
+                <a14:useLocalDpi xmlns:a14="http://schemas.microsoft.com/office/drawing/2010/main" val="0"/>
+              </a:ext>
+            </a:extLst>
+          </a:blip>
+          <a:stretch>
+            <a:fillRect/>
+          </a:stretch>
+        </p:blipFill>
+        <p:spPr>
+          <a:xfrm>
+            <a:off x="6162055" y="1083595"/>
+            <a:ext cx="775912" cy="480937"/>
+          </a:xfrm>
+          <a:prstGeom prst="rect">
+            <a:avLst/>
+          </a:prstGeom>
+        </p:spPr>
+      </p:pic>
+      <p:pic>
+        <p:nvPicPr>
+          <p:cNvPr id="103" name="그림 102"/>
+          <p:cNvPicPr>
+            <a:picLocks noChangeAspect="1"/>
+          </p:cNvPicPr>
+          <p:nvPr/>
+        </p:nvPicPr>
+        <p:blipFill>
+          <a:blip r:embed="rId6">
+            <a:extLst>
+              <a:ext uri="{28A0092B-C50C-407E-A947-70E740481C1C}">
+                <a14:useLocalDpi xmlns:a14="http://schemas.microsoft.com/office/drawing/2010/main" val="0"/>
+              </a:ext>
+            </a:extLst>
+          </a:blip>
+          <a:stretch>
+            <a:fillRect/>
+          </a:stretch>
+        </p:blipFill>
+        <p:spPr>
+          <a:xfrm>
+            <a:off x="6162055" y="253170"/>
+            <a:ext cx="775912" cy="480937"/>
+          </a:xfrm>
+          <a:prstGeom prst="rect">
+            <a:avLst/>
+          </a:prstGeom>
+        </p:spPr>
+      </p:pic>
+      <p:sp>
+        <p:nvSpPr>
+          <p:cNvPr id="104" name="텍스트 상자 103"/>
+          <p:cNvSpPr txBox="1"/>
+          <p:nvPr/>
+        </p:nvSpPr>
+        <p:spPr>
+          <a:xfrm>
+            <a:off x="7088449" y="241996"/>
+            <a:ext cx="1673856" cy="492443"/>
+          </a:xfrm>
+          <a:prstGeom prst="rect">
+            <a:avLst/>
+          </a:prstGeom>
+          <a:noFill/>
+        </p:spPr>
+        <p:txBody>
+          <a:bodyPr wrap="none" rtlCol="0">
+            <a:spAutoFit/>
+          </a:bodyPr>
+          <a:lstStyle/>
+          <a:p>
+            <a:r>
+              <a:rPr kumimoji="1" lang="en-US" altLang="ko-KR" sz="1000" b="1" dirty="0" smtClean="0"/>
+              <a:t>Amazon Web Service S3</a:t>
+            </a:r>
+          </a:p>
+          <a:p>
+            <a:pPr marL="92075" indent="-92075">
+              <a:buFont typeface="Arial" charset="0"/>
+              <a:buChar char="•"/>
+            </a:pPr>
+            <a:r>
+              <a:rPr kumimoji="1" lang="en-US" altLang="ko-KR" sz="800" dirty="0" smtClean="0"/>
+              <a:t>User Account</a:t>
+            </a:r>
+          </a:p>
+          <a:p>
+            <a:pPr marL="92075" indent="-92075">
+              <a:buFont typeface="Arial" charset="0"/>
+              <a:buChar char="•"/>
+            </a:pPr>
+            <a:r>
+              <a:rPr kumimoji="1" lang="en-US" altLang="ko-KR" sz="800" dirty="0" smtClean="0"/>
+              <a:t>API Key &amp; Session Key</a:t>
+            </a:r>
+            <a:endParaRPr kumimoji="1" lang="ko-KR" altLang="en-US" sz="800" dirty="0"/>
+          </a:p>
+        </p:txBody>
+      </p:sp>
+      <p:sp>
+        <p:nvSpPr>
+          <p:cNvPr id="106" name="텍스트 상자 105"/>
+          <p:cNvSpPr txBox="1"/>
+          <p:nvPr/>
+        </p:nvSpPr>
+        <p:spPr>
+          <a:xfrm>
+            <a:off x="7088449" y="1081751"/>
+            <a:ext cx="1342034" cy="492443"/>
+          </a:xfrm>
+          <a:prstGeom prst="rect">
+            <a:avLst/>
+          </a:prstGeom>
+          <a:noFill/>
+        </p:spPr>
+        <p:txBody>
+          <a:bodyPr wrap="none" rtlCol="0">
+            <a:spAutoFit/>
+          </a:bodyPr>
+          <a:lstStyle/>
+          <a:p>
+            <a:r>
+              <a:rPr kumimoji="1" lang="en-US" altLang="ko-KR" sz="1000" b="1" dirty="0" smtClean="0"/>
+              <a:t>OpenStack Swift</a:t>
+            </a:r>
+          </a:p>
+          <a:p>
+            <a:pPr marL="92075" indent="-92075">
+              <a:buFont typeface="Arial" charset="0"/>
+              <a:buChar char="•"/>
+            </a:pPr>
+            <a:r>
+              <a:rPr kumimoji="1" lang="en-US" altLang="ko-KR" sz="800" dirty="0" smtClean="0"/>
+              <a:t>User Account</a:t>
+            </a:r>
+          </a:p>
+          <a:p>
+            <a:pPr marL="92075" indent="-92075">
+              <a:buFont typeface="Arial" charset="0"/>
+              <a:buChar char="•"/>
+            </a:pPr>
+            <a:r>
+              <a:rPr kumimoji="1" lang="en-US" altLang="ko-KR" sz="800" dirty="0" smtClean="0"/>
+              <a:t>API Key &amp; Session Key</a:t>
+            </a:r>
+            <a:endParaRPr kumimoji="1" lang="ko-KR" altLang="en-US" sz="800" dirty="0"/>
+          </a:p>
+        </p:txBody>
+      </p:sp>
+      <p:sp>
+        <p:nvSpPr>
+          <p:cNvPr id="69" name="아래쪽 화살표[D] 68"/>
+          <p:cNvSpPr/>
+          <p:nvPr/>
+        </p:nvSpPr>
+        <p:spPr>
+          <a:xfrm rot="10800000">
+            <a:off x="6424318" y="415648"/>
+            <a:ext cx="251386" cy="210016"/>
+          </a:xfrm>
+          <a:prstGeom prst="downArrow">
+            <a:avLst/>
+          </a:prstGeom>
+          <a:solidFill>
+            <a:schemeClr val="bg1"/>
+          </a:solidFill>
+          <a:ln>
+            <a:noFill/>
+          </a:ln>
+        </p:spPr>
+        <p:style>
+          <a:lnRef idx="2">
+            <a:schemeClr val="accent1">
+              <a:shade val="50000"/>
+            </a:schemeClr>
+          </a:lnRef>
+          <a:fillRef idx="1">
+            <a:schemeClr val="accent1"/>
+          </a:fillRef>
+          <a:effectRef idx="0">
+            <a:schemeClr val="accent1"/>
+          </a:effectRef>
+          <a:fontRef idx="minor">
+            <a:schemeClr val="lt1"/>
+          </a:fontRef>
+        </p:style>
+        <p:txBody>
+          <a:bodyPr rtlCol="0" anchor="ctr"/>
+          <a:lstStyle/>
+          <a:p>
+            <a:pPr algn="ctr"/>
+            <a:endParaRPr kumimoji="1" lang="ko-KR" altLang="en-US"/>
+          </a:p>
+        </p:txBody>
+      </p:sp>
+      <p:sp>
+        <p:nvSpPr>
+          <p:cNvPr id="109" name="아래쪽 화살표[D] 108"/>
+          <p:cNvSpPr/>
+          <p:nvPr/>
+        </p:nvSpPr>
+        <p:spPr>
+          <a:xfrm rot="10800000">
+            <a:off x="6424318" y="1258587"/>
+            <a:ext cx="251386" cy="210016"/>
+          </a:xfrm>
+          <a:prstGeom prst="downArrow">
+            <a:avLst/>
+          </a:prstGeom>
+          <a:solidFill>
+            <a:schemeClr val="bg1"/>
+          </a:solidFill>
+          <a:ln>
+            <a:noFill/>
+          </a:ln>
+        </p:spPr>
+        <p:style>
+          <a:lnRef idx="2">
+            <a:schemeClr val="accent1">
+              <a:shade val="50000"/>
+            </a:schemeClr>
+          </a:lnRef>
+          <a:fillRef idx="1">
+            <a:schemeClr val="accent1"/>
+          </a:fillRef>
+          <a:effectRef idx="0">
+            <a:schemeClr val="accent1"/>
+          </a:effectRef>
+          <a:fontRef idx="minor">
+            <a:schemeClr val="lt1"/>
+          </a:fontRef>
+        </p:style>
+        <p:txBody>
+          <a:bodyPr rtlCol="0" anchor="ctr"/>
+          <a:lstStyle/>
+          <a:p>
+            <a:pPr algn="ctr"/>
+            <a:endParaRPr kumimoji="1" lang="ko-KR" altLang="en-US"/>
+          </a:p>
+        </p:txBody>
+      </p:sp>
+      <p:sp>
+        <p:nvSpPr>
+          <p:cNvPr id="110" name="직사각형 109"/>
+          <p:cNvSpPr/>
+          <p:nvPr/>
+        </p:nvSpPr>
+        <p:spPr>
+          <a:xfrm>
+            <a:off x="4796531" y="2590617"/>
+            <a:ext cx="39978" cy="39978"/>
+          </a:xfrm>
+          <a:prstGeom prst="rect">
+            <a:avLst/>
+          </a:prstGeom>
+          <a:solidFill>
+            <a:schemeClr val="accent2">
+              <a:lumMod val="60000"/>
+              <a:lumOff val="40000"/>
+            </a:schemeClr>
+          </a:solidFill>
+          <a:ln>
+            <a:solidFill>
+              <a:srgbClr val="FF0000"/>
+            </a:solidFill>
+          </a:ln>
+        </p:spPr>
+        <p:style>
+          <a:lnRef idx="2">
+            <a:schemeClr val="accent1">
+              <a:shade val="50000"/>
+            </a:schemeClr>
+          </a:lnRef>
+          <a:fillRef idx="1">
+            <a:schemeClr val="accent1"/>
+          </a:fillRef>
+          <a:effectRef idx="0">
+            <a:schemeClr val="accent1"/>
+          </a:effectRef>
+          <a:fontRef idx="minor">
+            <a:schemeClr val="lt1"/>
+          </a:fontRef>
+        </p:style>
+        <p:txBody>
+          <a:bodyPr rtlCol="0" anchor="ctr"/>
+          <a:lstStyle/>
+          <a:p>
+            <a:pPr algn="ctr"/>
+            <a:endParaRPr kumimoji="1" lang="ko-KR" altLang="en-US"/>
+          </a:p>
+        </p:txBody>
+      </p:sp>
+      <p:cxnSp>
+        <p:nvCxnSpPr>
+          <p:cNvPr id="111" name="꺾인 연결선[E] 110"/>
+          <p:cNvCxnSpPr>
+            <a:stCxn id="110" idx="0"/>
+            <a:endCxn id="55" idx="2"/>
+          </p:cNvCxnSpPr>
+          <p:nvPr/>
+        </p:nvCxnSpPr>
+        <p:spPr>
+          <a:xfrm rot="5400000" flipH="1" flipV="1">
+            <a:off x="5170389" y="1210996"/>
+            <a:ext cx="1025753" cy="1733491"/>
+          </a:xfrm>
+          <a:prstGeom prst="bentConnector3">
+            <a:avLst>
+              <a:gd name="adj1" fmla="val 77698"/>
+            </a:avLst>
+          </a:prstGeom>
+          <a:ln>
+            <a:solidFill>
+              <a:srgbClr val="FF0000"/>
+            </a:solidFill>
+          </a:ln>
+        </p:spPr>
+        <p:style>
+          <a:lnRef idx="1">
+            <a:schemeClr val="accent1"/>
+          </a:lnRef>
+          <a:fillRef idx="0">
+            <a:schemeClr val="accent1"/>
+          </a:fillRef>
+          <a:effectRef idx="0">
+            <a:schemeClr val="accent1"/>
+          </a:effectRef>
+          <a:fontRef idx="minor">
+            <a:schemeClr val="tx1"/>
+          </a:fontRef>
+        </p:style>
+      </p:cxnSp>
+      <p:cxnSp>
+        <p:nvCxnSpPr>
+          <p:cNvPr id="114" name="꺾인 연결선[E] 113"/>
+          <p:cNvCxnSpPr>
+            <a:stCxn id="110" idx="0"/>
+            <a:endCxn id="103" idx="2"/>
+          </p:cNvCxnSpPr>
+          <p:nvPr/>
+        </p:nvCxnSpPr>
+        <p:spPr>
+          <a:xfrm rot="5400000" flipH="1" flipV="1">
+            <a:off x="4755176" y="795783"/>
+            <a:ext cx="1856178" cy="1733491"/>
+          </a:xfrm>
+          <a:prstGeom prst="bentConnector3">
+            <a:avLst>
+              <a:gd name="adj1" fmla="val 89058"/>
+            </a:avLst>
+          </a:prstGeom>
+          <a:ln>
+            <a:solidFill>
+              <a:srgbClr val="FF0000"/>
+            </a:solidFill>
+          </a:ln>
+        </p:spPr>
+        <p:style>
+          <a:lnRef idx="1">
+            <a:schemeClr val="accent1"/>
+          </a:lnRef>
+          <a:fillRef idx="0">
+            <a:schemeClr val="accent1"/>
+          </a:fillRef>
+          <a:effectRef idx="0">
+            <a:schemeClr val="accent1"/>
+          </a:effectRef>
+          <a:fontRef idx="minor">
+            <a:schemeClr val="tx1"/>
+          </a:fontRef>
+        </p:style>
+      </p:cxnSp>
+      <p:grpSp>
+        <p:nvGrpSpPr>
+          <p:cNvPr id="121" name="그룹 120"/>
+          <p:cNvGrpSpPr/>
+          <p:nvPr/>
+        </p:nvGrpSpPr>
+        <p:grpSpPr>
+          <a:xfrm>
+            <a:off x="8994480" y="3577322"/>
+            <a:ext cx="200515" cy="45719"/>
+            <a:chOff x="5978609" y="2817717"/>
+            <a:chExt cx="200515" cy="45719"/>
+          </a:xfrm>
+        </p:grpSpPr>
+        <p:sp>
+          <p:nvSpPr>
+            <p:cNvPr id="122" name="직사각형 121"/>
+            <p:cNvSpPr/>
+            <p:nvPr/>
+          </p:nvSpPr>
+          <p:spPr>
+            <a:xfrm>
+              <a:off x="6054863" y="2817717"/>
+              <a:ext cx="45719" cy="45719"/>
+            </a:xfrm>
+            <a:prstGeom prst="rect">
+              <a:avLst/>
+            </a:prstGeom>
+            <a:solidFill>
+              <a:schemeClr val="tx1">
+                <a:lumMod val="75000"/>
+                <a:lumOff val="25000"/>
+              </a:schemeClr>
+            </a:solidFill>
+            <a:ln>
+              <a:solidFill>
+                <a:schemeClr val="tx1">
+                  <a:lumMod val="50000"/>
+                  <a:lumOff val="50000"/>
+                </a:schemeClr>
+              </a:solidFill>
+            </a:ln>
+          </p:spPr>
+          <p:style>
+            <a:lnRef idx="2">
+              <a:schemeClr val="accent1">
+                <a:shade val="50000"/>
+              </a:schemeClr>
+            </a:lnRef>
+            <a:fillRef idx="1">
+              <a:schemeClr val="accent1"/>
+            </a:fillRef>
+            <a:effectRef idx="0">
+              <a:schemeClr val="accent1"/>
+            </a:effectRef>
+            <a:fontRef idx="minor">
+              <a:schemeClr val="lt1"/>
+            </a:fontRef>
+          </p:style>
+          <p:txBody>
+            <a:bodyPr rtlCol="0" anchor="ctr"/>
+            <a:lstStyle/>
+            <a:p>
+              <a:pPr algn="ctr"/>
+              <a:endParaRPr kumimoji="1" lang="ko-KR" altLang="en-US"/>
+            </a:p>
+          </p:txBody>
+        </p:sp>
+        <p:sp>
+          <p:nvSpPr>
+            <p:cNvPr id="123" name="직사각형 122"/>
+            <p:cNvSpPr/>
+            <p:nvPr/>
+          </p:nvSpPr>
+          <p:spPr>
+            <a:xfrm>
+              <a:off x="6133405" y="2817717"/>
+              <a:ext cx="45719" cy="45719"/>
+            </a:xfrm>
+            <a:prstGeom prst="rect">
+              <a:avLst/>
+            </a:prstGeom>
+            <a:solidFill>
+              <a:schemeClr val="tx1">
+                <a:lumMod val="75000"/>
+                <a:lumOff val="25000"/>
+              </a:schemeClr>
+            </a:solidFill>
+            <a:ln>
+              <a:solidFill>
+                <a:schemeClr val="tx1">
+                  <a:lumMod val="50000"/>
+                  <a:lumOff val="50000"/>
+                </a:schemeClr>
+              </a:solidFill>
+            </a:ln>
+          </p:spPr>
+          <p:style>
+            <a:lnRef idx="2">
+              <a:schemeClr val="accent1">
+                <a:shade val="50000"/>
+              </a:schemeClr>
+            </a:lnRef>
+            <a:fillRef idx="1">
+              <a:schemeClr val="accent1"/>
+            </a:fillRef>
+            <a:effectRef idx="0">
+              <a:schemeClr val="accent1"/>
+            </a:effectRef>
+            <a:fontRef idx="minor">
+              <a:schemeClr val="lt1"/>
+            </a:fontRef>
+          </p:style>
+          <p:txBody>
+            <a:bodyPr rtlCol="0" anchor="ctr"/>
+            <a:lstStyle/>
+            <a:p>
+              <a:pPr algn="ctr"/>
+              <a:endParaRPr kumimoji="1" lang="ko-KR" altLang="en-US"/>
+            </a:p>
+          </p:txBody>
+        </p:sp>
+        <p:sp>
+          <p:nvSpPr>
+            <p:cNvPr id="124" name="직사각형 123"/>
+            <p:cNvSpPr/>
+            <p:nvPr/>
+          </p:nvSpPr>
+          <p:spPr>
+            <a:xfrm>
+              <a:off x="5978609" y="2817717"/>
+              <a:ext cx="45719" cy="45719"/>
+            </a:xfrm>
+            <a:prstGeom prst="rect">
+              <a:avLst/>
+            </a:prstGeom>
+            <a:solidFill>
+              <a:schemeClr val="tx1">
+                <a:lumMod val="75000"/>
+                <a:lumOff val="25000"/>
+              </a:schemeClr>
+            </a:solidFill>
+            <a:ln>
+              <a:solidFill>
+                <a:schemeClr val="tx1">
+                  <a:lumMod val="50000"/>
+                  <a:lumOff val="50000"/>
+                </a:schemeClr>
+              </a:solidFill>
+            </a:ln>
+          </p:spPr>
+          <p:style>
+            <a:lnRef idx="2">
+              <a:schemeClr val="accent1">
+                <a:shade val="50000"/>
+              </a:schemeClr>
+            </a:lnRef>
+            <a:fillRef idx="1">
+              <a:schemeClr val="accent1"/>
+            </a:fillRef>
+            <a:effectRef idx="0">
+              <a:schemeClr val="accent1"/>
+            </a:effectRef>
+            <a:fontRef idx="minor">
+              <a:schemeClr val="lt1"/>
+            </a:fontRef>
+          </p:style>
+          <p:txBody>
+            <a:bodyPr rtlCol="0" anchor="ctr"/>
+            <a:lstStyle/>
+            <a:p>
+              <a:pPr algn="ctr"/>
+              <a:endParaRPr kumimoji="1" lang="ko-KR" altLang="en-US"/>
+            </a:p>
+          </p:txBody>
+        </p:sp>
+      </p:grpSp>
+      <p:grpSp>
+        <p:nvGrpSpPr>
+          <p:cNvPr id="126" name="그룹 125"/>
+          <p:cNvGrpSpPr/>
+          <p:nvPr/>
+        </p:nvGrpSpPr>
+        <p:grpSpPr>
+          <a:xfrm>
+            <a:off x="9000830" y="4614254"/>
+            <a:ext cx="194165" cy="45719"/>
+            <a:chOff x="5978609" y="2817717"/>
+            <a:chExt cx="194165" cy="45719"/>
+          </a:xfrm>
+        </p:grpSpPr>
+        <p:sp>
+          <p:nvSpPr>
+            <p:cNvPr id="127" name="직사각형 126"/>
+            <p:cNvSpPr/>
+            <p:nvPr/>
+          </p:nvSpPr>
+          <p:spPr>
+            <a:xfrm>
+              <a:off x="6051688" y="2817717"/>
+              <a:ext cx="45719" cy="45719"/>
+            </a:xfrm>
+            <a:prstGeom prst="rect">
+              <a:avLst/>
+            </a:prstGeom>
+            <a:solidFill>
+              <a:schemeClr val="tx1">
+                <a:lumMod val="75000"/>
+                <a:lumOff val="25000"/>
+              </a:schemeClr>
+            </a:solidFill>
+            <a:ln>
+              <a:solidFill>
+                <a:schemeClr val="tx1">
+                  <a:lumMod val="50000"/>
+                  <a:lumOff val="50000"/>
+                </a:schemeClr>
+              </a:solidFill>
+            </a:ln>
+          </p:spPr>
+          <p:style>
+            <a:lnRef idx="2">
+              <a:schemeClr val="accent1">
+                <a:shade val="50000"/>
+              </a:schemeClr>
+            </a:lnRef>
+            <a:fillRef idx="1">
+              <a:schemeClr val="accent1"/>
+            </a:fillRef>
+            <a:effectRef idx="0">
+              <a:schemeClr val="accent1"/>
+            </a:effectRef>
+            <a:fontRef idx="minor">
+              <a:schemeClr val="lt1"/>
+            </a:fontRef>
+          </p:style>
+          <p:txBody>
+            <a:bodyPr rtlCol="0" anchor="ctr"/>
+            <a:lstStyle/>
+            <a:p>
+              <a:pPr algn="ctr"/>
+              <a:endParaRPr kumimoji="1" lang="ko-KR" altLang="en-US"/>
+            </a:p>
+          </p:txBody>
+        </p:sp>
+        <p:sp>
+          <p:nvSpPr>
+            <p:cNvPr id="129" name="직사각형 128"/>
+            <p:cNvSpPr/>
+            <p:nvPr/>
+          </p:nvSpPr>
+          <p:spPr>
+            <a:xfrm>
+              <a:off x="6127055" y="2817717"/>
+              <a:ext cx="45719" cy="45719"/>
+            </a:xfrm>
+            <a:prstGeom prst="rect">
+              <a:avLst/>
+            </a:prstGeom>
+            <a:solidFill>
+              <a:schemeClr val="tx1">
+                <a:lumMod val="75000"/>
+                <a:lumOff val="25000"/>
+              </a:schemeClr>
+            </a:solidFill>
+            <a:ln>
+              <a:solidFill>
+                <a:schemeClr val="tx1">
+                  <a:lumMod val="50000"/>
+                  <a:lumOff val="50000"/>
+                </a:schemeClr>
+              </a:solidFill>
+            </a:ln>
+          </p:spPr>
+          <p:style>
+            <a:lnRef idx="2">
+              <a:schemeClr val="accent1">
+                <a:shade val="50000"/>
+              </a:schemeClr>
+            </a:lnRef>
+            <a:fillRef idx="1">
+              <a:schemeClr val="accent1"/>
+            </a:fillRef>
+            <a:effectRef idx="0">
+              <a:schemeClr val="accent1"/>
+            </a:effectRef>
+            <a:fontRef idx="minor">
+              <a:schemeClr val="lt1"/>
+            </a:fontRef>
+          </p:style>
+          <p:txBody>
+            <a:bodyPr rtlCol="0" anchor="ctr"/>
+            <a:lstStyle/>
+            <a:p>
+              <a:pPr algn="ctr"/>
+              <a:endParaRPr kumimoji="1" lang="ko-KR" altLang="en-US"/>
+            </a:p>
+          </p:txBody>
+        </p:sp>
+        <p:sp>
+          <p:nvSpPr>
+            <p:cNvPr id="130" name="직사각형 129"/>
+            <p:cNvSpPr/>
+            <p:nvPr/>
+          </p:nvSpPr>
+          <p:spPr>
+            <a:xfrm>
+              <a:off x="5978609" y="2817717"/>
+              <a:ext cx="45719" cy="45719"/>
+            </a:xfrm>
+            <a:prstGeom prst="rect">
+              <a:avLst/>
+            </a:prstGeom>
+            <a:solidFill>
+              <a:schemeClr val="tx1">
+                <a:lumMod val="75000"/>
+                <a:lumOff val="25000"/>
+              </a:schemeClr>
+            </a:solidFill>
+            <a:ln>
+              <a:solidFill>
+                <a:schemeClr val="tx1">
+                  <a:lumMod val="50000"/>
+                  <a:lumOff val="50000"/>
+                </a:schemeClr>
+              </a:solidFill>
+            </a:ln>
+          </p:spPr>
+          <p:style>
+            <a:lnRef idx="2">
+              <a:schemeClr val="accent1">
+                <a:shade val="50000"/>
+              </a:schemeClr>
+            </a:lnRef>
+            <a:fillRef idx="1">
+              <a:schemeClr val="accent1"/>
+            </a:fillRef>
+            <a:effectRef idx="0">
+              <a:schemeClr val="accent1"/>
+            </a:effectRef>
+            <a:fontRef idx="minor">
+              <a:schemeClr val="lt1"/>
+            </a:fontRef>
+          </p:style>
+          <p:txBody>
+            <a:bodyPr rtlCol="0" anchor="ctr"/>
+            <a:lstStyle/>
+            <a:p>
+              <a:pPr algn="ctr"/>
+              <a:endParaRPr kumimoji="1" lang="ko-KR" altLang="en-US"/>
+            </a:p>
+          </p:txBody>
+        </p:sp>
+      </p:grpSp>
+      <p:grpSp>
+        <p:nvGrpSpPr>
+          <p:cNvPr id="133" name="그룹 132"/>
+          <p:cNvGrpSpPr/>
+          <p:nvPr/>
+        </p:nvGrpSpPr>
+        <p:grpSpPr>
+          <a:xfrm>
+            <a:off x="5857739" y="3585908"/>
+            <a:ext cx="191929" cy="45719"/>
+            <a:chOff x="5978609" y="2817717"/>
+            <a:chExt cx="191929" cy="45719"/>
+          </a:xfrm>
+        </p:grpSpPr>
+        <p:sp>
+          <p:nvSpPr>
+            <p:cNvPr id="134" name="직사각형 133"/>
+            <p:cNvSpPr/>
+            <p:nvPr/>
+          </p:nvSpPr>
+          <p:spPr>
+            <a:xfrm>
+              <a:off x="6050570" y="2817717"/>
+              <a:ext cx="45719" cy="45719"/>
+            </a:xfrm>
+            <a:prstGeom prst="rect">
+              <a:avLst/>
+            </a:prstGeom>
+            <a:solidFill>
+              <a:schemeClr val="tx1">
+                <a:lumMod val="75000"/>
+                <a:lumOff val="25000"/>
+              </a:schemeClr>
+            </a:solidFill>
+            <a:ln>
+              <a:solidFill>
+                <a:schemeClr val="tx1">
+                  <a:lumMod val="50000"/>
+                  <a:lumOff val="50000"/>
+                </a:schemeClr>
+              </a:solidFill>
+            </a:ln>
+          </p:spPr>
+          <p:style>
+            <a:lnRef idx="2">
+              <a:schemeClr val="accent1">
+                <a:shade val="50000"/>
+              </a:schemeClr>
+            </a:lnRef>
+            <a:fillRef idx="1">
+              <a:schemeClr val="accent1"/>
+            </a:fillRef>
+            <a:effectRef idx="0">
+              <a:schemeClr val="accent1"/>
+            </a:effectRef>
+            <a:fontRef idx="minor">
+              <a:schemeClr val="lt1"/>
+            </a:fontRef>
+          </p:style>
+          <p:txBody>
+            <a:bodyPr rtlCol="0" anchor="ctr"/>
+            <a:lstStyle/>
+            <a:p>
+              <a:pPr algn="ctr"/>
+              <a:endParaRPr kumimoji="1" lang="ko-KR" altLang="en-US"/>
+            </a:p>
+          </p:txBody>
+        </p:sp>
+        <p:sp>
+          <p:nvSpPr>
+            <p:cNvPr id="136" name="직사각형 135"/>
+            <p:cNvSpPr/>
+            <p:nvPr/>
+          </p:nvSpPr>
+          <p:spPr>
+            <a:xfrm>
+              <a:off x="6124819" y="2817717"/>
+              <a:ext cx="45719" cy="45719"/>
+            </a:xfrm>
+            <a:prstGeom prst="rect">
+              <a:avLst/>
+            </a:prstGeom>
+            <a:solidFill>
+              <a:schemeClr val="tx1">
+                <a:lumMod val="75000"/>
+                <a:lumOff val="25000"/>
+              </a:schemeClr>
+            </a:solidFill>
+            <a:ln>
+              <a:solidFill>
+                <a:schemeClr val="tx1">
+                  <a:lumMod val="50000"/>
+                  <a:lumOff val="50000"/>
+                </a:schemeClr>
+              </a:solidFill>
+            </a:ln>
+          </p:spPr>
+          <p:style>
+            <a:lnRef idx="2">
+              <a:schemeClr val="accent1">
+                <a:shade val="50000"/>
+              </a:schemeClr>
+            </a:lnRef>
+            <a:fillRef idx="1">
+              <a:schemeClr val="accent1"/>
+            </a:fillRef>
+            <a:effectRef idx="0">
+              <a:schemeClr val="accent1"/>
+            </a:effectRef>
+            <a:fontRef idx="minor">
+              <a:schemeClr val="lt1"/>
+            </a:fontRef>
+          </p:style>
+          <p:txBody>
+            <a:bodyPr rtlCol="0" anchor="ctr"/>
+            <a:lstStyle/>
+            <a:p>
+              <a:pPr algn="ctr"/>
+              <a:endParaRPr kumimoji="1" lang="ko-KR" altLang="en-US"/>
+            </a:p>
+          </p:txBody>
+        </p:sp>
+        <p:sp>
+          <p:nvSpPr>
+            <p:cNvPr id="137" name="직사각형 136"/>
+            <p:cNvSpPr/>
+            <p:nvPr/>
+          </p:nvSpPr>
+          <p:spPr>
+            <a:xfrm>
+              <a:off x="5978609" y="2817717"/>
+              <a:ext cx="45719" cy="45719"/>
+            </a:xfrm>
+            <a:prstGeom prst="rect">
+              <a:avLst/>
+            </a:prstGeom>
+            <a:solidFill>
+              <a:schemeClr val="tx1">
+                <a:lumMod val="75000"/>
+                <a:lumOff val="25000"/>
+              </a:schemeClr>
+            </a:solidFill>
+            <a:ln>
+              <a:solidFill>
+                <a:schemeClr val="tx1">
+                  <a:lumMod val="50000"/>
+                  <a:lumOff val="50000"/>
+                </a:schemeClr>
+              </a:solidFill>
+            </a:ln>
+          </p:spPr>
+          <p:style>
+            <a:lnRef idx="2">
+              <a:schemeClr val="accent1">
+                <a:shade val="50000"/>
+              </a:schemeClr>
+            </a:lnRef>
+            <a:fillRef idx="1">
+              <a:schemeClr val="accent1"/>
+            </a:fillRef>
+            <a:effectRef idx="0">
+              <a:schemeClr val="accent1"/>
+            </a:effectRef>
+            <a:fontRef idx="minor">
+              <a:schemeClr val="lt1"/>
+            </a:fontRef>
+          </p:style>
+          <p:txBody>
+            <a:bodyPr rtlCol="0" anchor="ctr"/>
+            <a:lstStyle/>
+            <a:p>
+              <a:pPr algn="ctr"/>
+              <a:endParaRPr kumimoji="1" lang="ko-KR" altLang="en-US"/>
+            </a:p>
+          </p:txBody>
+        </p:sp>
+      </p:grpSp>
+    </p:spTree>
+    <p:extLst>
+      <p:ext uri="{BB962C8B-B14F-4D97-AF65-F5344CB8AC3E}">
+        <p14:creationId xmlns:p14="http://schemas.microsoft.com/office/powerpoint/2010/main" val="1426165423"/>
+      </p:ext>
+    </p:extLst>
+  </p:cSld>
+  <p:clrMapOvr>
+    <a:masterClrMapping/>
+  </p:clrMapOvr>
+</p:sld>
+</file>
+
 <file path=ppt/theme/theme1.xml><?xml version="1.0" encoding="utf-8"?>
 <a:theme xmlns:a="http://schemas.openxmlformats.org/drawingml/2006/main" name="Office 테마">
   <a:themeElements>
